--- a/Teaching/Chemistry/Labs/FCC Chem 3A Expt 6a Molecular Modeling.pptx
+++ b/Teaching/Chemistry/Labs/FCC Chem 3A Expt 6a Molecular Modeling.pptx
@@ -1,26 +1,22 @@
 
 <file path=ppt/presentation.xml><?xml version="1.0" encoding="utf-8"?>
-<p:presentation xmlns:a="http://schemas.openxmlformats.org/drawingml/2006/main" xmlns:r="http://schemas.openxmlformats.org/officeDocument/2006/relationships" xmlns:p="http://schemas.openxmlformats.org/presentationml/2006/main" saveSubsetFonts="1">
+<p:presentation xmlns:a="http://schemas.openxmlformats.org/drawingml/2006/main" xmlns:r="http://schemas.openxmlformats.org/officeDocument/2006/relationships" xmlns:p="http://schemas.openxmlformats.org/presentationml/2006/main" showSpecialPlsOnTitleSld="0" saveSubsetFonts="1">
   <p:sldMasterIdLst>
     <p:sldMasterId id="2147483803" r:id="rId1"/>
   </p:sldMasterIdLst>
   <p:notesMasterIdLst>
-    <p:notesMasterId r:id="rId15"/>
+    <p:notesMasterId r:id="rId11"/>
   </p:notesMasterIdLst>
   <p:sldIdLst>
     <p:sldId id="608" r:id="rId2"/>
     <p:sldId id="609" r:id="rId3"/>
     <p:sldId id="616" r:id="rId4"/>
-    <p:sldId id="618" r:id="rId5"/>
-    <p:sldId id="619" r:id="rId6"/>
-    <p:sldId id="620" r:id="rId7"/>
-    <p:sldId id="613" r:id="rId8"/>
-    <p:sldId id="610" r:id="rId9"/>
-    <p:sldId id="617" r:id="rId10"/>
-    <p:sldId id="622" r:id="rId11"/>
-    <p:sldId id="621" r:id="rId12"/>
-    <p:sldId id="623" r:id="rId13"/>
-    <p:sldId id="612" r:id="rId14"/>
+    <p:sldId id="881" r:id="rId5"/>
+    <p:sldId id="613" r:id="rId6"/>
+    <p:sldId id="610" r:id="rId7"/>
+    <p:sldId id="882" r:id="rId8"/>
+    <p:sldId id="883" r:id="rId9"/>
+    <p:sldId id="612" r:id="rId10"/>
   </p:sldIdLst>
   <p:sldSz cx="9144000" cy="6858000" type="screen4x3"/>
   <p:notesSz cx="7315200" cy="9601200"/>
@@ -1944,6 +1940,36 @@
           </a:p>
         </p:txBody>
       </p:sp>
+      <p:sp>
+        <p:nvSpPr>
+          <p:cNvPr id="4" name="Slide Number Placeholder 3">
+            <a:extLst>
+              <a:ext uri="{FF2B5EF4-FFF2-40B4-BE49-F238E27FC236}">
+                <a16:creationId xmlns:a16="http://schemas.microsoft.com/office/drawing/2014/main" id="{BA74CB21-8540-E34E-99D5-DBB61C460BC5}"/>
+              </a:ext>
+            </a:extLst>
+          </p:cNvPr>
+          <p:cNvSpPr>
+            <a:spLocks noGrp="1"/>
+          </p:cNvSpPr>
+          <p:nvPr>
+            <p:ph type="sldNum" sz="quarter" idx="10"/>
+          </p:nvPr>
+        </p:nvSpPr>
+        <p:spPr/>
+        <p:txBody>
+          <a:bodyPr/>
+          <a:lstStyle/>
+          <a:p>
+            <a:fld id="{061D2053-A9F4-4414-A3FB-98959FE1F87A}" type="slidenum">
+              <a:rPr lang="en-US" smtClean="0"/>
+              <a:pPr/>
+              <a:t>‹#›</a:t>
+            </a:fld>
+            <a:endParaRPr lang="en-US" dirty="0"/>
+          </a:p>
+        </p:txBody>
+      </p:sp>
     </p:spTree>
     <p:extLst>
       <p:ext uri="{BB962C8B-B14F-4D97-AF65-F5344CB8AC3E}">
@@ -3275,6 +3301,52 @@
           </a:p>
         </p:txBody>
       </p:sp>
+      <p:sp>
+        <p:nvSpPr>
+          <p:cNvPr id="2" name="Slide Number Placeholder 1">
+            <a:extLst>
+              <a:ext uri="{FF2B5EF4-FFF2-40B4-BE49-F238E27FC236}">
+                <a16:creationId xmlns:a16="http://schemas.microsoft.com/office/drawing/2014/main" id="{C2162CC9-4E20-A957-5604-1237F17B2D91}"/>
+              </a:ext>
+            </a:extLst>
+          </p:cNvPr>
+          <p:cNvSpPr>
+            <a:spLocks noGrp="1"/>
+          </p:cNvSpPr>
+          <p:nvPr>
+            <p:ph type="sldNum" sz="quarter" idx="4"/>
+          </p:nvPr>
+        </p:nvSpPr>
+        <p:spPr>
+          <a:xfrm>
+            <a:off x="7027691" y="6364992"/>
+            <a:ext cx="2057400" cy="365125"/>
+          </a:xfrm>
+          <a:prstGeom prst="rect">
+            <a:avLst/>
+          </a:prstGeom>
+        </p:spPr>
+        <p:txBody>
+          <a:bodyPr vert="horz" lIns="91440" tIns="45720" rIns="91440" bIns="45720" rtlCol="0" anchor="ctr"/>
+          <a:lstStyle>
+            <a:lvl1pPr algn="r">
+              <a:defRPr sz="1200" b="1" i="0" baseline="0">
+                <a:solidFill>
+                  <a:schemeClr val="bg1"/>
+                </a:solidFill>
+              </a:defRPr>
+            </a:lvl1pPr>
+          </a:lstStyle>
+          <a:p>
+            <a:fld id="{061D2053-A9F4-4414-A3FB-98959FE1F87A}" type="slidenum">
+              <a:rPr lang="en-US" smtClean="0"/>
+              <a:pPr/>
+              <a:t>‹#›</a:t>
+            </a:fld>
+            <a:endParaRPr lang="en-US" dirty="0"/>
+          </a:p>
+        </p:txBody>
+      </p:sp>
     </p:spTree>
     <p:extLst>
       <p:ext uri="{BB962C8B-B14F-4D97-AF65-F5344CB8AC3E}">
@@ -3301,7 +3373,7 @@
     <p:sldLayoutId id="2147483818" r:id="rId15"/>
     <p:sldLayoutId id="2147483802" r:id="rId16"/>
   </p:sldLayoutIdLst>
-  <p:hf sldNum="0" hdr="0" ftr="0" dt="0"/>
+  <p:hf hdr="0" ftr="0" dt="0"/>
   <p:txStyles>
     <p:titleStyle>
       <a:lvl1pPr algn="l" rtl="0" eaLnBrk="1" fontAlgn="base" hangingPunct="1">
@@ -10488,1188 +10560,6 @@
 </p:sld>
 </file>
 
-<file path=ppt/slides/slide10.xml><?xml version="1.0" encoding="utf-8"?>
-<p:sld xmlns:a="http://schemas.openxmlformats.org/drawingml/2006/main" xmlns:r="http://schemas.openxmlformats.org/officeDocument/2006/relationships" xmlns:p="http://schemas.openxmlformats.org/presentationml/2006/main">
-  <p:cSld>
-    <p:spTree>
-      <p:nvGrpSpPr>
-        <p:cNvPr id="1" name="">
-          <a:extLst>
-            <a:ext uri="{FF2B5EF4-FFF2-40B4-BE49-F238E27FC236}">
-              <a16:creationId xmlns:a16="http://schemas.microsoft.com/office/drawing/2014/main" id="{80032430-C568-9444-018A-4A293518DCCA}"/>
-            </a:ext>
-          </a:extLst>
-        </p:cNvPr>
-        <p:cNvGrpSpPr/>
-        <p:nvPr/>
-      </p:nvGrpSpPr>
-      <p:grpSpPr>
-        <a:xfrm>
-          <a:off x="0" y="0"/>
-          <a:ext cx="0" cy="0"/>
-          <a:chOff x="0" y="0"/>
-          <a:chExt cx="0" cy="0"/>
-        </a:xfrm>
-      </p:grpSpPr>
-      <p:sp>
-        <p:nvSpPr>
-          <p:cNvPr id="2" name="Title 1">
-            <a:extLst>
-              <a:ext uri="{FF2B5EF4-FFF2-40B4-BE49-F238E27FC236}">
-                <a16:creationId xmlns:a16="http://schemas.microsoft.com/office/drawing/2014/main" id="{8B652173-3E63-7A53-DF9E-053FCE100E99}"/>
-              </a:ext>
-            </a:extLst>
-          </p:cNvPr>
-          <p:cNvSpPr>
-            <a:spLocks noGrp="1"/>
-          </p:cNvSpPr>
-          <p:nvPr>
-            <p:ph type="title"/>
-          </p:nvPr>
-        </p:nvSpPr>
-        <p:spPr>
-          <a:xfrm>
-            <a:off x="338666" y="183025"/>
-            <a:ext cx="8421512" cy="769441"/>
-          </a:xfrm>
-        </p:spPr>
-        <p:txBody>
-          <a:bodyPr/>
-          <a:lstStyle/>
-          <a:p>
-            <a:r>
-              <a:rPr lang="en-US" sz="4400" dirty="0"/>
-              <a:t>Procedure</a:t>
-            </a:r>
-          </a:p>
-        </p:txBody>
-      </p:sp>
-      <p:sp>
-        <p:nvSpPr>
-          <p:cNvPr id="6" name="Content Placeholder 5">
-            <a:extLst>
-              <a:ext uri="{FF2B5EF4-FFF2-40B4-BE49-F238E27FC236}">
-                <a16:creationId xmlns:a16="http://schemas.microsoft.com/office/drawing/2014/main" id="{2D45A565-8AD4-F37F-9436-FAD0B19DA96C}"/>
-              </a:ext>
-            </a:extLst>
-          </p:cNvPr>
-          <p:cNvSpPr>
-            <a:spLocks noGrp="1"/>
-          </p:cNvSpPr>
-          <p:nvPr>
-            <p:ph idx="1"/>
-          </p:nvPr>
-        </p:nvSpPr>
-        <p:spPr>
-          <a:xfrm>
-            <a:off x="372533" y="952466"/>
-            <a:ext cx="8387645" cy="5595089"/>
-          </a:xfrm>
-        </p:spPr>
-        <p:txBody>
-          <a:bodyPr/>
-          <a:lstStyle/>
-          <a:p>
-            <a:pPr marL="0" indent="0">
-              <a:buNone/>
-            </a:pPr>
-            <a:r>
-              <a:rPr lang="en-US" sz="2800" i="1" dirty="0">
-                <a:solidFill>
-                  <a:srgbClr val="00FF00"/>
-                </a:solidFill>
-              </a:rPr>
-              <a:t>Reaction</a:t>
-            </a:r>
-          </a:p>
-          <a:p>
-            <a:pPr marL="457200" indent="-457200">
-              <a:buFont typeface="+mj-lt"/>
-              <a:buAutoNum type="arabicPeriod"/>
-            </a:pPr>
-            <a:r>
-              <a:rPr lang="en-US" sz="2200" dirty="0"/>
-              <a:t>Heat the contents with a </a:t>
-            </a:r>
-            <a:r>
-              <a:rPr lang="en-US" sz="2200" dirty="0">
-                <a:solidFill>
-                  <a:schemeClr val="accent1">
-                    <a:lumMod val="60000"/>
-                    <a:lumOff val="40000"/>
-                  </a:schemeClr>
-                </a:solidFill>
-              </a:rPr>
-              <a:t>blue flame </a:t>
-            </a:r>
-            <a:r>
-              <a:rPr lang="en-US" sz="2200" dirty="0"/>
-              <a:t>of the </a:t>
-            </a:r>
-            <a:r>
-              <a:rPr lang="en-US" sz="2200" dirty="0">
-                <a:solidFill>
-                  <a:schemeClr val="accent1">
-                    <a:lumMod val="60000"/>
-                    <a:lumOff val="40000"/>
-                  </a:schemeClr>
-                </a:solidFill>
-              </a:rPr>
-              <a:t>Bunsen burner</a:t>
-            </a:r>
-            <a:r>
-              <a:rPr lang="en-US" sz="2200" dirty="0"/>
-              <a:t>. The </a:t>
-            </a:r>
-            <a:r>
-              <a:rPr lang="en-US" sz="2200" dirty="0">
-                <a:solidFill>
-                  <a:srgbClr val="FFFF00"/>
-                </a:solidFill>
-              </a:rPr>
-              <a:t>sulfur</a:t>
-            </a:r>
-            <a:r>
-              <a:rPr lang="en-US" sz="2200" dirty="0"/>
-              <a:t> will melt within about a minute.</a:t>
-            </a:r>
-          </a:p>
-          <a:p>
-            <a:pPr marL="457200" indent="-457200">
-              <a:buFont typeface="+mj-lt"/>
-              <a:buAutoNum type="arabicPeriod"/>
-            </a:pPr>
-            <a:r>
-              <a:rPr lang="en-US" sz="2200" dirty="0"/>
-              <a:t>Use the </a:t>
-            </a:r>
-            <a:r>
-              <a:rPr lang="en-US" sz="2200" dirty="0">
-                <a:solidFill>
-                  <a:schemeClr val="accent1">
-                    <a:lumMod val="60000"/>
-                    <a:lumOff val="40000"/>
-                  </a:schemeClr>
-                </a:solidFill>
-              </a:rPr>
-              <a:t>crucible tongs </a:t>
-            </a:r>
-            <a:r>
-              <a:rPr lang="en-US" sz="2200" dirty="0"/>
-              <a:t>to transfer the crucible to the </a:t>
-            </a:r>
-            <a:r>
-              <a:rPr lang="en-US" sz="2200" dirty="0">
-                <a:solidFill>
-                  <a:schemeClr val="accent1">
-                    <a:lumMod val="60000"/>
-                    <a:lumOff val="40000"/>
-                  </a:schemeClr>
-                </a:solidFill>
-              </a:rPr>
-              <a:t>wire mesh. </a:t>
-            </a:r>
-            <a:r>
-              <a:rPr lang="en-US" sz="2200" dirty="0"/>
-              <a:t>The</a:t>
-            </a:r>
-            <a:r>
-              <a:rPr lang="en-US" sz="2200" dirty="0">
-                <a:solidFill>
-                  <a:schemeClr val="accent1">
-                    <a:lumMod val="60000"/>
-                    <a:lumOff val="40000"/>
-                  </a:schemeClr>
-                </a:solidFill>
-              </a:rPr>
-              <a:t> </a:t>
-            </a:r>
-            <a:r>
-              <a:rPr lang="en-US" sz="2200" dirty="0"/>
-              <a:t>melted sulfur reacts with the copper during this time.</a:t>
-            </a:r>
-          </a:p>
-          <a:p>
-            <a:pPr marL="457200" indent="-457200">
-              <a:buFont typeface="+mj-lt"/>
-              <a:buAutoNum type="arabicPeriod"/>
-            </a:pPr>
-            <a:r>
-              <a:rPr lang="en-US" sz="2200" dirty="0"/>
-              <a:t>Put the crucible back on the flame: the unreacted sulfur will burn off, forming sulfur dioxide (SO</a:t>
-            </a:r>
-            <a:r>
-              <a:rPr lang="en-US" sz="2200" baseline="-25000" dirty="0"/>
-              <a:t>2</a:t>
-            </a:r>
-            <a:r>
-              <a:rPr lang="en-US" sz="2200" dirty="0"/>
-              <a:t>) gas, vented in the hood. The crucible looks clean and dry except for the coil of copper sulfide.</a:t>
-            </a:r>
-          </a:p>
-          <a:p>
-            <a:pPr marL="457200" indent="-457200">
-              <a:buFont typeface="+mj-lt"/>
-              <a:buAutoNum type="arabicPeriod"/>
-            </a:pPr>
-            <a:r>
-              <a:rPr lang="en-US" sz="2200" dirty="0"/>
-              <a:t>Set the crucible again on the wire mesh to cool</a:t>
-            </a:r>
-          </a:p>
-          <a:p>
-            <a:pPr marL="457200" indent="-457200">
-              <a:buFont typeface="+mj-lt"/>
-              <a:buAutoNum type="arabicPeriod"/>
-            </a:pPr>
-            <a:r>
-              <a:rPr lang="en-US" sz="2200" dirty="0"/>
-              <a:t>Record mass of crucible with the new compound (</a:t>
-            </a:r>
-            <a:r>
-              <a:rPr lang="en-US" sz="2200" b="1" dirty="0"/>
-              <a:t>D</a:t>
-            </a:r>
-            <a:r>
-              <a:rPr lang="en-US" sz="2200" dirty="0"/>
-              <a:t>)</a:t>
-            </a:r>
-          </a:p>
-          <a:p>
-            <a:pPr marL="457200" indent="-457200">
-              <a:buFont typeface="+mj-lt"/>
-              <a:buAutoNum type="arabicPeriod"/>
-            </a:pPr>
-            <a:r>
-              <a:rPr lang="en-US" sz="2200" dirty="0"/>
-              <a:t>Carefully tip crucible contents on to watch glass and make observations of physical properties</a:t>
-            </a:r>
-          </a:p>
-          <a:p>
-            <a:pPr marL="457200" indent="-457200">
-              <a:buFont typeface="+mj-lt"/>
-              <a:buAutoNum type="arabicPeriod"/>
-            </a:pPr>
-            <a:endParaRPr lang="en-US" dirty="0"/>
-          </a:p>
-          <a:p>
-            <a:pPr marL="457200" indent="-457200">
-              <a:buFont typeface="+mj-lt"/>
-              <a:buAutoNum type="arabicPeriod"/>
-            </a:pPr>
-            <a:endParaRPr lang="en-US" sz="2800" dirty="0"/>
-          </a:p>
-        </p:txBody>
-      </p:sp>
-    </p:spTree>
-    <p:extLst>
-      <p:ext uri="{BB962C8B-B14F-4D97-AF65-F5344CB8AC3E}">
-        <p14:creationId xmlns:p14="http://schemas.microsoft.com/office/powerpoint/2010/main" val="943315025"/>
-      </p:ext>
-    </p:extLst>
-  </p:cSld>
-  <p:clrMapOvr>
-    <a:masterClrMapping/>
-  </p:clrMapOvr>
-</p:sld>
-</file>
-
-<file path=ppt/slides/slide11.xml><?xml version="1.0" encoding="utf-8"?>
-<p:sld xmlns:a="http://schemas.openxmlformats.org/drawingml/2006/main" xmlns:r="http://schemas.openxmlformats.org/officeDocument/2006/relationships" xmlns:p="http://schemas.openxmlformats.org/presentationml/2006/main">
-  <p:cSld>
-    <p:spTree>
-      <p:nvGrpSpPr>
-        <p:cNvPr id="1" name="">
-          <a:extLst>
-            <a:ext uri="{FF2B5EF4-FFF2-40B4-BE49-F238E27FC236}">
-              <a16:creationId xmlns:a16="http://schemas.microsoft.com/office/drawing/2014/main" id="{BA86FC53-DF32-CE64-DFB5-7C8645A52D75}"/>
-            </a:ext>
-          </a:extLst>
-        </p:cNvPr>
-        <p:cNvGrpSpPr/>
-        <p:nvPr/>
-      </p:nvGrpSpPr>
-      <p:grpSpPr>
-        <a:xfrm>
-          <a:off x="0" y="0"/>
-          <a:ext cx="0" cy="0"/>
-          <a:chOff x="0" y="0"/>
-          <a:chExt cx="0" cy="0"/>
-        </a:xfrm>
-      </p:grpSpPr>
-      <p:sp>
-        <p:nvSpPr>
-          <p:cNvPr id="2" name="Title 1">
-            <a:extLst>
-              <a:ext uri="{FF2B5EF4-FFF2-40B4-BE49-F238E27FC236}">
-                <a16:creationId xmlns:a16="http://schemas.microsoft.com/office/drawing/2014/main" id="{C16FF693-5E30-D813-D298-9AB46F923D33}"/>
-              </a:ext>
-            </a:extLst>
-          </p:cNvPr>
-          <p:cNvSpPr>
-            <a:spLocks noGrp="1"/>
-          </p:cNvSpPr>
-          <p:nvPr>
-            <p:ph type="title"/>
-          </p:nvPr>
-        </p:nvSpPr>
-        <p:spPr>
-          <a:xfrm>
-            <a:off x="338666" y="183025"/>
-            <a:ext cx="8421512" cy="769441"/>
-          </a:xfrm>
-        </p:spPr>
-        <p:txBody>
-          <a:bodyPr/>
-          <a:lstStyle/>
-          <a:p>
-            <a:r>
-              <a:rPr lang="en-US" sz="4400" dirty="0"/>
-              <a:t>Example Data Analysis</a:t>
-            </a:r>
-          </a:p>
-        </p:txBody>
-      </p:sp>
-      <p:sp>
-        <p:nvSpPr>
-          <p:cNvPr id="6" name="Content Placeholder 5">
-            <a:extLst>
-              <a:ext uri="{FF2B5EF4-FFF2-40B4-BE49-F238E27FC236}">
-                <a16:creationId xmlns:a16="http://schemas.microsoft.com/office/drawing/2014/main" id="{584FB2EA-A75D-4ADA-B03B-899868167CF9}"/>
-              </a:ext>
-            </a:extLst>
-          </p:cNvPr>
-          <p:cNvSpPr>
-            <a:spLocks noGrp="1"/>
-          </p:cNvSpPr>
-          <p:nvPr>
-            <p:ph idx="1"/>
-          </p:nvPr>
-        </p:nvSpPr>
-        <p:spPr>
-          <a:xfrm>
-            <a:off x="372533" y="952466"/>
-            <a:ext cx="8387645" cy="5595089"/>
-          </a:xfrm>
-        </p:spPr>
-        <p:txBody>
-          <a:bodyPr/>
-          <a:lstStyle/>
-          <a:p>
-            <a:pPr marL="457200" indent="-457200">
-              <a:buFont typeface="+mj-lt"/>
-              <a:buAutoNum type="arabicPeriod"/>
-            </a:pPr>
-            <a:r>
-              <a:rPr lang="en-US" dirty="0"/>
-              <a:t>Suppose A=23.7584 g, B=34.3532 g,</a:t>
-            </a:r>
-            <a:br>
-              <a:rPr lang="en-US" dirty="0"/>
-            </a:br>
-            <a:r>
-              <a:rPr lang="en-US" dirty="0"/>
-              <a:t>C=37.5732 g. After the reaction, D=36.7841 g</a:t>
-            </a:r>
-          </a:p>
-          <a:p>
-            <a:pPr marL="457200" indent="-457200">
-              <a:buFont typeface="+mj-lt"/>
-              <a:buAutoNum type="arabicPeriod"/>
-            </a:pPr>
-            <a:r>
-              <a:rPr lang="en-US" dirty="0"/>
-              <a:t>[B-A]=10.5948 g, [C-B]=3.2200 g,</a:t>
-            </a:r>
-            <a:br>
-              <a:rPr lang="en-US" dirty="0"/>
-            </a:br>
-            <a:r>
-              <a:rPr lang="en-US" dirty="0"/>
-              <a:t>[D-A]=13.0257 g</a:t>
-            </a:r>
-          </a:p>
-          <a:p>
-            <a:pPr marL="457200" indent="-457200">
-              <a:buFont typeface="+mj-lt"/>
-              <a:buAutoNum type="arabicPeriod"/>
-            </a:pPr>
-            <a:r>
-              <a:rPr lang="en-US" dirty="0"/>
-              <a:t>Copper reacted should be same as initial copper, because copper doesn’t go anywhere</a:t>
-            </a:r>
-          </a:p>
-          <a:p>
-            <a:pPr marL="457200" indent="-457200">
-              <a:buFont typeface="+mj-lt"/>
-              <a:buAutoNum type="arabicPeriod"/>
-            </a:pPr>
-            <a:r>
-              <a:rPr lang="en-US" dirty="0"/>
-              <a:t>Sulfur reacted should be [D-A]-[B-A]=13.0257 g - 10.5948 g= 2.4309 g</a:t>
-            </a:r>
-          </a:p>
-          <a:p>
-            <a:pPr marL="457200" indent="-457200">
-              <a:buFont typeface="+mj-lt"/>
-              <a:buAutoNum type="arabicPeriod"/>
-            </a:pPr>
-            <a:r>
-              <a:rPr lang="en-US" dirty="0"/>
-              <a:t>Excess sulfur = [C-B]-2.4309 g = 3.2200 g – 2.4309 g =0.7891 g </a:t>
-            </a:r>
-          </a:p>
-          <a:p>
-            <a:pPr marL="457200" indent="-457200">
-              <a:buFont typeface="+mj-lt"/>
-              <a:buAutoNum type="arabicPeriod"/>
-            </a:pPr>
-            <a:endParaRPr lang="en-US" dirty="0"/>
-          </a:p>
-          <a:p>
-            <a:pPr marL="0" indent="0">
-              <a:buNone/>
-            </a:pPr>
-            <a:r>
-              <a:rPr lang="en-US" dirty="0"/>
-              <a:t>Mass ratio </a:t>
-            </a:r>
-            <a:r>
-              <a:rPr lang="en-US" sz="2000" dirty="0"/>
-              <a:t>= </a:t>
-            </a:r>
-            <a:r>
-              <a:rPr lang="en-US" sz="1800" dirty="0"/>
-              <a:t>c</a:t>
-            </a:r>
-            <a:r>
-              <a:rPr lang="en-US" sz="2000" dirty="0"/>
-              <a:t>opper/sulfur reacted =</a:t>
-            </a:r>
-            <a:r>
-              <a:rPr lang="en-US" dirty="0"/>
-              <a:t> 10.5948 g/2.4309 g</a:t>
-            </a:r>
-            <a:br>
-              <a:rPr lang="en-US" dirty="0"/>
-            </a:br>
-            <a:r>
-              <a:rPr lang="en-US" dirty="0"/>
-              <a:t>= 4.3583</a:t>
-            </a:r>
-          </a:p>
-        </p:txBody>
-      </p:sp>
-    </p:spTree>
-    <p:extLst>
-      <p:ext uri="{BB962C8B-B14F-4D97-AF65-F5344CB8AC3E}">
-        <p14:creationId xmlns:p14="http://schemas.microsoft.com/office/powerpoint/2010/main" val="2049909912"/>
-      </p:ext>
-    </p:extLst>
-  </p:cSld>
-  <p:clrMapOvr>
-    <a:masterClrMapping/>
-  </p:clrMapOvr>
-</p:sld>
-</file>
-
-<file path=ppt/slides/slide12.xml><?xml version="1.0" encoding="utf-8"?>
-<p:sld xmlns:a="http://schemas.openxmlformats.org/drawingml/2006/main" xmlns:r="http://schemas.openxmlformats.org/officeDocument/2006/relationships" xmlns:p="http://schemas.openxmlformats.org/presentationml/2006/main">
-  <p:cSld>
-    <p:spTree>
-      <p:nvGrpSpPr>
-        <p:cNvPr id="1" name="">
-          <a:extLst>
-            <a:ext uri="{FF2B5EF4-FFF2-40B4-BE49-F238E27FC236}">
-              <a16:creationId xmlns:a16="http://schemas.microsoft.com/office/drawing/2014/main" id="{F9605A24-FE88-1B37-6F21-A6AE688FD93A}"/>
-            </a:ext>
-          </a:extLst>
-        </p:cNvPr>
-        <p:cNvGrpSpPr/>
-        <p:nvPr/>
-      </p:nvGrpSpPr>
-      <p:grpSpPr>
-        <a:xfrm>
-          <a:off x="0" y="0"/>
-          <a:ext cx="0" cy="0"/>
-          <a:chOff x="0" y="0"/>
-          <a:chExt cx="0" cy="0"/>
-        </a:xfrm>
-      </p:grpSpPr>
-      <p:sp>
-        <p:nvSpPr>
-          <p:cNvPr id="2" name="Title 1">
-            <a:extLst>
-              <a:ext uri="{FF2B5EF4-FFF2-40B4-BE49-F238E27FC236}">
-                <a16:creationId xmlns:a16="http://schemas.microsoft.com/office/drawing/2014/main" id="{1473B395-B63F-4CB7-0692-A64546C69508}"/>
-              </a:ext>
-            </a:extLst>
-          </p:cNvPr>
-          <p:cNvSpPr>
-            <a:spLocks noGrp="1"/>
-          </p:cNvSpPr>
-          <p:nvPr>
-            <p:ph type="title"/>
-          </p:nvPr>
-        </p:nvSpPr>
-        <p:spPr>
-          <a:xfrm>
-            <a:off x="338666" y="183025"/>
-            <a:ext cx="8421512" cy="769441"/>
-          </a:xfrm>
-        </p:spPr>
-        <p:txBody>
-          <a:bodyPr/>
-          <a:lstStyle/>
-          <a:p>
-            <a:r>
-              <a:rPr lang="en-US" sz="4400" dirty="0"/>
-              <a:t>Example Data Analysis</a:t>
-            </a:r>
-          </a:p>
-        </p:txBody>
-      </p:sp>
-      <mc:AlternateContent xmlns:mc="http://schemas.openxmlformats.org/markup-compatibility/2006" xmlns:a14="http://schemas.microsoft.com/office/drawing/2010/main">
-        <mc:Choice Requires="a14">
-          <p:sp>
-            <p:nvSpPr>
-              <p:cNvPr id="6" name="Content Placeholder 5">
-                <a:extLst>
-                  <a:ext uri="{FF2B5EF4-FFF2-40B4-BE49-F238E27FC236}">
-                    <a16:creationId xmlns:a16="http://schemas.microsoft.com/office/drawing/2014/main" id="{A7219B4E-9803-A35C-5535-085CE995377D}"/>
-                  </a:ext>
-                </a:extLst>
-              </p:cNvPr>
-              <p:cNvSpPr>
-                <a:spLocks noGrp="1"/>
-              </p:cNvSpPr>
-              <p:nvPr>
-                <p:ph idx="1"/>
-              </p:nvPr>
-            </p:nvSpPr>
-            <p:spPr>
-              <a:xfrm>
-                <a:off x="372533" y="952466"/>
-                <a:ext cx="8387645" cy="5595089"/>
-              </a:xfrm>
-            </p:spPr>
-            <p:txBody>
-              <a:bodyPr/>
-              <a:lstStyle/>
-              <a:p>
-                <a:pPr marL="0" indent="0">
-                  <a:buNone/>
-                </a:pPr>
-                <a:r>
-                  <a:rPr lang="en-US" dirty="0"/>
-                  <a:t>What does the mass ratio show?</a:t>
-                </a:r>
-              </a:p>
-              <a:p>
-                <a:pPr marL="0" indent="0">
-                  <a:buNone/>
-                </a:pPr>
-                <a:r>
-                  <a:rPr lang="en-US" dirty="0"/>
-                  <a:t>For every 1 g of S, there are about 4.4 g Cu</a:t>
-                </a:r>
-              </a:p>
-              <a:p>
-                <a:pPr marL="0" indent="0">
-                  <a:buNone/>
-                </a:pPr>
-                <a:endParaRPr lang="en-US" sz="1200" dirty="0"/>
-              </a:p>
-              <a:p>
-                <a:pPr marL="0" indent="0">
-                  <a:buNone/>
-                </a:pPr>
-                <a:r>
-                  <a:rPr lang="en-US" dirty="0"/>
-                  <a:t>Look at the molar masses of S and Cu.</a:t>
-                </a:r>
-              </a:p>
-              <a:p>
-                <a:pPr marL="0" indent="0">
-                  <a:buNone/>
-                </a:pPr>
-                <a:endParaRPr lang="en-US" sz="1200" dirty="0"/>
-              </a:p>
-              <a:p>
-                <a:pPr marL="0" indent="0">
-                  <a:buNone/>
-                </a:pPr>
-                <a:r>
-                  <a:rPr lang="en-US" dirty="0"/>
-                  <a:t>If there are 32.065 g/mol S and 63.546 g/mol Cu, and there are 2 mol Cu and 1 mol S in Cu</a:t>
-                </a:r>
-                <a:r>
-                  <a:rPr lang="en-US" baseline="-25000" dirty="0"/>
-                  <a:t>2</a:t>
-                </a:r>
-                <a:r>
-                  <a:rPr lang="en-US" dirty="0"/>
-                  <a:t>S, then what is the theoretical mass ratio of S to Cu in Cu</a:t>
-                </a:r>
-                <a:r>
-                  <a:rPr lang="en-US" baseline="-25000" dirty="0"/>
-                  <a:t>2</a:t>
-                </a:r>
-                <a:r>
-                  <a:rPr lang="en-US" dirty="0"/>
-                  <a:t>S?</a:t>
-                </a:r>
-              </a:p>
-              <a:p>
-                <a:pPr marL="0" indent="0">
-                  <a:buNone/>
-                </a:pPr>
-                <a:endParaRPr lang="en-US" dirty="0"/>
-              </a:p>
-              <a:p>
-                <a:pPr marL="0" indent="0">
-                  <a:buNone/>
-                </a:pPr>
-                <a14:m>
-                  <m:oMathPara xmlns:m="http://schemas.openxmlformats.org/officeDocument/2006/math">
-                    <m:oMathParaPr>
-                      <m:jc m:val="centerGroup"/>
-                    </m:oMathParaPr>
-                    <m:oMath xmlns:m="http://schemas.openxmlformats.org/officeDocument/2006/math">
-                      <m:f>
-                        <m:fPr>
-                          <m:ctrlPr>
-                            <a:rPr lang="en-US" i="1" smtClean="0">
-                              <a:latin typeface="Cambria Math" panose="02040503050406030204" pitchFamily="18" charset="0"/>
-                            </a:rPr>
-                          </m:ctrlPr>
-                        </m:fPr>
-                        <m:num>
-                          <m:f>
-                            <m:fPr>
-                              <m:ctrlPr>
-                                <a:rPr lang="en-US" i="1" smtClean="0">
-                                  <a:latin typeface="Cambria Math" panose="02040503050406030204" pitchFamily="18" charset="0"/>
-                                </a:rPr>
-                              </m:ctrlPr>
-                            </m:fPr>
-                            <m:num>
-                              <m:r>
-                                <m:rPr>
-                                  <m:nor/>
-                                </m:rPr>
-                                <a:rPr lang="en-US" b="0" i="0" smtClean="0">
-                                  <a:latin typeface="Cambria Math" panose="02040503050406030204" pitchFamily="18" charset="0"/>
-                                </a:rPr>
-                                <m:t>63.546 </m:t>
-                              </m:r>
-                              <m:r>
-                                <m:rPr>
-                                  <m:nor/>
-                                </m:rPr>
-                                <a:rPr lang="en-US" b="0" i="0" smtClean="0">
-                                  <a:latin typeface="Cambria Math" panose="02040503050406030204" pitchFamily="18" charset="0"/>
-                                </a:rPr>
-                                <m:t>g</m:t>
-                              </m:r>
-                              <m:r>
-                                <m:rPr>
-                                  <m:nor/>
-                                </m:rPr>
-                                <a:rPr lang="en-US" b="0" i="0" smtClean="0">
-                                  <a:latin typeface="Cambria Math" panose="02040503050406030204" pitchFamily="18" charset="0"/>
-                                </a:rPr>
-                                <m:t> </m:t>
-                              </m:r>
-                              <m:r>
-                                <m:rPr>
-                                  <m:nor/>
-                                </m:rPr>
-                                <a:rPr lang="en-US" b="0" i="0" smtClean="0">
-                                  <a:latin typeface="Cambria Math" panose="02040503050406030204" pitchFamily="18" charset="0"/>
-                                </a:rPr>
-                                <m:t>Cu</m:t>
-                              </m:r>
-                            </m:num>
-                            <m:den>
-                              <m:r>
-                                <m:rPr>
-                                  <m:nor/>
-                                </m:rPr>
-                                <a:rPr lang="en-US" b="0" i="0" smtClean="0">
-                                  <a:latin typeface="Cambria Math" panose="02040503050406030204" pitchFamily="18" charset="0"/>
-                                </a:rPr>
-                                <m:t>mol</m:t>
-                              </m:r>
-                              <m:r>
-                                <m:rPr>
-                                  <m:nor/>
-                                </m:rPr>
-                                <a:rPr lang="en-US" b="0" i="0" smtClean="0">
-                                  <a:latin typeface="Cambria Math" panose="02040503050406030204" pitchFamily="18" charset="0"/>
-                                </a:rPr>
-                                <m:t> </m:t>
-                              </m:r>
-                              <m:r>
-                                <m:rPr>
-                                  <m:nor/>
-                                </m:rPr>
-                                <a:rPr lang="en-US" b="0" i="0" smtClean="0">
-                                  <a:latin typeface="Cambria Math" panose="02040503050406030204" pitchFamily="18" charset="0"/>
-                                </a:rPr>
-                                <m:t>Cu</m:t>
-                              </m:r>
-                            </m:den>
-                          </m:f>
-                          <m:r>
-                            <m:rPr>
-                              <m:nor/>
-                            </m:rPr>
-                            <a:rPr lang="en-US" i="0" smtClean="0">
-                              <a:latin typeface="Cambria Math" panose="02040503050406030204" pitchFamily="18" charset="0"/>
-                              <a:ea typeface="Cambria Math" panose="02040503050406030204" pitchFamily="18" charset="0"/>
-                            </a:rPr>
-                            <m:t>×</m:t>
-                          </m:r>
-                          <m:r>
-                            <m:rPr>
-                              <m:nor/>
-                            </m:rPr>
-                            <a:rPr lang="en-US" b="0" i="0" smtClean="0">
-                              <a:latin typeface="Cambria Math" panose="02040503050406030204" pitchFamily="18" charset="0"/>
-                              <a:ea typeface="Cambria Math" panose="02040503050406030204" pitchFamily="18" charset="0"/>
-                            </a:rPr>
-                            <m:t>2 </m:t>
-                          </m:r>
-                          <m:r>
-                            <m:rPr>
-                              <m:nor/>
-                            </m:rPr>
-                            <a:rPr lang="en-US" b="0" i="0" smtClean="0">
-                              <a:latin typeface="Cambria Math" panose="02040503050406030204" pitchFamily="18" charset="0"/>
-                              <a:ea typeface="Cambria Math" panose="02040503050406030204" pitchFamily="18" charset="0"/>
-                            </a:rPr>
-                            <m:t>mol</m:t>
-                          </m:r>
-                          <m:r>
-                            <m:rPr>
-                              <m:nor/>
-                            </m:rPr>
-                            <a:rPr lang="en-US" b="0" i="0" smtClean="0">
-                              <a:latin typeface="Cambria Math" panose="02040503050406030204" pitchFamily="18" charset="0"/>
-                              <a:ea typeface="Cambria Math" panose="02040503050406030204" pitchFamily="18" charset="0"/>
-                            </a:rPr>
-                            <m:t> </m:t>
-                          </m:r>
-                          <m:r>
-                            <m:rPr>
-                              <m:nor/>
-                            </m:rPr>
-                            <a:rPr lang="en-US" b="0" i="0" smtClean="0">
-                              <a:latin typeface="Cambria Math" panose="02040503050406030204" pitchFamily="18" charset="0"/>
-                              <a:ea typeface="Cambria Math" panose="02040503050406030204" pitchFamily="18" charset="0"/>
-                            </a:rPr>
-                            <m:t>Cu</m:t>
-                          </m:r>
-                        </m:num>
-                        <m:den>
-                          <m:f>
-                            <m:fPr>
-                              <m:ctrlPr>
-                                <a:rPr lang="en-US" i="1" smtClean="0">
-                                  <a:latin typeface="Cambria Math" panose="02040503050406030204" pitchFamily="18" charset="0"/>
-                                </a:rPr>
-                              </m:ctrlPr>
-                            </m:fPr>
-                            <m:num>
-                              <m:r>
-                                <m:rPr>
-                                  <m:nor/>
-                                </m:rPr>
-                                <a:rPr lang="en-US" i="0">
-                                  <a:latin typeface="Cambria Math" panose="02040503050406030204" pitchFamily="18" charset="0"/>
-                                </a:rPr>
-                                <m:t>32.065 </m:t>
-                              </m:r>
-                              <m:r>
-                                <m:rPr>
-                                  <m:nor/>
-                                </m:rPr>
-                                <a:rPr lang="en-US" i="0">
-                                  <a:latin typeface="Cambria Math" panose="02040503050406030204" pitchFamily="18" charset="0"/>
-                                </a:rPr>
-                                <m:t>g</m:t>
-                              </m:r>
-                              <m:r>
-                                <m:rPr>
-                                  <m:nor/>
-                                </m:rPr>
-                                <a:rPr lang="en-US" i="0">
-                                  <a:latin typeface="Cambria Math" panose="02040503050406030204" pitchFamily="18" charset="0"/>
-                                </a:rPr>
-                                <m:t> </m:t>
-                              </m:r>
-                              <m:r>
-                                <m:rPr>
-                                  <m:nor/>
-                                </m:rPr>
-                                <a:rPr lang="en-US" i="0">
-                                  <a:latin typeface="Cambria Math" panose="02040503050406030204" pitchFamily="18" charset="0"/>
-                                </a:rPr>
-                                <m:t>S</m:t>
-                              </m:r>
-                            </m:num>
-                            <m:den>
-                              <m:r>
-                                <m:rPr>
-                                  <m:nor/>
-                                </m:rPr>
-                                <a:rPr lang="en-US" b="0" i="0" smtClean="0">
-                                  <a:latin typeface="Cambria Math" panose="02040503050406030204" pitchFamily="18" charset="0"/>
-                                </a:rPr>
-                                <m:t>mol</m:t>
-                              </m:r>
-                              <m:r>
-                                <m:rPr>
-                                  <m:nor/>
-                                </m:rPr>
-                                <a:rPr lang="en-US" b="0" i="0" smtClean="0">
-                                  <a:latin typeface="Cambria Math" panose="02040503050406030204" pitchFamily="18" charset="0"/>
-                                </a:rPr>
-                                <m:t> </m:t>
-                              </m:r>
-                              <m:r>
-                                <m:rPr>
-                                  <m:nor/>
-                                </m:rPr>
-                                <a:rPr lang="en-US" b="0" i="0" smtClean="0">
-                                  <a:latin typeface="Cambria Math" panose="02040503050406030204" pitchFamily="18" charset="0"/>
-                                </a:rPr>
-                                <m:t>S</m:t>
-                              </m:r>
-                            </m:den>
-                          </m:f>
-                          <m:r>
-                            <m:rPr>
-                              <m:nor/>
-                            </m:rPr>
-                            <a:rPr lang="en-US" i="0" smtClean="0">
-                              <a:latin typeface="Cambria Math" panose="02040503050406030204" pitchFamily="18" charset="0"/>
-                              <a:ea typeface="Cambria Math" panose="02040503050406030204" pitchFamily="18" charset="0"/>
-                            </a:rPr>
-                            <m:t>×</m:t>
-                          </m:r>
-                          <m:r>
-                            <m:rPr>
-                              <m:nor/>
-                            </m:rPr>
-                            <a:rPr lang="en-US" b="0" i="0" smtClean="0">
-                              <a:latin typeface="Cambria Math" panose="02040503050406030204" pitchFamily="18" charset="0"/>
-                              <a:ea typeface="Cambria Math" panose="02040503050406030204" pitchFamily="18" charset="0"/>
-                            </a:rPr>
-                            <m:t>1 </m:t>
-                          </m:r>
-                          <m:r>
-                            <m:rPr>
-                              <m:nor/>
-                            </m:rPr>
-                            <a:rPr lang="en-US" b="0" i="0" smtClean="0">
-                              <a:latin typeface="Cambria Math" panose="02040503050406030204" pitchFamily="18" charset="0"/>
-                              <a:ea typeface="Cambria Math" panose="02040503050406030204" pitchFamily="18" charset="0"/>
-                            </a:rPr>
-                            <m:t>mol</m:t>
-                          </m:r>
-                          <m:r>
-                            <m:rPr>
-                              <m:nor/>
-                            </m:rPr>
-                            <a:rPr lang="en-US" b="0" i="0" smtClean="0">
-                              <a:latin typeface="Cambria Math" panose="02040503050406030204" pitchFamily="18" charset="0"/>
-                              <a:ea typeface="Cambria Math" panose="02040503050406030204" pitchFamily="18" charset="0"/>
-                            </a:rPr>
-                            <m:t> </m:t>
-                          </m:r>
-                          <m:r>
-                            <m:rPr>
-                              <m:nor/>
-                            </m:rPr>
-                            <a:rPr lang="en-US" b="0" i="0" smtClean="0">
-                              <a:latin typeface="Cambria Math" panose="02040503050406030204" pitchFamily="18" charset="0"/>
-                              <a:ea typeface="Cambria Math" panose="02040503050406030204" pitchFamily="18" charset="0"/>
-                            </a:rPr>
-                            <m:t>S</m:t>
-                          </m:r>
-                        </m:den>
-                      </m:f>
-                      <m:r>
-                        <a:rPr lang="en-US" b="0" i="1" smtClean="0">
-                          <a:latin typeface="Cambria Math" panose="02040503050406030204" pitchFamily="18" charset="0"/>
-                        </a:rPr>
-                        <m:t>=</m:t>
-                      </m:r>
-                      <m:f>
-                        <m:fPr>
-                          <m:ctrlPr>
-                            <a:rPr lang="en-US" b="0" i="1" smtClean="0">
-                              <a:latin typeface="Cambria Math" panose="02040503050406030204" pitchFamily="18" charset="0"/>
-                            </a:rPr>
-                          </m:ctrlPr>
-                        </m:fPr>
-                        <m:num>
-                          <m:r>
-                            <m:rPr>
-                              <m:nor/>
-                            </m:rPr>
-                            <a:rPr lang="en-US" i="0">
-                              <a:latin typeface="Cambria Math" panose="02040503050406030204" pitchFamily="18" charset="0"/>
-                            </a:rPr>
-                            <m:t>3.9636 </m:t>
-                          </m:r>
-                          <m:r>
-                            <m:rPr>
-                              <m:nor/>
-                            </m:rPr>
-                            <a:rPr lang="en-US" i="0">
-                              <a:latin typeface="Cambria Math" panose="02040503050406030204" pitchFamily="18" charset="0"/>
-                            </a:rPr>
-                            <m:t>g</m:t>
-                          </m:r>
-                          <m:r>
-                            <m:rPr>
-                              <m:nor/>
-                            </m:rPr>
-                            <a:rPr lang="en-US" i="0">
-                              <a:latin typeface="Cambria Math" panose="02040503050406030204" pitchFamily="18" charset="0"/>
-                            </a:rPr>
-                            <m:t> </m:t>
-                          </m:r>
-                          <m:r>
-                            <m:rPr>
-                              <m:nor/>
-                            </m:rPr>
-                            <a:rPr lang="en-US" i="0">
-                              <a:latin typeface="Cambria Math" panose="02040503050406030204" pitchFamily="18" charset="0"/>
-                            </a:rPr>
-                            <m:t>Cu</m:t>
-                          </m:r>
-                        </m:num>
-                        <m:den>
-                          <m:r>
-                            <m:rPr>
-                              <m:nor/>
-                            </m:rPr>
-                            <a:rPr lang="en-US" b="0" i="0" smtClean="0">
-                              <a:latin typeface="Cambria Math" panose="02040503050406030204" pitchFamily="18" charset="0"/>
-                            </a:rPr>
-                            <m:t>1 </m:t>
-                          </m:r>
-                          <m:r>
-                            <m:rPr>
-                              <m:nor/>
-                            </m:rPr>
-                            <a:rPr lang="en-US" b="0" i="0" smtClean="0">
-                              <a:latin typeface="Cambria Math" panose="02040503050406030204" pitchFamily="18" charset="0"/>
-                            </a:rPr>
-                            <m:t>g</m:t>
-                          </m:r>
-                          <m:r>
-                            <m:rPr>
-                              <m:nor/>
-                            </m:rPr>
-                            <a:rPr lang="en-US" b="0" i="0" smtClean="0">
-                              <a:latin typeface="Cambria Math" panose="02040503050406030204" pitchFamily="18" charset="0"/>
-                            </a:rPr>
-                            <m:t> </m:t>
-                          </m:r>
-                          <m:r>
-                            <m:rPr>
-                              <m:nor/>
-                            </m:rPr>
-                            <a:rPr lang="en-US" b="0" i="0" smtClean="0">
-                              <a:latin typeface="Cambria Math" panose="02040503050406030204" pitchFamily="18" charset="0"/>
-                            </a:rPr>
-                            <m:t>S</m:t>
-                          </m:r>
-                        </m:den>
-                      </m:f>
-                    </m:oMath>
-                  </m:oMathPara>
-                </a14:m>
-                <a:endParaRPr lang="en-US" dirty="0"/>
-              </a:p>
-              <a:p>
-                <a:pPr marL="0" indent="0">
-                  <a:buNone/>
-                </a:pPr>
-                <a:r>
-                  <a:rPr lang="en-US" dirty="0"/>
-                  <a:t>4.4 g Cu/g S seems close to 4.0 g Cu/g S. How close can you get?</a:t>
-                </a:r>
-              </a:p>
-            </p:txBody>
-          </p:sp>
-        </mc:Choice>
-        <mc:Fallback xmlns="">
-          <p:sp>
-            <p:nvSpPr>
-              <p:cNvPr id="6" name="Content Placeholder 5">
-                <a:extLst>
-                  <a:ext uri="{FF2B5EF4-FFF2-40B4-BE49-F238E27FC236}">
-                    <a16:creationId xmlns:a16="http://schemas.microsoft.com/office/drawing/2014/main" id="{A7219B4E-9803-A35C-5535-085CE995377D}"/>
-                  </a:ext>
-                </a:extLst>
-              </p:cNvPr>
-              <p:cNvSpPr>
-                <a:spLocks noGrp="1" noRot="1" noChangeAspect="1" noMove="1" noResize="1" noEditPoints="1" noAdjustHandles="1" noChangeArrowheads="1" noChangeShapeType="1" noTextEdit="1"/>
-              </p:cNvSpPr>
-              <p:nvPr>
-                <p:ph idx="1"/>
-              </p:nvPr>
-            </p:nvSpPr>
-            <p:spPr>
-              <a:xfrm>
-                <a:off x="372533" y="952466"/>
-                <a:ext cx="8387645" cy="5595089"/>
-              </a:xfrm>
-              <a:blipFill>
-                <a:blip r:embed="rId2"/>
-                <a:stretch>
-                  <a:fillRect l="-1090" t="-871" r="-1817"/>
-                </a:stretch>
-              </a:blipFill>
-            </p:spPr>
-            <p:txBody>
-              <a:bodyPr/>
-              <a:lstStyle/>
-              <a:p>
-                <a:r>
-                  <a:rPr lang="en-US">
-                    <a:noFill/>
-                  </a:rPr>
-                  <a:t> </a:t>
-                </a:r>
-              </a:p>
-            </p:txBody>
-          </p:sp>
-        </mc:Fallback>
-      </mc:AlternateContent>
-    </p:spTree>
-    <p:extLst>
-      <p:ext uri="{BB962C8B-B14F-4D97-AF65-F5344CB8AC3E}">
-        <p14:creationId xmlns:p14="http://schemas.microsoft.com/office/powerpoint/2010/main" val="830215486"/>
-      </p:ext>
-    </p:extLst>
-  </p:cSld>
-  <p:clrMapOvr>
-    <a:masterClrMapping/>
-  </p:clrMapOvr>
-</p:sld>
-</file>
-
-<file path=ppt/slides/slide13.xml><?xml version="1.0" encoding="utf-8"?>
-<p:sld xmlns:a="http://schemas.openxmlformats.org/drawingml/2006/main" xmlns:r="http://schemas.openxmlformats.org/officeDocument/2006/relationships" xmlns:p="http://schemas.openxmlformats.org/presentationml/2006/main">
-  <p:cSld>
-    <p:spTree>
-      <p:nvGrpSpPr>
-        <p:cNvPr id="1" name=""/>
-        <p:cNvGrpSpPr/>
-        <p:nvPr/>
-      </p:nvGrpSpPr>
-      <p:grpSpPr>
-        <a:xfrm>
-          <a:off x="0" y="0"/>
-          <a:ext cx="0" cy="0"/>
-          <a:chOff x="0" y="0"/>
-          <a:chExt cx="0" cy="0"/>
-        </a:xfrm>
-      </p:grpSpPr>
-      <p:sp>
-        <p:nvSpPr>
-          <p:cNvPr id="2" name="Title 1">
-            <a:extLst>
-              <a:ext uri="{FF2B5EF4-FFF2-40B4-BE49-F238E27FC236}">
-                <a16:creationId xmlns:a16="http://schemas.microsoft.com/office/drawing/2014/main" id="{4E7C79B0-B384-1533-BACA-0EA95D4089F9}"/>
-              </a:ext>
-            </a:extLst>
-          </p:cNvPr>
-          <p:cNvSpPr>
-            <a:spLocks noGrp="1"/>
-          </p:cNvSpPr>
-          <p:nvPr>
-            <p:ph type="title"/>
-          </p:nvPr>
-        </p:nvSpPr>
-        <p:spPr/>
-        <p:txBody>
-          <a:bodyPr/>
-          <a:lstStyle/>
-          <a:p>
-            <a:r>
-              <a:rPr lang="en-US" dirty="0"/>
-              <a:t>Clean Up</a:t>
-            </a:r>
-          </a:p>
-        </p:txBody>
-      </p:sp>
-      <p:sp>
-        <p:nvSpPr>
-          <p:cNvPr id="3" name="Content Placeholder 2">
-            <a:extLst>
-              <a:ext uri="{FF2B5EF4-FFF2-40B4-BE49-F238E27FC236}">
-                <a16:creationId xmlns:a16="http://schemas.microsoft.com/office/drawing/2014/main" id="{F122473B-F6C9-7A59-3DAB-7CBF32F68EB5}"/>
-              </a:ext>
-            </a:extLst>
-          </p:cNvPr>
-          <p:cNvSpPr>
-            <a:spLocks noGrp="1"/>
-          </p:cNvSpPr>
-          <p:nvPr>
-            <p:ph idx="1"/>
-          </p:nvPr>
-        </p:nvSpPr>
-        <p:spPr/>
-        <p:txBody>
-          <a:bodyPr/>
-          <a:lstStyle/>
-          <a:p>
-            <a:r>
-              <a:rPr lang="en-US" dirty="0"/>
-              <a:t>The copper sulfide product goes into solids waste container</a:t>
-            </a:r>
-          </a:p>
-          <a:p>
-            <a:r>
-              <a:rPr lang="en-US" dirty="0"/>
-              <a:t>WITHOUT AT ALL GETTING CRUCIBLE WET WITH ANY WATER, wipe crucible with dry paper towel</a:t>
-            </a:r>
-          </a:p>
-          <a:p>
-            <a:r>
-              <a:rPr lang="en-US" dirty="0"/>
-              <a:t>Use soapy water to clean the watch glass</a:t>
-            </a:r>
-          </a:p>
-          <a:p>
-            <a:r>
-              <a:rPr lang="en-US" dirty="0"/>
-              <a:t>Place all other items in appropriate locations</a:t>
-            </a:r>
-          </a:p>
-        </p:txBody>
-      </p:sp>
-    </p:spTree>
-    <p:extLst>
-      <p:ext uri="{BB962C8B-B14F-4D97-AF65-F5344CB8AC3E}">
-        <p14:creationId xmlns:p14="http://schemas.microsoft.com/office/powerpoint/2010/main" val="3469914632"/>
-      </p:ext>
-    </p:extLst>
-  </p:cSld>
-  <p:clrMapOvr>
-    <a:masterClrMapping/>
-  </p:clrMapOvr>
-</p:sld>
-</file>
-
 <file path=ppt/slides/slide2.xml><?xml version="1.0" encoding="utf-8"?>
 <p:sld xmlns:a="http://schemas.openxmlformats.org/drawingml/2006/main" xmlns:r="http://schemas.openxmlformats.org/officeDocument/2006/relationships" xmlns:p="http://schemas.openxmlformats.org/presentationml/2006/main">
   <p:cSld>
@@ -11746,81 +10636,69 @@
           <a:bodyPr/>
           <a:lstStyle/>
           <a:p>
-            <a:pPr marL="0" indent="0">
-              <a:buNone/>
-            </a:pPr>
             <a:r>
               <a:rPr lang="en-US" dirty="0"/>
-              <a:t>Observe</a:t>
+              <a:t>Molecules which include polyatomic ions can be represented with Lewis structures and ball-and-stick models</a:t>
             </a:r>
           </a:p>
           <a:p>
             <a:r>
               <a:rPr lang="en-US" dirty="0"/>
-              <a:t>physical properties of PURE elements: copper wire and solid sulfur</a:t>
-            </a:r>
-          </a:p>
-          <a:p>
-            <a:pPr marL="236538" lvl="1" indent="0">
-              <a:buNone/>
-            </a:pPr>
-            <a:r>
-              <a:rPr lang="en-US" sz="2400" i="1" dirty="0">
-                <a:solidFill>
-                  <a:srgbClr val="CC99FF"/>
-                </a:solidFill>
-                <a:latin typeface="Times New Roman" panose="02020603050405020304" pitchFamily="18" charset="0"/>
-                <a:cs typeface="Times New Roman" panose="02020603050405020304" pitchFamily="18" charset="0"/>
-              </a:rPr>
-              <a:t>What are the symbols? What is the proposed chemical reaction?</a:t>
-            </a:r>
-          </a:p>
-          <a:p>
-            <a:pPr marL="342900" indent="-342900"/>
+              <a:t>A difference between Lewis structures and the ball-and-stick models is that latter can show molecular geometry</a:t>
+            </a:r>
+          </a:p>
+          <a:p>
             <a:r>
               <a:rPr lang="en-US" dirty="0"/>
-              <a:t>physical properties of compound formed from a chemical reaction of these elements</a:t>
-            </a:r>
-            <a:endParaRPr lang="en-US" sz="2000" i="1" dirty="0">
-              <a:solidFill>
-                <a:srgbClr val="CC99FF"/>
-              </a:solidFill>
-              <a:latin typeface="Times New Roman" panose="02020603050405020304" pitchFamily="18" charset="0"/>
-              <a:cs typeface="Times New Roman" panose="02020603050405020304" pitchFamily="18" charset="0"/>
-            </a:endParaRPr>
+              <a:t>This experiment will</a:t>
+            </a:r>
+          </a:p>
+          <a:p>
+            <a:pPr lvl="1"/>
+            <a:r>
+              <a:rPr lang="en-US" dirty="0"/>
+              <a:t>Use ball and stick to represent molecules three-dimensionally</a:t>
+            </a:r>
+          </a:p>
+          <a:p>
+            <a:pPr lvl="1"/>
+            <a:r>
+              <a:rPr lang="en-US" dirty="0"/>
+              <a:t>Use electron dot Lewis structures to represent molecules two-dimensionally</a:t>
+            </a:r>
           </a:p>
         </p:txBody>
       </p:sp>
-      <p:pic>
-        <p:nvPicPr>
-          <p:cNvPr id="7" name="Picture 6">
+      <p:sp>
+        <p:nvSpPr>
+          <p:cNvPr id="4" name="Slide Number Placeholder 3">
             <a:extLst>
               <a:ext uri="{FF2B5EF4-FFF2-40B4-BE49-F238E27FC236}">
-                <a16:creationId xmlns:a16="http://schemas.microsoft.com/office/drawing/2014/main" id="{F8DB96C6-A975-B61F-73F4-8AC25ECD277E}"/>
+                <a16:creationId xmlns:a16="http://schemas.microsoft.com/office/drawing/2014/main" id="{4CAB3358-0AC6-6F5D-A7AD-F52C1EAA5C10}"/>
               </a:ext>
             </a:extLst>
           </p:cNvPr>
-          <p:cNvPicPr>
-            <a:picLocks noChangeAspect="1"/>
-          </p:cNvPicPr>
-          <p:nvPr/>
-        </p:nvPicPr>
-        <p:blipFill>
-          <a:blip r:embed="rId2"/>
-          <a:stretch>
-            <a:fillRect/>
-          </a:stretch>
-        </p:blipFill>
-        <p:spPr>
-          <a:xfrm>
-            <a:off x="169331" y="3605417"/>
-            <a:ext cx="8794045" cy="3119903"/>
-          </a:xfrm>
-          <a:prstGeom prst="rect">
-            <a:avLst/>
-          </a:prstGeom>
-        </p:spPr>
-      </p:pic>
+          <p:cNvSpPr>
+            <a:spLocks noGrp="1"/>
+          </p:cNvSpPr>
+          <p:nvPr>
+            <p:ph type="sldNum" sz="quarter" idx="10"/>
+          </p:nvPr>
+        </p:nvSpPr>
+        <p:spPr/>
+        <p:txBody>
+          <a:bodyPr/>
+          <a:lstStyle/>
+          <a:p>
+            <a:fld id="{061D2053-A9F4-4414-A3FB-98959FE1F87A}" type="slidenum">
+              <a:rPr lang="en-US" smtClean="0"/>
+              <a:pPr/>
+              <a:t>2</a:t>
+            </a:fld>
+            <a:endParaRPr lang="en-US" dirty="0"/>
+          </a:p>
+        </p:txBody>
+      </p:sp>
     </p:spTree>
     <p:extLst>
       <p:ext uri="{BB962C8B-B14F-4D97-AF65-F5344CB8AC3E}">
@@ -11901,33 +10779,104 @@
             <p:ph idx="1"/>
           </p:nvPr>
         </p:nvSpPr>
+        <p:spPr>
+          <a:xfrm>
+            <a:off x="372533" y="1332091"/>
+            <a:ext cx="8387645" cy="2333610"/>
+          </a:xfrm>
+        </p:spPr>
+        <p:txBody>
+          <a:bodyPr/>
+          <a:lstStyle/>
+          <a:p>
+            <a:pPr marL="228600" indent="-228600">
+              <a:buFont typeface="Arial" panose="020B0604020202020204" pitchFamily="34" charset="0"/>
+              <a:buChar char="•"/>
+            </a:pPr>
+            <a:r>
+              <a:rPr lang="en-US" sz="2000" dirty="0"/>
+              <a:t>Model kits will build molecules in 3-D with balls of different colors for different atoms, and gray connectors</a:t>
+            </a:r>
+          </a:p>
+          <a:p>
+            <a:pPr marL="465138" lvl="1" indent="-228600">
+              <a:buFont typeface="Arial" panose="020B0604020202020204" pitchFamily="34" charset="0"/>
+              <a:buChar char="•"/>
+            </a:pPr>
+            <a:r>
+              <a:rPr lang="en-US" sz="1600" dirty="0"/>
+              <a:t>Single bonds have short, rigid connectors</a:t>
+            </a:r>
+          </a:p>
+          <a:p>
+            <a:pPr marL="465138" lvl="1" indent="-228600">
+              <a:buFont typeface="Arial" panose="020B0604020202020204" pitchFamily="34" charset="0"/>
+              <a:buChar char="•"/>
+            </a:pPr>
+            <a:r>
+              <a:rPr lang="en-US" sz="1600" dirty="0"/>
+              <a:t>Double &amp; triple bonds have longer flexible connectors</a:t>
+            </a:r>
+          </a:p>
+        </p:txBody>
+      </p:sp>
+      <p:pic>
+        <p:nvPicPr>
+          <p:cNvPr id="5" name="Picture 4">
+            <a:extLst>
+              <a:ext uri="{FF2B5EF4-FFF2-40B4-BE49-F238E27FC236}">
+                <a16:creationId xmlns:a16="http://schemas.microsoft.com/office/drawing/2014/main" id="{60E0D6CE-DB59-6AF9-075B-052E914BEA10}"/>
+              </a:ext>
+            </a:extLst>
+          </p:cNvPr>
+          <p:cNvPicPr>
+            <a:picLocks noChangeAspect="1"/>
+          </p:cNvPicPr>
+          <p:nvPr/>
+        </p:nvPicPr>
+        <p:blipFill>
+          <a:blip r:embed="rId2"/>
+          <a:stretch>
+            <a:fillRect/>
+          </a:stretch>
+        </p:blipFill>
+        <p:spPr>
+          <a:xfrm>
+            <a:off x="1152037" y="3665700"/>
+            <a:ext cx="6992326" cy="2953162"/>
+          </a:xfrm>
+          <a:prstGeom prst="rect">
+            <a:avLst/>
+          </a:prstGeom>
+        </p:spPr>
+      </p:pic>
+      <p:sp>
+        <p:nvSpPr>
+          <p:cNvPr id="6" name="Slide Number Placeholder 5">
+            <a:extLst>
+              <a:ext uri="{FF2B5EF4-FFF2-40B4-BE49-F238E27FC236}">
+                <a16:creationId xmlns:a16="http://schemas.microsoft.com/office/drawing/2014/main" id="{3A1B06AE-8CB9-D92A-1F0C-ADFA4D2559BD}"/>
+              </a:ext>
+            </a:extLst>
+          </p:cNvPr>
+          <p:cNvSpPr>
+            <a:spLocks noGrp="1"/>
+          </p:cNvSpPr>
+          <p:nvPr>
+            <p:ph type="sldNum" sz="quarter" idx="10"/>
+          </p:nvPr>
+        </p:nvSpPr>
         <p:spPr/>
         <p:txBody>
           <a:bodyPr/>
           <a:lstStyle/>
           <a:p>
-            <a:pPr marL="0" indent="0">
-              <a:buNone/>
-            </a:pPr>
-            <a:r>
-              <a:rPr lang="en-US" sz="2000" dirty="0"/>
-              <a:t>Joseph Proust (1797) stated any sample of a particular compound would be made of same elements in same proportion by mass. This is the Law of Constant Composition.</a:t>
-            </a:r>
-          </a:p>
-          <a:p>
-            <a:pPr marL="0" indent="0">
-              <a:buNone/>
-            </a:pPr>
-            <a:endParaRPr lang="en-US" sz="2000" dirty="0"/>
-          </a:p>
-          <a:p>
-            <a:pPr marL="0" indent="0">
-              <a:buNone/>
-            </a:pPr>
-            <a:r>
-              <a:rPr lang="en-US" sz="2000" dirty="0"/>
-              <a:t>This principle is connected with the Law of the Conservation of Mass and also Dalton’s Atomic Theory concerning how the atoms of elements are never destroyed or created, but just rearranged in chemical reactions forming new compounds.</a:t>
-            </a:r>
+            <a:fld id="{061D2053-A9F4-4414-A3FB-98959FE1F87A}" type="slidenum">
+              <a:rPr lang="en-US" smtClean="0"/>
+              <a:pPr/>
+              <a:t>3</a:t>
+            </a:fld>
+            <a:endParaRPr lang="en-US" dirty="0"/>
           </a:p>
         </p:txBody>
       </p:sp>
@@ -11952,7 +10901,7 @@
         <p:cNvPr id="1" name="">
           <a:extLst>
             <a:ext uri="{FF2B5EF4-FFF2-40B4-BE49-F238E27FC236}">
-              <a16:creationId xmlns:a16="http://schemas.microsoft.com/office/drawing/2014/main" id="{3DAB1E55-1723-E0EE-7EFD-D02607EA16A9}"/>
+              <a16:creationId xmlns:a16="http://schemas.microsoft.com/office/drawing/2014/main" id="{1C722249-F86D-2606-EEA1-849D0A415E93}"/>
             </a:ext>
           </a:extLst>
         </p:cNvPr>
@@ -11972,7 +10921,7 @@
           <p:cNvPr id="2" name="Title 1">
             <a:extLst>
               <a:ext uri="{FF2B5EF4-FFF2-40B4-BE49-F238E27FC236}">
-                <a16:creationId xmlns:a16="http://schemas.microsoft.com/office/drawing/2014/main" id="{D903C2D8-8186-46AC-8E06-7D4D7AEDE47B}"/>
+                <a16:creationId xmlns:a16="http://schemas.microsoft.com/office/drawing/2014/main" id="{3E4608E5-977D-D4AC-8AA4-5D34FB800FD1}"/>
               </a:ext>
             </a:extLst>
           </p:cNvPr>
@@ -11983,24 +10932,861 @@
             <p:ph type="title"/>
           </p:nvPr>
         </p:nvSpPr>
-        <p:spPr/>
+        <p:spPr>
+          <a:xfrm>
+            <a:off x="361244" y="107748"/>
+            <a:ext cx="8421512" cy="830997"/>
+          </a:xfrm>
+        </p:spPr>
         <p:txBody>
           <a:bodyPr/>
           <a:lstStyle/>
           <a:p>
             <a:r>
               <a:rPr lang="en-US" dirty="0"/>
-              <a:t>Limiting &amp; Excess Reagents</a:t>
+              <a:t>Shape Summary</a:t>
             </a:r>
           </a:p>
         </p:txBody>
       </p:sp>
+      <p:graphicFrame>
+        <p:nvGraphicFramePr>
+          <p:cNvPr id="8" name="Content Placeholder 7">
+            <a:extLst>
+              <a:ext uri="{FF2B5EF4-FFF2-40B4-BE49-F238E27FC236}">
+                <a16:creationId xmlns:a16="http://schemas.microsoft.com/office/drawing/2014/main" id="{590E8DEE-FE90-37D4-543B-61558BA29B35}"/>
+              </a:ext>
+            </a:extLst>
+          </p:cNvPr>
+          <p:cNvGraphicFramePr>
+            <a:graphicFrameLocks noGrp="1"/>
+          </p:cNvGraphicFramePr>
+          <p:nvPr>
+            <p:ph idx="1"/>
+            <p:extLst>
+              <p:ext uri="{D42A27DB-BD31-4B8C-83A1-F6EECF244321}">
+                <p14:modId xmlns:p14="http://schemas.microsoft.com/office/powerpoint/2010/main" val="2122531868"/>
+              </p:ext>
+            </p:extLst>
+          </p:nvPr>
+        </p:nvGraphicFramePr>
+        <p:xfrm>
+          <a:off x="217438" y="1000267"/>
+          <a:ext cx="8844012" cy="5516880"/>
+        </p:xfrm>
+        <a:graphic>
+          <a:graphicData uri="http://schemas.openxmlformats.org/drawingml/2006/table">
+            <a:tbl>
+              <a:tblPr firstRow="1" bandRow="1">
+                <a:tableStyleId>{073A0DAA-6AF3-43AB-8588-CEC1D06C72B9}</a:tableStyleId>
+              </a:tblPr>
+              <a:tblGrid>
+                <a:gridCol w="1061359">
+                  <a:extLst>
+                    <a:ext uri="{9D8B030D-6E8A-4147-A177-3AD203B41FA5}">
+                      <a16:colId xmlns:a16="http://schemas.microsoft.com/office/drawing/2014/main" val="996526161"/>
+                    </a:ext>
+                  </a:extLst>
+                </a:gridCol>
+                <a:gridCol w="1838394">
+                  <a:extLst>
+                    <a:ext uri="{9D8B030D-6E8A-4147-A177-3AD203B41FA5}">
+                      <a16:colId xmlns:a16="http://schemas.microsoft.com/office/drawing/2014/main" val="1906569574"/>
+                    </a:ext>
+                  </a:extLst>
+                </a:gridCol>
+                <a:gridCol w="1100174">
+                  <a:extLst>
+                    <a:ext uri="{9D8B030D-6E8A-4147-A177-3AD203B41FA5}">
+                      <a16:colId xmlns:a16="http://schemas.microsoft.com/office/drawing/2014/main" val="2090934411"/>
+                    </a:ext>
+                  </a:extLst>
+                </a:gridCol>
+                <a:gridCol w="1685543">
+                  <a:extLst>
+                    <a:ext uri="{9D8B030D-6E8A-4147-A177-3AD203B41FA5}">
+                      <a16:colId xmlns:a16="http://schemas.microsoft.com/office/drawing/2014/main" val="1534403288"/>
+                    </a:ext>
+                  </a:extLst>
+                </a:gridCol>
+                <a:gridCol w="1583610">
+                  <a:extLst>
+                    <a:ext uri="{9D8B030D-6E8A-4147-A177-3AD203B41FA5}">
+                      <a16:colId xmlns:a16="http://schemas.microsoft.com/office/drawing/2014/main" val="2032961260"/>
+                    </a:ext>
+                  </a:extLst>
+                </a:gridCol>
+                <a:gridCol w="1574932">
+                  <a:extLst>
+                    <a:ext uri="{9D8B030D-6E8A-4147-A177-3AD203B41FA5}">
+                      <a16:colId xmlns:a16="http://schemas.microsoft.com/office/drawing/2014/main" val="1314389017"/>
+                    </a:ext>
+                  </a:extLst>
+                </a:gridCol>
+              </a:tblGrid>
+              <a:tr h="362807">
+                <a:tc rowSpan="2">
+                  <a:txBody>
+                    <a:bodyPr/>
+                    <a:lstStyle/>
+                    <a:p>
+                      <a:pPr algn="ctr"/>
+                      <a:r>
+                        <a:rPr lang="en-US" sz="1600" b="0" dirty="0"/>
+                        <a:t># of Electron Groups</a:t>
+                      </a:r>
+                    </a:p>
+                  </a:txBody>
+                  <a:tcPr anchor="b"/>
+                </a:tc>
+                <a:tc rowSpan="2">
+                  <a:txBody>
+                    <a:bodyPr/>
+                    <a:lstStyle/>
+                    <a:p>
+                      <a:pPr algn="ctr"/>
+                      <a:r>
+                        <a:rPr lang="en-US" sz="1600" b="0" dirty="0"/>
+                        <a:t>Electron Group Symmetry</a:t>
+                      </a:r>
+                    </a:p>
+                  </a:txBody>
+                  <a:tcPr anchor="b"/>
+                </a:tc>
+                <a:tc rowSpan="2">
+                  <a:txBody>
+                    <a:bodyPr/>
+                    <a:lstStyle/>
+                    <a:p>
+                      <a:pPr algn="ctr"/>
+                      <a:r>
+                        <a:rPr lang="en-US" sz="1600" b="0" dirty="0"/>
+                        <a:t>Ideal Bond Angle</a:t>
+                      </a:r>
+                    </a:p>
+                  </a:txBody>
+                  <a:tcPr anchor="b"/>
+                </a:tc>
+                <a:tc gridSpan="3">
+                  <a:txBody>
+                    <a:bodyPr/>
+                    <a:lstStyle/>
+                    <a:p>
+                      <a:pPr algn="ctr"/>
+                      <a:r>
+                        <a:rPr lang="en-US" dirty="0"/>
+                        <a:t>Molecular Geometry</a:t>
+                      </a:r>
+                    </a:p>
+                  </a:txBody>
+                  <a:tcPr anchor="b"/>
+                </a:tc>
+                <a:tc hMerge="1">
+                  <a:txBody>
+                    <a:bodyPr/>
+                    <a:lstStyle/>
+                    <a:p>
+                      <a:endParaRPr lang="en-US" dirty="0"/>
+                    </a:p>
+                  </a:txBody>
+                  <a:tcPr/>
+                </a:tc>
+                <a:tc hMerge="1">
+                  <a:txBody>
+                    <a:bodyPr/>
+                    <a:lstStyle/>
+                    <a:p>
+                      <a:endParaRPr lang="en-US" dirty="0"/>
+                    </a:p>
+                  </a:txBody>
+                  <a:tcPr/>
+                </a:tc>
+                <a:extLst>
+                  <a:ext uri="{0D108BD9-81ED-4DB2-BD59-A6C34878D82A}">
+                    <a16:rowId xmlns:a16="http://schemas.microsoft.com/office/drawing/2014/main" val="717359639"/>
+                  </a:ext>
+                </a:extLst>
+              </a:tr>
+              <a:tr h="385198">
+                <a:tc vMerge="1">
+                  <a:txBody>
+                    <a:bodyPr/>
+                    <a:lstStyle/>
+                    <a:p>
+                      <a:endParaRPr lang="en-US" dirty="0"/>
+                    </a:p>
+                  </a:txBody>
+                  <a:tcPr>
+                    <a:solidFill>
+                      <a:schemeClr val="tx1"/>
+                    </a:solidFill>
+                  </a:tcPr>
+                </a:tc>
+                <a:tc vMerge="1">
+                  <a:txBody>
+                    <a:bodyPr/>
+                    <a:lstStyle/>
+                    <a:p>
+                      <a:endParaRPr lang="en-US" dirty="0"/>
+                    </a:p>
+                  </a:txBody>
+                  <a:tcPr>
+                    <a:solidFill>
+                      <a:schemeClr val="tx1"/>
+                    </a:solidFill>
+                  </a:tcPr>
+                </a:tc>
+                <a:tc vMerge="1">
+                  <a:txBody>
+                    <a:bodyPr/>
+                    <a:lstStyle/>
+                    <a:p>
+                      <a:endParaRPr lang="en-US" dirty="0"/>
+                    </a:p>
+                  </a:txBody>
+                  <a:tcPr>
+                    <a:solidFill>
+                      <a:schemeClr val="tx1"/>
+                    </a:solidFill>
+                  </a:tcPr>
+                </a:tc>
+                <a:tc>
+                  <a:txBody>
+                    <a:bodyPr/>
+                    <a:lstStyle/>
+                    <a:p>
+                      <a:pPr algn="ctr"/>
+                      <a:r>
+                        <a:rPr lang="en-US" dirty="0">
+                          <a:solidFill>
+                            <a:schemeClr val="bg1"/>
+                          </a:solidFill>
+                        </a:rPr>
+                        <a:t>0 lone pairs</a:t>
+                      </a:r>
+                    </a:p>
+                  </a:txBody>
+                  <a:tcPr anchor="b">
+                    <a:solidFill>
+                      <a:schemeClr val="tx1"/>
+                    </a:solidFill>
+                  </a:tcPr>
+                </a:tc>
+                <a:tc>
+                  <a:txBody>
+                    <a:bodyPr/>
+                    <a:lstStyle/>
+                    <a:p>
+                      <a:pPr algn="ctr"/>
+                      <a:r>
+                        <a:rPr lang="en-US" dirty="0">
+                          <a:solidFill>
+                            <a:schemeClr val="bg1"/>
+                          </a:solidFill>
+                        </a:rPr>
+                        <a:t>1 lone pair</a:t>
+                      </a:r>
+                    </a:p>
+                  </a:txBody>
+                  <a:tcPr anchor="b">
+                    <a:solidFill>
+                      <a:schemeClr val="tx1"/>
+                    </a:solidFill>
+                  </a:tcPr>
+                </a:tc>
+                <a:tc>
+                  <a:txBody>
+                    <a:bodyPr/>
+                    <a:lstStyle/>
+                    <a:p>
+                      <a:pPr algn="ctr"/>
+                      <a:r>
+                        <a:rPr lang="en-US" dirty="0">
+                          <a:solidFill>
+                            <a:schemeClr val="bg1"/>
+                          </a:solidFill>
+                        </a:rPr>
+                        <a:t>2 lone pairs</a:t>
+                      </a:r>
+                    </a:p>
+                  </a:txBody>
+                  <a:tcPr anchor="b">
+                    <a:solidFill>
+                      <a:schemeClr val="tx1"/>
+                    </a:solidFill>
+                  </a:tcPr>
+                </a:tc>
+                <a:extLst>
+                  <a:ext uri="{0D108BD9-81ED-4DB2-BD59-A6C34878D82A}">
+                    <a16:rowId xmlns:a16="http://schemas.microsoft.com/office/drawing/2014/main" val="649513099"/>
+                  </a:ext>
+                </a:extLst>
+              </a:tr>
+              <a:tr h="864773">
+                <a:tc>
+                  <a:txBody>
+                    <a:bodyPr/>
+                    <a:lstStyle/>
+                    <a:p>
+                      <a:pPr algn="ctr"/>
+                      <a:r>
+                        <a:rPr lang="en-US" dirty="0"/>
+                        <a:t>2</a:t>
+                      </a:r>
+                    </a:p>
+                  </a:txBody>
+                  <a:tcPr anchor="ctr"/>
+                </a:tc>
+                <a:tc>
+                  <a:txBody>
+                    <a:bodyPr/>
+                    <a:lstStyle/>
+                    <a:p>
+                      <a:pPr algn="ctr"/>
+                      <a:r>
+                        <a:rPr lang="en-US" sz="1600" dirty="0"/>
+                        <a:t>Linear</a:t>
+                      </a:r>
+                    </a:p>
+                    <a:p>
+                      <a:pPr algn="ctr"/>
+                      <a:br>
+                        <a:rPr lang="en-US" dirty="0"/>
+                      </a:br>
+                      <a:endParaRPr lang="en-US" b="1" dirty="0">
+                        <a:solidFill>
+                          <a:srgbClr val="339933"/>
+                        </a:solidFill>
+                      </a:endParaRPr>
+                    </a:p>
+                  </a:txBody>
+                  <a:tcPr anchor="ctr"/>
+                </a:tc>
+                <a:tc>
+                  <a:txBody>
+                    <a:bodyPr/>
+                    <a:lstStyle/>
+                    <a:p>
+                      <a:pPr algn="ctr"/>
+                      <a:r>
+                        <a:rPr lang="en-US" dirty="0"/>
+                        <a:t>180°</a:t>
+                      </a:r>
+                    </a:p>
+                  </a:txBody>
+                  <a:tcPr anchor="ctr"/>
+                </a:tc>
+                <a:tc>
+                  <a:txBody>
+                    <a:bodyPr/>
+                    <a:lstStyle/>
+                    <a:p>
+                      <a:pPr algn="ctr"/>
+                      <a:r>
+                        <a:rPr lang="en-US" dirty="0"/>
+                        <a:t>Linear</a:t>
+                      </a:r>
+                    </a:p>
+                    <a:p>
+                      <a:pPr algn="ctr"/>
+                      <a:endParaRPr lang="en-US" dirty="0"/>
+                    </a:p>
+                    <a:p>
+                      <a:pPr algn="ctr"/>
+                      <a:endParaRPr lang="en-US" dirty="0"/>
+                    </a:p>
+                  </a:txBody>
+                  <a:tcPr anchor="ctr"/>
+                </a:tc>
+                <a:tc>
+                  <a:txBody>
+                    <a:bodyPr/>
+                    <a:lstStyle/>
+                    <a:p>
+                      <a:pPr algn="ctr"/>
+                      <a:endParaRPr lang="en-US" dirty="0"/>
+                    </a:p>
+                  </a:txBody>
+                  <a:tcPr anchor="ctr"/>
+                </a:tc>
+                <a:tc>
+                  <a:txBody>
+                    <a:bodyPr/>
+                    <a:lstStyle/>
+                    <a:p>
+                      <a:pPr algn="ctr"/>
+                      <a:endParaRPr lang="en-US" dirty="0"/>
+                    </a:p>
+                  </a:txBody>
+                  <a:tcPr anchor="ctr"/>
+                </a:tc>
+                <a:extLst>
+                  <a:ext uri="{0D108BD9-81ED-4DB2-BD59-A6C34878D82A}">
+                    <a16:rowId xmlns:a16="http://schemas.microsoft.com/office/drawing/2014/main" val="1382538612"/>
+                  </a:ext>
+                </a:extLst>
+              </a:tr>
+              <a:tr h="1669906">
+                <a:tc>
+                  <a:txBody>
+                    <a:bodyPr/>
+                    <a:lstStyle/>
+                    <a:p>
+                      <a:pPr algn="ctr"/>
+                      <a:r>
+                        <a:rPr lang="en-US" dirty="0"/>
+                        <a:t>3</a:t>
+                      </a:r>
+                    </a:p>
+                  </a:txBody>
+                  <a:tcPr anchor="ctr"/>
+                </a:tc>
+                <a:tc>
+                  <a:txBody>
+                    <a:bodyPr/>
+                    <a:lstStyle/>
+                    <a:p>
+                      <a:pPr marL="0" marR="0" lvl="0" indent="0" algn="ctr" defTabSz="914400" rtl="0" eaLnBrk="1" fontAlgn="auto" latinLnBrk="0" hangingPunct="1">
+                        <a:lnSpc>
+                          <a:spcPct val="100000"/>
+                        </a:lnSpc>
+                        <a:spcBef>
+                          <a:spcPts val="0"/>
+                        </a:spcBef>
+                        <a:spcAft>
+                          <a:spcPts val="0"/>
+                        </a:spcAft>
+                        <a:buClrTx/>
+                        <a:buSzTx/>
+                        <a:buFontTx/>
+                        <a:buNone/>
+                        <a:tabLst/>
+                        <a:defRPr/>
+                      </a:pPr>
+                      <a:r>
+                        <a:rPr lang="en-US" sz="1600" dirty="0"/>
+                        <a:t>Trigonal Planar</a:t>
+                      </a:r>
+                      <a:br>
+                        <a:rPr lang="en-US" dirty="0"/>
+                      </a:br>
+                      <a:endParaRPr lang="en-US" dirty="0"/>
+                    </a:p>
+                    <a:p>
+                      <a:pPr marL="0" marR="0" lvl="0" indent="0" algn="ctr" defTabSz="914400" rtl="0" eaLnBrk="1" fontAlgn="auto" latinLnBrk="0" hangingPunct="1">
+                        <a:lnSpc>
+                          <a:spcPct val="100000"/>
+                        </a:lnSpc>
+                        <a:spcBef>
+                          <a:spcPts val="0"/>
+                        </a:spcBef>
+                        <a:spcAft>
+                          <a:spcPts val="0"/>
+                        </a:spcAft>
+                        <a:buClrTx/>
+                        <a:buSzTx/>
+                        <a:buFontTx/>
+                        <a:buNone/>
+                        <a:tabLst/>
+                        <a:defRPr/>
+                      </a:pPr>
+                      <a:endParaRPr lang="en-US" dirty="0"/>
+                    </a:p>
+                    <a:p>
+                      <a:pPr marL="0" marR="0" lvl="0" indent="0" algn="ctr" defTabSz="914400" rtl="0" eaLnBrk="1" fontAlgn="auto" latinLnBrk="0" hangingPunct="1">
+                        <a:lnSpc>
+                          <a:spcPct val="100000"/>
+                        </a:lnSpc>
+                        <a:spcBef>
+                          <a:spcPts val="0"/>
+                        </a:spcBef>
+                        <a:spcAft>
+                          <a:spcPts val="0"/>
+                        </a:spcAft>
+                        <a:buClrTx/>
+                        <a:buSzTx/>
+                        <a:buFontTx/>
+                        <a:buNone/>
+                        <a:tabLst/>
+                        <a:defRPr/>
+                      </a:pPr>
+                      <a:endParaRPr lang="en-US" dirty="0"/>
+                    </a:p>
+                    <a:p>
+                      <a:pPr marL="0" marR="0" lvl="0" indent="0" algn="ctr" defTabSz="914400" rtl="0" eaLnBrk="1" fontAlgn="auto" latinLnBrk="0" hangingPunct="1">
+                        <a:lnSpc>
+                          <a:spcPct val="100000"/>
+                        </a:lnSpc>
+                        <a:spcBef>
+                          <a:spcPts val="0"/>
+                        </a:spcBef>
+                        <a:spcAft>
+                          <a:spcPts val="0"/>
+                        </a:spcAft>
+                        <a:buClrTx/>
+                        <a:buSzTx/>
+                        <a:buFontTx/>
+                        <a:buNone/>
+                        <a:tabLst/>
+                        <a:defRPr/>
+                      </a:pPr>
+                      <a:endParaRPr lang="en-US" dirty="0"/>
+                    </a:p>
+                    <a:p>
+                      <a:pPr marL="0" marR="0" lvl="0" indent="0" algn="ctr" defTabSz="914400" rtl="0" eaLnBrk="1" fontAlgn="auto" latinLnBrk="0" hangingPunct="1">
+                        <a:lnSpc>
+                          <a:spcPct val="100000"/>
+                        </a:lnSpc>
+                        <a:spcBef>
+                          <a:spcPts val="0"/>
+                        </a:spcBef>
+                        <a:spcAft>
+                          <a:spcPts val="0"/>
+                        </a:spcAft>
+                        <a:buClrTx/>
+                        <a:buSzTx/>
+                        <a:buFontTx/>
+                        <a:buNone/>
+                        <a:tabLst/>
+                        <a:defRPr/>
+                      </a:pPr>
+                      <a:endParaRPr lang="en-US" dirty="0"/>
+                    </a:p>
+                  </a:txBody>
+                  <a:tcPr anchor="ctr"/>
+                </a:tc>
+                <a:tc>
+                  <a:txBody>
+                    <a:bodyPr/>
+                    <a:lstStyle/>
+                    <a:p>
+                      <a:pPr algn="ctr"/>
+                      <a:r>
+                        <a:rPr lang="en-US" dirty="0"/>
+                        <a:t>120°</a:t>
+                      </a:r>
+                    </a:p>
+                  </a:txBody>
+                  <a:tcPr anchor="ctr"/>
+                </a:tc>
+                <a:tc>
+                  <a:txBody>
+                    <a:bodyPr/>
+                    <a:lstStyle/>
+                    <a:p>
+                      <a:pPr algn="ctr"/>
+                      <a:r>
+                        <a:rPr lang="en-US" dirty="0"/>
+                        <a:t>Trigonal Planar</a:t>
+                      </a:r>
+                    </a:p>
+                    <a:p>
+                      <a:pPr algn="ctr"/>
+                      <a:endParaRPr lang="en-US" dirty="0"/>
+                    </a:p>
+                    <a:p>
+                      <a:pPr algn="ctr"/>
+                      <a:endParaRPr lang="en-US" dirty="0"/>
+                    </a:p>
+                    <a:p>
+                      <a:pPr algn="ctr"/>
+                      <a:endParaRPr lang="en-US" dirty="0"/>
+                    </a:p>
+                    <a:p>
+                      <a:pPr algn="ctr"/>
+                      <a:endParaRPr lang="en-US" dirty="0"/>
+                    </a:p>
+                  </a:txBody>
+                  <a:tcPr anchor="ctr"/>
+                </a:tc>
+                <a:tc>
+                  <a:txBody>
+                    <a:bodyPr/>
+                    <a:lstStyle/>
+                    <a:p>
+                      <a:pPr algn="ctr"/>
+                      <a:r>
+                        <a:rPr lang="en-US" dirty="0"/>
+                        <a:t>Bent</a:t>
+                      </a:r>
+                    </a:p>
+                  </a:txBody>
+                  <a:tcPr/>
+                </a:tc>
+                <a:tc>
+                  <a:txBody>
+                    <a:bodyPr/>
+                    <a:lstStyle/>
+                    <a:p>
+                      <a:pPr algn="ctr"/>
+                      <a:endParaRPr lang="en-US" dirty="0"/>
+                    </a:p>
+                  </a:txBody>
+                  <a:tcPr anchor="ctr"/>
+                </a:tc>
+                <a:extLst>
+                  <a:ext uri="{0D108BD9-81ED-4DB2-BD59-A6C34878D82A}">
+                    <a16:rowId xmlns:a16="http://schemas.microsoft.com/office/drawing/2014/main" val="3518669133"/>
+                  </a:ext>
+                </a:extLst>
+              </a:tr>
+              <a:tr h="1997924">
+                <a:tc>
+                  <a:txBody>
+                    <a:bodyPr/>
+                    <a:lstStyle/>
+                    <a:p>
+                      <a:pPr algn="ctr"/>
+                      <a:r>
+                        <a:rPr lang="en-US" dirty="0"/>
+                        <a:t>4</a:t>
+                      </a:r>
+                    </a:p>
+                  </a:txBody>
+                  <a:tcPr anchor="ctr"/>
+                </a:tc>
+                <a:tc>
+                  <a:txBody>
+                    <a:bodyPr/>
+                    <a:lstStyle/>
+                    <a:p>
+                      <a:pPr marL="0" marR="0" lvl="0" indent="0" algn="ctr" defTabSz="914400" rtl="0" eaLnBrk="1" fontAlgn="auto" latinLnBrk="0" hangingPunct="1">
+                        <a:lnSpc>
+                          <a:spcPct val="100000"/>
+                        </a:lnSpc>
+                        <a:spcBef>
+                          <a:spcPts val="0"/>
+                        </a:spcBef>
+                        <a:spcAft>
+                          <a:spcPts val="0"/>
+                        </a:spcAft>
+                        <a:buClrTx/>
+                        <a:buSzTx/>
+                        <a:buFontTx/>
+                        <a:buNone/>
+                        <a:tabLst/>
+                        <a:defRPr/>
+                      </a:pPr>
+                      <a:r>
+                        <a:rPr lang="en-US" sz="1600" dirty="0"/>
+                        <a:t>Tetrahedral</a:t>
+                      </a:r>
+                    </a:p>
+                    <a:p>
+                      <a:pPr marL="0" marR="0" lvl="0" indent="0" algn="ctr" defTabSz="914400" rtl="0" eaLnBrk="1" fontAlgn="auto" latinLnBrk="0" hangingPunct="1">
+                        <a:lnSpc>
+                          <a:spcPct val="100000"/>
+                        </a:lnSpc>
+                        <a:spcBef>
+                          <a:spcPts val="0"/>
+                        </a:spcBef>
+                        <a:spcAft>
+                          <a:spcPts val="0"/>
+                        </a:spcAft>
+                        <a:buClrTx/>
+                        <a:buSzTx/>
+                        <a:buFontTx/>
+                        <a:buNone/>
+                        <a:tabLst/>
+                        <a:defRPr/>
+                      </a:pPr>
+                      <a:endParaRPr lang="en-US" sz="1600" dirty="0"/>
+                    </a:p>
+                    <a:p>
+                      <a:pPr marL="0" marR="0" lvl="0" indent="0" algn="ctr" defTabSz="914400" rtl="0" eaLnBrk="1" fontAlgn="auto" latinLnBrk="0" hangingPunct="1">
+                        <a:lnSpc>
+                          <a:spcPct val="100000"/>
+                        </a:lnSpc>
+                        <a:spcBef>
+                          <a:spcPts val="0"/>
+                        </a:spcBef>
+                        <a:spcAft>
+                          <a:spcPts val="0"/>
+                        </a:spcAft>
+                        <a:buClrTx/>
+                        <a:buSzTx/>
+                        <a:buFontTx/>
+                        <a:buNone/>
+                        <a:tabLst/>
+                        <a:defRPr/>
+                      </a:pPr>
+                      <a:endParaRPr lang="en-US" sz="1600" dirty="0"/>
+                    </a:p>
+                    <a:p>
+                      <a:pPr marL="0" marR="0" lvl="0" indent="0" algn="ctr" defTabSz="914400" rtl="0" eaLnBrk="1" fontAlgn="auto" latinLnBrk="0" hangingPunct="1">
+                        <a:lnSpc>
+                          <a:spcPct val="100000"/>
+                        </a:lnSpc>
+                        <a:spcBef>
+                          <a:spcPts val="0"/>
+                        </a:spcBef>
+                        <a:spcAft>
+                          <a:spcPts val="0"/>
+                        </a:spcAft>
+                        <a:buClrTx/>
+                        <a:buSzTx/>
+                        <a:buFontTx/>
+                        <a:buNone/>
+                        <a:tabLst/>
+                        <a:defRPr/>
+                      </a:pPr>
+                      <a:endParaRPr lang="en-US" sz="1600" dirty="0"/>
+                    </a:p>
+                    <a:p>
+                      <a:pPr marL="0" marR="0" lvl="0" indent="0" algn="ctr" defTabSz="914400" rtl="0" eaLnBrk="1" fontAlgn="auto" latinLnBrk="0" hangingPunct="1">
+                        <a:lnSpc>
+                          <a:spcPct val="100000"/>
+                        </a:lnSpc>
+                        <a:spcBef>
+                          <a:spcPts val="0"/>
+                        </a:spcBef>
+                        <a:spcAft>
+                          <a:spcPts val="0"/>
+                        </a:spcAft>
+                        <a:buClrTx/>
+                        <a:buSzTx/>
+                        <a:buFontTx/>
+                        <a:buNone/>
+                        <a:tabLst/>
+                        <a:defRPr/>
+                      </a:pPr>
+                      <a:endParaRPr lang="en-US" sz="1600" dirty="0"/>
+                    </a:p>
+                    <a:p>
+                      <a:pPr marL="0" marR="0" lvl="0" indent="0" algn="ctr" defTabSz="914400" rtl="0" eaLnBrk="1" fontAlgn="auto" latinLnBrk="0" hangingPunct="1">
+                        <a:lnSpc>
+                          <a:spcPct val="100000"/>
+                        </a:lnSpc>
+                        <a:spcBef>
+                          <a:spcPts val="0"/>
+                        </a:spcBef>
+                        <a:spcAft>
+                          <a:spcPts val="0"/>
+                        </a:spcAft>
+                        <a:buClrTx/>
+                        <a:buSzTx/>
+                        <a:buFontTx/>
+                        <a:buNone/>
+                        <a:tabLst/>
+                        <a:defRPr/>
+                      </a:pPr>
+                      <a:endParaRPr lang="en-US" sz="1600" dirty="0"/>
+                    </a:p>
+                    <a:p>
+                      <a:pPr marL="0" marR="0" lvl="0" indent="0" algn="ctr" defTabSz="914400" rtl="0" eaLnBrk="1" fontAlgn="auto" latinLnBrk="0" hangingPunct="1">
+                        <a:lnSpc>
+                          <a:spcPct val="100000"/>
+                        </a:lnSpc>
+                        <a:spcBef>
+                          <a:spcPts val="0"/>
+                        </a:spcBef>
+                        <a:spcAft>
+                          <a:spcPts val="0"/>
+                        </a:spcAft>
+                        <a:buClrTx/>
+                        <a:buSzTx/>
+                        <a:buFontTx/>
+                        <a:buNone/>
+                        <a:tabLst/>
+                        <a:defRPr/>
+                      </a:pPr>
+                      <a:endParaRPr lang="en-US" sz="1600" dirty="0"/>
+                    </a:p>
+                    <a:p>
+                      <a:pPr marL="0" marR="0" lvl="0" indent="0" algn="ctr" defTabSz="914400" rtl="0" eaLnBrk="1" fontAlgn="auto" latinLnBrk="0" hangingPunct="1">
+                        <a:lnSpc>
+                          <a:spcPct val="100000"/>
+                        </a:lnSpc>
+                        <a:spcBef>
+                          <a:spcPts val="0"/>
+                        </a:spcBef>
+                        <a:spcAft>
+                          <a:spcPts val="0"/>
+                        </a:spcAft>
+                        <a:buClrTx/>
+                        <a:buSzTx/>
+                        <a:buFontTx/>
+                        <a:buNone/>
+                        <a:tabLst/>
+                        <a:defRPr/>
+                      </a:pPr>
+                      <a:endParaRPr lang="en-US" sz="1600" dirty="0"/>
+                    </a:p>
+                  </a:txBody>
+                  <a:tcPr anchor="ctr"/>
+                </a:tc>
+                <a:tc>
+                  <a:txBody>
+                    <a:bodyPr/>
+                    <a:lstStyle/>
+                    <a:p>
+                      <a:pPr algn="ctr"/>
+                      <a:r>
+                        <a:rPr lang="en-US" dirty="0"/>
+                        <a:t>109.5°</a:t>
+                      </a:r>
+                    </a:p>
+                  </a:txBody>
+                  <a:tcPr anchor="ctr"/>
+                </a:tc>
+                <a:tc>
+                  <a:txBody>
+                    <a:bodyPr/>
+                    <a:lstStyle/>
+                    <a:p>
+                      <a:pPr algn="ctr"/>
+                      <a:r>
+                        <a:rPr lang="en-US" dirty="0"/>
+                        <a:t>Tetrahedral</a:t>
+                      </a:r>
+                    </a:p>
+                  </a:txBody>
+                  <a:tcPr/>
+                </a:tc>
+                <a:tc>
+                  <a:txBody>
+                    <a:bodyPr/>
+                    <a:lstStyle/>
+                    <a:p>
+                      <a:pPr algn="ctr"/>
+                      <a:r>
+                        <a:rPr lang="en-US" sz="1600" dirty="0"/>
+                        <a:t>Trigonal Pyramidal</a:t>
+                      </a:r>
+                    </a:p>
+                  </a:txBody>
+                  <a:tcPr/>
+                </a:tc>
+                <a:tc>
+                  <a:txBody>
+                    <a:bodyPr/>
+                    <a:lstStyle/>
+                    <a:p>
+                      <a:pPr algn="ctr"/>
+                      <a:r>
+                        <a:rPr lang="en-US" dirty="0"/>
+                        <a:t>Bent</a:t>
+                      </a:r>
+                    </a:p>
+                  </a:txBody>
+                  <a:tcPr/>
+                </a:tc>
+                <a:extLst>
+                  <a:ext uri="{0D108BD9-81ED-4DB2-BD59-A6C34878D82A}">
+                    <a16:rowId xmlns:a16="http://schemas.microsoft.com/office/drawing/2014/main" val="2094065532"/>
+                  </a:ext>
+                </a:extLst>
+              </a:tr>
+            </a:tbl>
+          </a:graphicData>
+        </a:graphic>
+      </p:graphicFrame>
       <p:sp>
         <p:nvSpPr>
-          <p:cNvPr id="3" name="Content Placeholder 2">
+          <p:cNvPr id="4" name="Slide Number Placeholder 3">
             <a:extLst>
               <a:ext uri="{FF2B5EF4-FFF2-40B4-BE49-F238E27FC236}">
-                <a16:creationId xmlns:a16="http://schemas.microsoft.com/office/drawing/2014/main" id="{CFC3C184-A6E1-15DB-1130-302523D67542}"/>
+                <a16:creationId xmlns:a16="http://schemas.microsoft.com/office/drawing/2014/main" id="{934D2036-2185-AB85-0729-0AA2B24825A2}"/>
               </a:ext>
             </a:extLst>
           </p:cNvPr>
@@ -12008,89 +11794,465 @@
             <a:spLocks noGrp="1"/>
           </p:cNvSpPr>
           <p:nvPr>
-            <p:ph idx="1"/>
+            <p:ph type="sldNum" sz="quarter" idx="10"/>
           </p:nvPr>
         </p:nvSpPr>
-        <p:spPr/>
+        <p:spPr>
+          <a:xfrm>
+            <a:off x="7004050" y="6413500"/>
+            <a:ext cx="2057400" cy="365125"/>
+          </a:xfrm>
+          <a:prstGeom prst="rect">
+            <a:avLst/>
+          </a:prstGeom>
+        </p:spPr>
         <p:txBody>
-          <a:bodyPr/>
-          <a:lstStyle/>
-          <a:p>
-            <a:r>
-              <a:rPr lang="en-US" dirty="0"/>
-              <a:t>You will learn a very useful concept in chemistry, which is that of the </a:t>
-            </a:r>
-            <a:r>
-              <a:rPr lang="en-US" dirty="0">
+          <a:bodyPr vert="horz" lIns="91440" tIns="45720" rIns="91440" bIns="45720" rtlCol="0" anchor="ctr"/>
+          <a:lstStyle>
+            <a:defPPr>
+              <a:defRPr lang="en-US"/>
+            </a:defPPr>
+            <a:lvl1pPr algn="r" rtl="0" fontAlgn="base">
+              <a:spcBef>
+                <a:spcPct val="0"/>
+              </a:spcBef>
+              <a:spcAft>
+                <a:spcPct val="0"/>
+              </a:spcAft>
+              <a:defRPr sz="1200" kern="1200" baseline="0">
                 <a:solidFill>
-                  <a:srgbClr val="00FF00"/>
+                  <a:schemeClr val="bg1"/>
                 </a:solidFill>
-              </a:rPr>
-              <a:t>limiting</a:t>
-            </a:r>
-            <a:r>
-              <a:rPr lang="en-US" dirty="0"/>
-              <a:t> and </a:t>
-            </a:r>
-            <a:r>
-              <a:rPr lang="en-US" dirty="0">
+                <a:latin typeface="Arial" charset="0"/>
+                <a:ea typeface="+mn-ea"/>
+                <a:cs typeface="+mn-cs"/>
+              </a:defRPr>
+            </a:lvl1pPr>
+            <a:lvl2pPr marL="457200" algn="l" rtl="0" fontAlgn="base">
+              <a:spcBef>
+                <a:spcPct val="0"/>
+              </a:spcBef>
+              <a:spcAft>
+                <a:spcPct val="0"/>
+              </a:spcAft>
+              <a:defRPr kern="1200">
                 <a:solidFill>
-                  <a:srgbClr val="00FF00"/>
+                  <a:schemeClr val="tx1"/>
                 </a:solidFill>
-              </a:rPr>
-              <a:t>excess</a:t>
-            </a:r>
-            <a:r>
-              <a:rPr lang="en-US" dirty="0"/>
-              <a:t> </a:t>
-            </a:r>
-            <a:r>
-              <a:rPr lang="en-US" dirty="0">
+                <a:latin typeface="Arial" charset="0"/>
+                <a:ea typeface="+mn-ea"/>
+                <a:cs typeface="+mn-cs"/>
+              </a:defRPr>
+            </a:lvl2pPr>
+            <a:lvl3pPr marL="914400" algn="l" rtl="0" fontAlgn="base">
+              <a:spcBef>
+                <a:spcPct val="0"/>
+              </a:spcBef>
+              <a:spcAft>
+                <a:spcPct val="0"/>
+              </a:spcAft>
+              <a:defRPr kern="1200">
                 <a:solidFill>
-                  <a:srgbClr val="00FF00"/>
+                  <a:schemeClr val="tx1"/>
                 </a:solidFill>
-              </a:rPr>
-              <a:t>reagents</a:t>
-            </a:r>
-            <a:r>
-              <a:rPr lang="en-US" dirty="0"/>
-              <a:t>.</a:t>
-            </a:r>
-          </a:p>
-          <a:p>
-            <a:r>
-              <a:rPr lang="en-US" dirty="0"/>
-              <a:t>In this experiment, the copper solid mass will be the limiting reagent, and sulfur will be the excess reagent.</a:t>
-            </a:r>
-          </a:p>
-          <a:p>
-            <a:r>
-              <a:rPr lang="en-US" dirty="0"/>
-              <a:t>This means we want ALL the copper mass to completely react with an excess amount of sulfur</a:t>
-            </a:r>
-          </a:p>
-          <a:p>
-            <a:pPr marL="0" indent="0">
-              <a:buNone/>
-            </a:pPr>
-            <a:r>
-              <a:rPr lang="en-US" i="1" dirty="0">
+                <a:latin typeface="Arial" charset="0"/>
+                <a:ea typeface="+mn-ea"/>
+                <a:cs typeface="+mn-cs"/>
+              </a:defRPr>
+            </a:lvl3pPr>
+            <a:lvl4pPr marL="1371600" algn="l" rtl="0" fontAlgn="base">
+              <a:spcBef>
+                <a:spcPct val="0"/>
+              </a:spcBef>
+              <a:spcAft>
+                <a:spcPct val="0"/>
+              </a:spcAft>
+              <a:defRPr kern="1200">
                 <a:solidFill>
-                  <a:srgbClr val="FFC000"/>
+                  <a:schemeClr val="tx1"/>
                 </a:solidFill>
-              </a:rPr>
-              <a:t>So how do we know if all the copper will react?</a:t>
-            </a:r>
-          </a:p>
-          <a:p>
+                <a:latin typeface="Arial" charset="0"/>
+                <a:ea typeface="+mn-ea"/>
+                <a:cs typeface="+mn-cs"/>
+              </a:defRPr>
+            </a:lvl4pPr>
+            <a:lvl5pPr marL="1828800" algn="l" rtl="0" fontAlgn="base">
+              <a:spcBef>
+                <a:spcPct val="0"/>
+              </a:spcBef>
+              <a:spcAft>
+                <a:spcPct val="0"/>
+              </a:spcAft>
+              <a:defRPr kern="1200">
+                <a:solidFill>
+                  <a:schemeClr val="tx1"/>
+                </a:solidFill>
+                <a:latin typeface="Arial" charset="0"/>
+                <a:ea typeface="+mn-ea"/>
+                <a:cs typeface="+mn-cs"/>
+              </a:defRPr>
+            </a:lvl5pPr>
+            <a:lvl6pPr marL="2286000" algn="l" defTabSz="914400" rtl="0" eaLnBrk="1" latinLnBrk="0" hangingPunct="1">
+              <a:defRPr kern="1200">
+                <a:solidFill>
+                  <a:schemeClr val="tx1"/>
+                </a:solidFill>
+                <a:latin typeface="Arial" charset="0"/>
+                <a:ea typeface="+mn-ea"/>
+                <a:cs typeface="+mn-cs"/>
+              </a:defRPr>
+            </a:lvl6pPr>
+            <a:lvl7pPr marL="2743200" algn="l" defTabSz="914400" rtl="0" eaLnBrk="1" latinLnBrk="0" hangingPunct="1">
+              <a:defRPr kern="1200">
+                <a:solidFill>
+                  <a:schemeClr val="tx1"/>
+                </a:solidFill>
+                <a:latin typeface="Arial" charset="0"/>
+                <a:ea typeface="+mn-ea"/>
+                <a:cs typeface="+mn-cs"/>
+              </a:defRPr>
+            </a:lvl7pPr>
+            <a:lvl8pPr marL="3200400" algn="l" defTabSz="914400" rtl="0" eaLnBrk="1" latinLnBrk="0" hangingPunct="1">
+              <a:defRPr kern="1200">
+                <a:solidFill>
+                  <a:schemeClr val="tx1"/>
+                </a:solidFill>
+                <a:latin typeface="Arial" charset="0"/>
+                <a:ea typeface="+mn-ea"/>
+                <a:cs typeface="+mn-cs"/>
+              </a:defRPr>
+            </a:lvl8pPr>
+            <a:lvl9pPr marL="3657600" algn="l" defTabSz="914400" rtl="0" eaLnBrk="1" latinLnBrk="0" hangingPunct="1">
+              <a:defRPr kern="1200">
+                <a:solidFill>
+                  <a:schemeClr val="tx1"/>
+                </a:solidFill>
+                <a:latin typeface="Arial" charset="0"/>
+                <a:ea typeface="+mn-ea"/>
+                <a:cs typeface="+mn-cs"/>
+              </a:defRPr>
+            </a:lvl9pPr>
+          </a:lstStyle>
+          <a:p>
+            <a:fld id="{5B6962B3-FD4C-44AA-AB11-79423C828F3E}" type="slidenum">
+              <a:rPr lang="en-US" smtClean="0"/>
+              <a:pPr/>
+              <a:t>4</a:t>
+            </a:fld>
             <a:endParaRPr lang="en-US" dirty="0"/>
           </a:p>
         </p:txBody>
       </p:sp>
+      <p:pic>
+        <p:nvPicPr>
+          <p:cNvPr id="18" name="Picture 17">
+            <a:extLst>
+              <a:ext uri="{FF2B5EF4-FFF2-40B4-BE49-F238E27FC236}">
+                <a16:creationId xmlns:a16="http://schemas.microsoft.com/office/drawing/2014/main" id="{EC81DE54-F9B6-F8E8-9732-1883A6E36CAF}"/>
+              </a:ext>
+            </a:extLst>
+          </p:cNvPr>
+          <p:cNvPicPr>
+            <a:picLocks noChangeAspect="1"/>
+          </p:cNvPicPr>
+          <p:nvPr/>
+        </p:nvPicPr>
+        <p:blipFill>
+          <a:blip r:embed="rId2">
+            <a:extLst>
+              <a:ext uri="{28A0092B-C50C-407E-A947-70E740481C1C}">
+                <a14:useLocalDpi xmlns:a14="http://schemas.microsoft.com/office/drawing/2010/main" val="0"/>
+              </a:ext>
+            </a:extLst>
+          </a:blip>
+          <a:stretch>
+            <a:fillRect/>
+          </a:stretch>
+        </p:blipFill>
+        <p:spPr>
+          <a:xfrm>
+            <a:off x="1501620" y="2173871"/>
+            <a:ext cx="1323975" cy="371475"/>
+          </a:xfrm>
+          <a:prstGeom prst="rect">
+            <a:avLst/>
+          </a:prstGeom>
+        </p:spPr>
+      </p:pic>
+      <p:pic>
+        <p:nvPicPr>
+          <p:cNvPr id="20" name="Picture 19">
+            <a:extLst>
+              <a:ext uri="{FF2B5EF4-FFF2-40B4-BE49-F238E27FC236}">
+                <a16:creationId xmlns:a16="http://schemas.microsoft.com/office/drawing/2014/main" id="{96FF0249-6443-CB6A-5487-65615EAC6C0F}"/>
+              </a:ext>
+            </a:extLst>
+          </p:cNvPr>
+          <p:cNvPicPr>
+            <a:picLocks noChangeAspect="1"/>
+          </p:cNvPicPr>
+          <p:nvPr/>
+        </p:nvPicPr>
+        <p:blipFill>
+          <a:blip r:embed="rId3">
+            <a:extLst>
+              <a:ext uri="{28A0092B-C50C-407E-A947-70E740481C1C}">
+                <a14:useLocalDpi xmlns:a14="http://schemas.microsoft.com/office/drawing/2010/main" val="0"/>
+              </a:ext>
+            </a:extLst>
+          </a:blip>
+          <a:stretch>
+            <a:fillRect/>
+          </a:stretch>
+        </p:blipFill>
+        <p:spPr>
+          <a:xfrm>
+            <a:off x="1549245" y="3211020"/>
+            <a:ext cx="1276350" cy="1095375"/>
+          </a:xfrm>
+          <a:prstGeom prst="rect">
+            <a:avLst/>
+          </a:prstGeom>
+        </p:spPr>
+      </p:pic>
+      <p:pic>
+        <p:nvPicPr>
+          <p:cNvPr id="22" name="Picture 21" descr="A green symbol with letters and numbers&#10;&#10;AI-generated content may be incorrect.">
+            <a:extLst>
+              <a:ext uri="{FF2B5EF4-FFF2-40B4-BE49-F238E27FC236}">
+                <a16:creationId xmlns:a16="http://schemas.microsoft.com/office/drawing/2014/main" id="{6847C163-A06E-D5D2-DC9A-24831F84C230}"/>
+              </a:ext>
+            </a:extLst>
+          </p:cNvPr>
+          <p:cNvPicPr>
+            <a:picLocks noChangeAspect="1"/>
+          </p:cNvPicPr>
+          <p:nvPr/>
+        </p:nvPicPr>
+        <p:blipFill>
+          <a:blip r:embed="rId4">
+            <a:extLst>
+              <a:ext uri="{28A0092B-C50C-407E-A947-70E740481C1C}">
+                <a14:useLocalDpi xmlns:a14="http://schemas.microsoft.com/office/drawing/2010/main" val="0"/>
+              </a:ext>
+            </a:extLst>
+          </a:blip>
+          <a:stretch>
+            <a:fillRect/>
+          </a:stretch>
+        </p:blipFill>
+        <p:spPr>
+          <a:xfrm>
+            <a:off x="1319286" y="4860925"/>
+            <a:ext cx="1704975" cy="1552575"/>
+          </a:xfrm>
+          <a:prstGeom prst="rect">
+            <a:avLst/>
+          </a:prstGeom>
+        </p:spPr>
+      </p:pic>
+      <p:pic>
+        <p:nvPicPr>
+          <p:cNvPr id="23" name="Picture 22">
+            <a:extLst>
+              <a:ext uri="{FF2B5EF4-FFF2-40B4-BE49-F238E27FC236}">
+                <a16:creationId xmlns:a16="http://schemas.microsoft.com/office/drawing/2014/main" id="{5F350CE4-0660-1FE0-932E-E7BD60FEEF64}"/>
+              </a:ext>
+            </a:extLst>
+          </p:cNvPr>
+          <p:cNvPicPr>
+            <a:picLocks noChangeAspect="1"/>
+          </p:cNvPicPr>
+          <p:nvPr/>
+        </p:nvPicPr>
+        <p:blipFill>
+          <a:blip r:embed="rId2">
+            <a:extLst>
+              <a:ext uri="{28A0092B-C50C-407E-A947-70E740481C1C}">
+                <a14:useLocalDpi xmlns:a14="http://schemas.microsoft.com/office/drawing/2010/main" val="0"/>
+              </a:ext>
+            </a:extLst>
+          </a:blip>
+          <a:stretch>
+            <a:fillRect/>
+          </a:stretch>
+        </p:blipFill>
+        <p:spPr>
+          <a:xfrm>
+            <a:off x="4399942" y="2256317"/>
+            <a:ext cx="1323975" cy="371475"/>
+          </a:xfrm>
+          <a:prstGeom prst="rect">
+            <a:avLst/>
+          </a:prstGeom>
+        </p:spPr>
+      </p:pic>
+      <p:pic>
+        <p:nvPicPr>
+          <p:cNvPr id="24" name="Picture 23">
+            <a:extLst>
+              <a:ext uri="{FF2B5EF4-FFF2-40B4-BE49-F238E27FC236}">
+                <a16:creationId xmlns:a16="http://schemas.microsoft.com/office/drawing/2014/main" id="{05F02F9C-B45A-6E8D-D3CE-623A281CF53B}"/>
+              </a:ext>
+            </a:extLst>
+          </p:cNvPr>
+          <p:cNvPicPr>
+            <a:picLocks noChangeAspect="1"/>
+          </p:cNvPicPr>
+          <p:nvPr/>
+        </p:nvPicPr>
+        <p:blipFill>
+          <a:blip r:embed="rId3">
+            <a:extLst>
+              <a:ext uri="{28A0092B-C50C-407E-A947-70E740481C1C}">
+                <a14:useLocalDpi xmlns:a14="http://schemas.microsoft.com/office/drawing/2010/main" val="0"/>
+              </a:ext>
+            </a:extLst>
+          </a:blip>
+          <a:stretch>
+            <a:fillRect/>
+          </a:stretch>
+        </p:blipFill>
+        <p:spPr>
+          <a:xfrm>
+            <a:off x="4447567" y="3373174"/>
+            <a:ext cx="1276350" cy="1095375"/>
+          </a:xfrm>
+          <a:prstGeom prst="rect">
+            <a:avLst/>
+          </a:prstGeom>
+        </p:spPr>
+      </p:pic>
+      <p:pic>
+        <p:nvPicPr>
+          <p:cNvPr id="28" name="Picture 27">
+            <a:extLst>
+              <a:ext uri="{FF2B5EF4-FFF2-40B4-BE49-F238E27FC236}">
+                <a16:creationId xmlns:a16="http://schemas.microsoft.com/office/drawing/2014/main" id="{DE4C79BA-2960-6983-A1C6-669357CEEA30}"/>
+              </a:ext>
+            </a:extLst>
+          </p:cNvPr>
+          <p:cNvPicPr>
+            <a:picLocks noChangeAspect="1"/>
+          </p:cNvPicPr>
+          <p:nvPr/>
+        </p:nvPicPr>
+        <p:blipFill>
+          <a:blip r:embed="rId5"/>
+          <a:stretch>
+            <a:fillRect/>
+          </a:stretch>
+        </p:blipFill>
+        <p:spPr>
+          <a:xfrm>
+            <a:off x="5968093" y="3672165"/>
+            <a:ext cx="1424590" cy="661867"/>
+          </a:xfrm>
+          <a:prstGeom prst="rect">
+            <a:avLst/>
+          </a:prstGeom>
+        </p:spPr>
+      </p:pic>
+      <p:pic>
+        <p:nvPicPr>
+          <p:cNvPr id="33" name="Picture 32" descr="A green symbol with letters and numbers&#10;&#10;AI-generated content may be incorrect.">
+            <a:extLst>
+              <a:ext uri="{FF2B5EF4-FFF2-40B4-BE49-F238E27FC236}">
+                <a16:creationId xmlns:a16="http://schemas.microsoft.com/office/drawing/2014/main" id="{A27F2F0B-748B-078B-8FF8-1E4F1FC2436D}"/>
+              </a:ext>
+            </a:extLst>
+          </p:cNvPr>
+          <p:cNvPicPr>
+            <a:picLocks noChangeAspect="1"/>
+          </p:cNvPicPr>
+          <p:nvPr/>
+        </p:nvPicPr>
+        <p:blipFill>
+          <a:blip r:embed="rId4">
+            <a:extLst>
+              <a:ext uri="{28A0092B-C50C-407E-A947-70E740481C1C}">
+                <a14:useLocalDpi xmlns:a14="http://schemas.microsoft.com/office/drawing/2010/main" val="0"/>
+              </a:ext>
+            </a:extLst>
+          </a:blip>
+          <a:stretch>
+            <a:fillRect/>
+          </a:stretch>
+        </p:blipFill>
+        <p:spPr>
+          <a:xfrm>
+            <a:off x="4233254" y="4860925"/>
+            <a:ext cx="1704975" cy="1552575"/>
+          </a:xfrm>
+          <a:prstGeom prst="rect">
+            <a:avLst/>
+          </a:prstGeom>
+        </p:spPr>
+      </p:pic>
+      <p:pic>
+        <p:nvPicPr>
+          <p:cNvPr id="37" name="Picture 36">
+            <a:extLst>
+              <a:ext uri="{FF2B5EF4-FFF2-40B4-BE49-F238E27FC236}">
+                <a16:creationId xmlns:a16="http://schemas.microsoft.com/office/drawing/2014/main" id="{662D90DF-A456-2036-9471-F5EEA78CA88A}"/>
+              </a:ext>
+            </a:extLst>
+          </p:cNvPr>
+          <p:cNvPicPr>
+            <a:picLocks noChangeAspect="1"/>
+          </p:cNvPicPr>
+          <p:nvPr/>
+        </p:nvPicPr>
+        <p:blipFill>
+          <a:blip r:embed="rId6"/>
+          <a:stretch>
+            <a:fillRect/>
+          </a:stretch>
+        </p:blipFill>
+        <p:spPr>
+          <a:xfrm>
+            <a:off x="5992585" y="5346445"/>
+            <a:ext cx="1437980" cy="915809"/>
+          </a:xfrm>
+          <a:prstGeom prst="rect">
+            <a:avLst/>
+          </a:prstGeom>
+        </p:spPr>
+      </p:pic>
+      <p:pic>
+        <p:nvPicPr>
+          <p:cNvPr id="39" name="Picture 38">
+            <a:extLst>
+              <a:ext uri="{FF2B5EF4-FFF2-40B4-BE49-F238E27FC236}">
+                <a16:creationId xmlns:a16="http://schemas.microsoft.com/office/drawing/2014/main" id="{FF1FDD22-3265-C4C9-EB48-F10BB129FD4A}"/>
+              </a:ext>
+            </a:extLst>
+          </p:cNvPr>
+          <p:cNvPicPr>
+            <a:picLocks noChangeAspect="1"/>
+          </p:cNvPicPr>
+          <p:nvPr/>
+        </p:nvPicPr>
+        <p:blipFill>
+          <a:blip r:embed="rId7"/>
+          <a:stretch>
+            <a:fillRect/>
+          </a:stretch>
+        </p:blipFill>
+        <p:spPr>
+          <a:xfrm>
+            <a:off x="7544922" y="5111808"/>
+            <a:ext cx="1437980" cy="1288006"/>
+          </a:xfrm>
+          <a:prstGeom prst="rect">
+            <a:avLst/>
+          </a:prstGeom>
+        </p:spPr>
+      </p:pic>
     </p:spTree>
     <p:extLst>
       <p:ext uri="{BB962C8B-B14F-4D97-AF65-F5344CB8AC3E}">
-        <p14:creationId xmlns:p14="http://schemas.microsoft.com/office/powerpoint/2010/main" val="3100576228"/>
+        <p14:creationId xmlns:p14="http://schemas.microsoft.com/office/powerpoint/2010/main" val="3515196460"/>
       </p:ext>
     </p:extLst>
   </p:cSld>
@@ -12101,835 +12263,6 @@
 </file>
 
 <file path=ppt/slides/slide5.xml><?xml version="1.0" encoding="utf-8"?>
-<p:sld xmlns:a="http://schemas.openxmlformats.org/drawingml/2006/main" xmlns:r="http://schemas.openxmlformats.org/officeDocument/2006/relationships" xmlns:p="http://schemas.openxmlformats.org/presentationml/2006/main">
-  <p:cSld>
-    <p:spTree>
-      <p:nvGrpSpPr>
-        <p:cNvPr id="1" name="">
-          <a:extLst>
-            <a:ext uri="{FF2B5EF4-FFF2-40B4-BE49-F238E27FC236}">
-              <a16:creationId xmlns:a16="http://schemas.microsoft.com/office/drawing/2014/main" id="{89602FE4-97AA-B2E9-42B8-03DB9375250E}"/>
-            </a:ext>
-          </a:extLst>
-        </p:cNvPr>
-        <p:cNvGrpSpPr/>
-        <p:nvPr/>
-      </p:nvGrpSpPr>
-      <p:grpSpPr>
-        <a:xfrm>
-          <a:off x="0" y="0"/>
-          <a:ext cx="0" cy="0"/>
-          <a:chOff x="0" y="0"/>
-          <a:chExt cx="0" cy="0"/>
-        </a:xfrm>
-      </p:grpSpPr>
-      <p:sp>
-        <p:nvSpPr>
-          <p:cNvPr id="2" name="Title 1">
-            <a:extLst>
-              <a:ext uri="{FF2B5EF4-FFF2-40B4-BE49-F238E27FC236}">
-                <a16:creationId xmlns:a16="http://schemas.microsoft.com/office/drawing/2014/main" id="{35B0DC03-7F7A-43A0-5F01-C7DF8C705AF5}"/>
-              </a:ext>
-            </a:extLst>
-          </p:cNvPr>
-          <p:cNvSpPr>
-            <a:spLocks noGrp="1"/>
-          </p:cNvSpPr>
-          <p:nvPr>
-            <p:ph type="title"/>
-          </p:nvPr>
-        </p:nvSpPr>
-        <p:spPr/>
-        <p:txBody>
-          <a:bodyPr/>
-          <a:lstStyle/>
-          <a:p>
-            <a:r>
-              <a:rPr lang="en-US" dirty="0"/>
-              <a:t>Experiment Planning</a:t>
-            </a:r>
-          </a:p>
-        </p:txBody>
-      </p:sp>
-      <p:sp>
-        <p:nvSpPr>
-          <p:cNvPr id="3" name="Content Placeholder 2">
-            <a:extLst>
-              <a:ext uri="{FF2B5EF4-FFF2-40B4-BE49-F238E27FC236}">
-                <a16:creationId xmlns:a16="http://schemas.microsoft.com/office/drawing/2014/main" id="{9B5A638F-692D-18DA-EAD0-6DAF5A23002A}"/>
-              </a:ext>
-            </a:extLst>
-          </p:cNvPr>
-          <p:cNvSpPr>
-            <a:spLocks noGrp="1"/>
-          </p:cNvSpPr>
-          <p:nvPr>
-            <p:ph idx="1"/>
-          </p:nvPr>
-        </p:nvSpPr>
-        <p:spPr/>
-        <p:txBody>
-          <a:bodyPr/>
-          <a:lstStyle/>
-          <a:p>
-            <a:r>
-              <a:rPr lang="en-US" dirty="0"/>
-              <a:t>Our lab manual says we should have from 2-4 g sulfur used in the reaction. Let’s assume we are at 2 g sulfur: what is the maximum amount of copper mass we should have for it to completely react with the sulfur we use?</a:t>
-            </a:r>
-          </a:p>
-          <a:p>
-            <a:r>
-              <a:rPr lang="en-US" dirty="0"/>
-              <a:t>First we to see the chemical reaction that is happening</a:t>
-            </a:r>
-          </a:p>
-          <a:p>
-            <a:pPr marL="0" indent="0" algn="ctr">
-              <a:buNone/>
-            </a:pPr>
-            <a:r>
-              <a:rPr lang="en-US" dirty="0">
-                <a:solidFill>
-                  <a:schemeClr val="accent1">
-                    <a:lumMod val="60000"/>
-                    <a:lumOff val="40000"/>
-                  </a:schemeClr>
-                </a:solidFill>
-              </a:rPr>
-              <a:t>2 Cu (s) + S (s) </a:t>
-            </a:r>
-            <a:r>
-              <a:rPr lang="en-US" dirty="0">
-                <a:solidFill>
-                  <a:schemeClr val="accent1">
-                    <a:lumMod val="60000"/>
-                    <a:lumOff val="40000"/>
-                  </a:schemeClr>
-                </a:solidFill>
-                <a:sym typeface="Wingdings" panose="05000000000000000000" pitchFamily="2" charset="2"/>
-              </a:rPr>
-              <a:t> Cu</a:t>
-            </a:r>
-            <a:r>
-              <a:rPr lang="en-US" baseline="-25000" dirty="0">
-                <a:solidFill>
-                  <a:schemeClr val="accent1">
-                    <a:lumMod val="60000"/>
-                    <a:lumOff val="40000"/>
-                  </a:schemeClr>
-                </a:solidFill>
-                <a:sym typeface="Wingdings" panose="05000000000000000000" pitchFamily="2" charset="2"/>
-              </a:rPr>
-              <a:t>2</a:t>
-            </a:r>
-            <a:r>
-              <a:rPr lang="en-US" dirty="0">
-                <a:solidFill>
-                  <a:schemeClr val="accent1">
-                    <a:lumMod val="60000"/>
-                    <a:lumOff val="40000"/>
-                  </a:schemeClr>
-                </a:solidFill>
-                <a:sym typeface="Wingdings" panose="05000000000000000000" pitchFamily="2" charset="2"/>
-              </a:rPr>
-              <a:t>S (s)</a:t>
-            </a:r>
-            <a:endParaRPr lang="en-US" dirty="0">
-              <a:solidFill>
-                <a:schemeClr val="accent1">
-                  <a:lumMod val="60000"/>
-                  <a:lumOff val="40000"/>
-                </a:schemeClr>
-              </a:solidFill>
-            </a:endParaRPr>
-          </a:p>
-          <a:p>
-            <a:r>
-              <a:rPr lang="en-US" dirty="0"/>
-              <a:t>You should know how to write &amp; BALANCE this reaction because you should know that copper sulfide is copper (I) sulfide. Note how mass is balanced</a:t>
-            </a:r>
-          </a:p>
-        </p:txBody>
-      </p:sp>
-    </p:spTree>
-    <p:extLst>
-      <p:ext uri="{BB962C8B-B14F-4D97-AF65-F5344CB8AC3E}">
-        <p14:creationId xmlns:p14="http://schemas.microsoft.com/office/powerpoint/2010/main" val="1309167304"/>
-      </p:ext>
-    </p:extLst>
-  </p:cSld>
-  <p:clrMapOvr>
-    <a:masterClrMapping/>
-  </p:clrMapOvr>
-</p:sld>
-</file>
-
-<file path=ppt/slides/slide6.xml><?xml version="1.0" encoding="utf-8"?>
-<p:sld xmlns:a="http://schemas.openxmlformats.org/drawingml/2006/main" xmlns:r="http://schemas.openxmlformats.org/officeDocument/2006/relationships" xmlns:p="http://schemas.openxmlformats.org/presentationml/2006/main">
-  <p:cSld>
-    <p:spTree>
-      <p:nvGrpSpPr>
-        <p:cNvPr id="1" name="">
-          <a:extLst>
-            <a:ext uri="{FF2B5EF4-FFF2-40B4-BE49-F238E27FC236}">
-              <a16:creationId xmlns:a16="http://schemas.microsoft.com/office/drawing/2014/main" id="{A0B314F5-A532-75E0-4452-699E381E2923}"/>
-            </a:ext>
-          </a:extLst>
-        </p:cNvPr>
-        <p:cNvGrpSpPr/>
-        <p:nvPr/>
-      </p:nvGrpSpPr>
-      <p:grpSpPr>
-        <a:xfrm>
-          <a:off x="0" y="0"/>
-          <a:ext cx="0" cy="0"/>
-          <a:chOff x="0" y="0"/>
-          <a:chExt cx="0" cy="0"/>
-        </a:xfrm>
-      </p:grpSpPr>
-      <p:sp>
-        <p:nvSpPr>
-          <p:cNvPr id="2" name="Title 1">
-            <a:extLst>
-              <a:ext uri="{FF2B5EF4-FFF2-40B4-BE49-F238E27FC236}">
-                <a16:creationId xmlns:a16="http://schemas.microsoft.com/office/drawing/2014/main" id="{7B67D3B4-D5D4-23E8-8C4C-0BC5FF420E12}"/>
-              </a:ext>
-            </a:extLst>
-          </p:cNvPr>
-          <p:cNvSpPr>
-            <a:spLocks noGrp="1"/>
-          </p:cNvSpPr>
-          <p:nvPr>
-            <p:ph type="title"/>
-          </p:nvPr>
-        </p:nvSpPr>
-        <p:spPr/>
-        <p:txBody>
-          <a:bodyPr/>
-          <a:lstStyle/>
-          <a:p>
-            <a:r>
-              <a:rPr lang="en-US" dirty="0"/>
-              <a:t>Experiment Planning</a:t>
-            </a:r>
-          </a:p>
-        </p:txBody>
-      </p:sp>
-      <mc:AlternateContent xmlns:mc="http://schemas.openxmlformats.org/markup-compatibility/2006" xmlns:a14="http://schemas.microsoft.com/office/drawing/2010/main">
-        <mc:Choice Requires="a14">
-          <p:sp>
-            <p:nvSpPr>
-              <p:cNvPr id="3" name="Content Placeholder 2">
-                <a:extLst>
-                  <a:ext uri="{FF2B5EF4-FFF2-40B4-BE49-F238E27FC236}">
-                    <a16:creationId xmlns:a16="http://schemas.microsoft.com/office/drawing/2014/main" id="{10F096D7-7F9F-3A76-824B-79A56486284F}"/>
-                  </a:ext>
-                </a:extLst>
-              </p:cNvPr>
-              <p:cNvSpPr>
-                <a:spLocks noGrp="1"/>
-              </p:cNvSpPr>
-              <p:nvPr>
-                <p:ph idx="1"/>
-              </p:nvPr>
-            </p:nvSpPr>
-            <p:spPr/>
-            <p:txBody>
-              <a:bodyPr/>
-              <a:lstStyle/>
-              <a:p>
-                <a:r>
-                  <a:rPr lang="en-US" dirty="0"/>
-                  <a:t>The next step is to know the molar mass of the reactants and the product</a:t>
-                </a:r>
-              </a:p>
-              <a:p>
-                <a:pPr lvl="1"/>
-                <a:r>
-                  <a:rPr lang="en-US" sz="2200" dirty="0">
-                    <a:solidFill>
-                      <a:srgbClr val="FFC000"/>
-                    </a:solidFill>
-                  </a:rPr>
-                  <a:t>Copper</a:t>
-                </a:r>
-                <a:r>
-                  <a:rPr lang="en-US" sz="2200" dirty="0"/>
-                  <a:t>: </a:t>
-                </a:r>
-                <a:r>
-                  <a:rPr lang="en-US" sz="2200" dirty="0">
-                    <a:solidFill>
-                      <a:schemeClr val="accent1">
-                        <a:lumMod val="60000"/>
-                        <a:lumOff val="40000"/>
-                      </a:schemeClr>
-                    </a:solidFill>
-                  </a:rPr>
-                  <a:t>63.546 g/mol</a:t>
-                </a:r>
-              </a:p>
-              <a:p>
-                <a:pPr lvl="1"/>
-                <a:r>
-                  <a:rPr lang="en-US" sz="2200" dirty="0">
-                    <a:solidFill>
-                      <a:srgbClr val="FFC000"/>
-                    </a:solidFill>
-                  </a:rPr>
-                  <a:t>Sulfur</a:t>
-                </a:r>
-                <a:r>
-                  <a:rPr lang="en-US" sz="2200" dirty="0"/>
-                  <a:t>: </a:t>
-                </a:r>
-                <a:r>
-                  <a:rPr lang="en-US" sz="2200" dirty="0">
-                    <a:solidFill>
-                      <a:schemeClr val="accent1">
-                        <a:lumMod val="60000"/>
-                        <a:lumOff val="40000"/>
-                      </a:schemeClr>
-                    </a:solidFill>
-                  </a:rPr>
-                  <a:t>32.065 g/mol</a:t>
-                </a:r>
-              </a:p>
-              <a:p>
-                <a:pPr lvl="1"/>
-                <a:r>
-                  <a:rPr lang="en-US" sz="2200" dirty="0">
-                    <a:solidFill>
-                      <a:srgbClr val="FFC000"/>
-                    </a:solidFill>
-                  </a:rPr>
-                  <a:t>Copper</a:t>
-                </a:r>
-                <a:r>
-                  <a:rPr lang="en-US" sz="2200" dirty="0"/>
-                  <a:t> </a:t>
-                </a:r>
-                <a:r>
-                  <a:rPr lang="en-US" sz="2200" dirty="0">
-                    <a:solidFill>
-                      <a:srgbClr val="FFC000"/>
-                    </a:solidFill>
-                  </a:rPr>
-                  <a:t>(I) sulfide</a:t>
-                </a:r>
-                <a:r>
-                  <a:rPr lang="en-US" sz="2200" dirty="0"/>
-                  <a:t>: 2 × </a:t>
-                </a:r>
-                <a:r>
-                  <a:rPr lang="en-US" sz="2200" dirty="0">
-                    <a:solidFill>
-                      <a:srgbClr val="FFFF00"/>
-                    </a:solidFill>
-                  </a:rPr>
-                  <a:t>Cu</a:t>
-                </a:r>
-                <a:r>
-                  <a:rPr lang="en-US" sz="2200" dirty="0"/>
-                  <a:t> + </a:t>
-                </a:r>
-                <a:r>
-                  <a:rPr lang="en-US" sz="2200" dirty="0">
-                    <a:solidFill>
-                      <a:srgbClr val="FFFF00"/>
-                    </a:solidFill>
-                  </a:rPr>
-                  <a:t>S</a:t>
-                </a:r>
-                <a:r>
-                  <a:rPr lang="en-US" sz="2200" dirty="0"/>
-                  <a:t> = </a:t>
-                </a:r>
-                <a:r>
-                  <a:rPr lang="en-US" sz="2200" dirty="0">
-                    <a:solidFill>
-                      <a:schemeClr val="accent1">
-                        <a:lumMod val="60000"/>
-                        <a:lumOff val="40000"/>
-                      </a:schemeClr>
-                    </a:solidFill>
-                  </a:rPr>
-                  <a:t>159.16 g/mol</a:t>
-                </a:r>
-              </a:p>
-              <a:p>
-                <a:r>
-                  <a:rPr lang="en-US" sz="2200" dirty="0"/>
-                  <a:t>Two atoms of Cu will be used for every one atom of S</a:t>
-                </a:r>
-              </a:p>
-              <a:p>
-                <a:r>
-                  <a:rPr lang="en-US" sz="2200" dirty="0"/>
-                  <a:t>Two MOLES (mol) of Cu will be used for every one MOLE (mol) of S</a:t>
-                </a:r>
-              </a:p>
-              <a:p>
-                <a:r>
-                  <a:rPr lang="en-US" sz="2200" dirty="0"/>
-                  <a:t>You have 2.00 g S: how many g of Cu will it change?</a:t>
-                </a:r>
-              </a:p>
-              <a:p>
-                <a14:m>
-                  <m:oMath xmlns:m="http://schemas.openxmlformats.org/officeDocument/2006/math">
-                    <m:r>
-                      <a:rPr lang="en-US" sz="2200" b="0" i="1" smtClean="0">
-                        <a:latin typeface="Cambria Math" panose="02040503050406030204" pitchFamily="18" charset="0"/>
-                      </a:rPr>
-                      <m:t>2.00 </m:t>
-                    </m:r>
-                    <m:r>
-                      <m:rPr>
-                        <m:nor/>
-                      </m:rPr>
-                      <a:rPr lang="en-US" sz="2200" b="0" i="0" smtClean="0">
-                        <a:latin typeface="Cambria Math" panose="02040503050406030204" pitchFamily="18" charset="0"/>
-                      </a:rPr>
-                      <m:t>g</m:t>
-                    </m:r>
-                    <m:r>
-                      <m:rPr>
-                        <m:nor/>
-                      </m:rPr>
-                      <a:rPr lang="en-US" sz="2200" b="0" i="0" smtClean="0">
-                        <a:latin typeface="Cambria Math" panose="02040503050406030204" pitchFamily="18" charset="0"/>
-                      </a:rPr>
-                      <m:t> </m:t>
-                    </m:r>
-                    <m:r>
-                      <m:rPr>
-                        <m:nor/>
-                      </m:rPr>
-                      <a:rPr lang="en-US" sz="2200" b="0" i="0" smtClean="0">
-                        <a:latin typeface="Cambria Math" panose="02040503050406030204" pitchFamily="18" charset="0"/>
-                      </a:rPr>
-                      <m:t>S</m:t>
-                    </m:r>
-                    <m:r>
-                      <a:rPr lang="en-US" sz="2200" b="0" i="1" smtClean="0">
-                        <a:latin typeface="Cambria Math" panose="02040503050406030204" pitchFamily="18" charset="0"/>
-                        <a:ea typeface="Cambria Math" panose="02040503050406030204" pitchFamily="18" charset="0"/>
-                      </a:rPr>
-                      <m:t>×</m:t>
-                    </m:r>
-                    <m:f>
-                      <m:fPr>
-                        <m:ctrlPr>
-                          <a:rPr lang="en-US" sz="2200" b="0" i="1" smtClean="0">
-                            <a:latin typeface="Cambria Math" panose="02040503050406030204" pitchFamily="18" charset="0"/>
-                            <a:ea typeface="Cambria Math" panose="02040503050406030204" pitchFamily="18" charset="0"/>
-                          </a:rPr>
-                        </m:ctrlPr>
-                      </m:fPr>
-                      <m:num>
-                        <m:r>
-                          <m:rPr>
-                            <m:nor/>
-                          </m:rPr>
-                          <a:rPr lang="en-US" sz="2200" b="0" i="0" smtClean="0">
-                            <a:latin typeface="Cambria Math" panose="02040503050406030204" pitchFamily="18" charset="0"/>
-                            <a:ea typeface="Cambria Math" panose="02040503050406030204" pitchFamily="18" charset="0"/>
-                          </a:rPr>
-                          <m:t>1 </m:t>
-                        </m:r>
-                        <m:r>
-                          <m:rPr>
-                            <m:nor/>
-                          </m:rPr>
-                          <a:rPr lang="en-US" sz="2200" b="0" i="0" smtClean="0">
-                            <a:latin typeface="Cambria Math" panose="02040503050406030204" pitchFamily="18" charset="0"/>
-                            <a:ea typeface="Cambria Math" panose="02040503050406030204" pitchFamily="18" charset="0"/>
-                          </a:rPr>
-                          <m:t>mol</m:t>
-                        </m:r>
-                        <m:r>
-                          <m:rPr>
-                            <m:nor/>
-                          </m:rPr>
-                          <a:rPr lang="en-US" sz="2200" b="0" i="0" smtClean="0">
-                            <a:latin typeface="Cambria Math" panose="02040503050406030204" pitchFamily="18" charset="0"/>
-                            <a:ea typeface="Cambria Math" panose="02040503050406030204" pitchFamily="18" charset="0"/>
-                          </a:rPr>
-                          <m:t> </m:t>
-                        </m:r>
-                        <m:r>
-                          <m:rPr>
-                            <m:nor/>
-                          </m:rPr>
-                          <a:rPr lang="en-US" sz="2200" b="0" i="0" smtClean="0">
-                            <a:latin typeface="Cambria Math" panose="02040503050406030204" pitchFamily="18" charset="0"/>
-                            <a:ea typeface="Cambria Math" panose="02040503050406030204" pitchFamily="18" charset="0"/>
-                          </a:rPr>
-                          <m:t>S</m:t>
-                        </m:r>
-                      </m:num>
-                      <m:den>
-                        <m:r>
-                          <m:rPr>
-                            <m:nor/>
-                          </m:rPr>
-                          <a:rPr lang="en-US" sz="2200" b="0" i="0" smtClean="0">
-                            <a:latin typeface="Cambria Math" panose="02040503050406030204" pitchFamily="18" charset="0"/>
-                            <a:ea typeface="Cambria Math" panose="02040503050406030204" pitchFamily="18" charset="0"/>
-                          </a:rPr>
-                          <m:t>32.065 </m:t>
-                        </m:r>
-                        <m:r>
-                          <m:rPr>
-                            <m:nor/>
-                          </m:rPr>
-                          <a:rPr lang="en-US" sz="2200" b="0" i="0" smtClean="0">
-                            <a:latin typeface="Cambria Math" panose="02040503050406030204" pitchFamily="18" charset="0"/>
-                            <a:ea typeface="Cambria Math" panose="02040503050406030204" pitchFamily="18" charset="0"/>
-                          </a:rPr>
-                          <m:t>g</m:t>
-                        </m:r>
-                        <m:r>
-                          <m:rPr>
-                            <m:nor/>
-                          </m:rPr>
-                          <a:rPr lang="en-US" sz="2200" b="0" i="0" smtClean="0">
-                            <a:latin typeface="Cambria Math" panose="02040503050406030204" pitchFamily="18" charset="0"/>
-                            <a:ea typeface="Cambria Math" panose="02040503050406030204" pitchFamily="18" charset="0"/>
-                          </a:rPr>
-                          <m:t> </m:t>
-                        </m:r>
-                        <m:r>
-                          <m:rPr>
-                            <m:nor/>
-                          </m:rPr>
-                          <a:rPr lang="en-US" sz="2200" b="0" i="0" smtClean="0">
-                            <a:latin typeface="Cambria Math" panose="02040503050406030204" pitchFamily="18" charset="0"/>
-                            <a:ea typeface="Cambria Math" panose="02040503050406030204" pitchFamily="18" charset="0"/>
-                          </a:rPr>
-                          <m:t>S</m:t>
-                        </m:r>
-                      </m:den>
-                    </m:f>
-                    <m:r>
-                      <a:rPr lang="en-US" sz="2200" b="0" i="1" smtClean="0">
-                        <a:latin typeface="Cambria Math" panose="02040503050406030204" pitchFamily="18" charset="0"/>
-                        <a:ea typeface="Cambria Math" panose="02040503050406030204" pitchFamily="18" charset="0"/>
-                      </a:rPr>
-                      <m:t>×</m:t>
-                    </m:r>
-                    <m:f>
-                      <m:fPr>
-                        <m:ctrlPr>
-                          <a:rPr lang="en-US" sz="2200" b="0" i="1" smtClean="0">
-                            <a:latin typeface="Cambria Math" panose="02040503050406030204" pitchFamily="18" charset="0"/>
-                            <a:ea typeface="Cambria Math" panose="02040503050406030204" pitchFamily="18" charset="0"/>
-                          </a:rPr>
-                        </m:ctrlPr>
-                      </m:fPr>
-                      <m:num>
-                        <m:r>
-                          <m:rPr>
-                            <m:nor/>
-                          </m:rPr>
-                          <a:rPr lang="en-US" sz="2200" b="0" i="0" smtClean="0">
-                            <a:latin typeface="Cambria Math" panose="02040503050406030204" pitchFamily="18" charset="0"/>
-                            <a:ea typeface="Cambria Math" panose="02040503050406030204" pitchFamily="18" charset="0"/>
-                          </a:rPr>
-                          <m:t>2 </m:t>
-                        </m:r>
-                        <m:r>
-                          <m:rPr>
-                            <m:nor/>
-                          </m:rPr>
-                          <a:rPr lang="en-US" sz="2200" b="0" i="0" smtClean="0">
-                            <a:latin typeface="Cambria Math" panose="02040503050406030204" pitchFamily="18" charset="0"/>
-                            <a:ea typeface="Cambria Math" panose="02040503050406030204" pitchFamily="18" charset="0"/>
-                          </a:rPr>
-                          <m:t>mol</m:t>
-                        </m:r>
-                        <m:r>
-                          <m:rPr>
-                            <m:nor/>
-                          </m:rPr>
-                          <a:rPr lang="en-US" sz="2200" b="0" i="0" smtClean="0">
-                            <a:latin typeface="Cambria Math" panose="02040503050406030204" pitchFamily="18" charset="0"/>
-                            <a:ea typeface="Cambria Math" panose="02040503050406030204" pitchFamily="18" charset="0"/>
-                          </a:rPr>
-                          <m:t> </m:t>
-                        </m:r>
-                        <m:r>
-                          <m:rPr>
-                            <m:nor/>
-                          </m:rPr>
-                          <a:rPr lang="en-US" sz="2200" b="0" i="0" smtClean="0">
-                            <a:latin typeface="Cambria Math" panose="02040503050406030204" pitchFamily="18" charset="0"/>
-                            <a:ea typeface="Cambria Math" panose="02040503050406030204" pitchFamily="18" charset="0"/>
-                          </a:rPr>
-                          <m:t>Cu</m:t>
-                        </m:r>
-                      </m:num>
-                      <m:den>
-                        <m:r>
-                          <m:rPr>
-                            <m:nor/>
-                          </m:rPr>
-                          <a:rPr lang="en-US" sz="2200" b="0" i="0" smtClean="0">
-                            <a:latin typeface="Cambria Math" panose="02040503050406030204" pitchFamily="18" charset="0"/>
-                            <a:ea typeface="Cambria Math" panose="02040503050406030204" pitchFamily="18" charset="0"/>
-                          </a:rPr>
-                          <m:t>1 </m:t>
-                        </m:r>
-                        <m:r>
-                          <m:rPr>
-                            <m:nor/>
-                          </m:rPr>
-                          <a:rPr lang="en-US" sz="2200" b="0" i="0" smtClean="0">
-                            <a:latin typeface="Cambria Math" panose="02040503050406030204" pitchFamily="18" charset="0"/>
-                            <a:ea typeface="Cambria Math" panose="02040503050406030204" pitchFamily="18" charset="0"/>
-                          </a:rPr>
-                          <m:t>mol</m:t>
-                        </m:r>
-                        <m:r>
-                          <m:rPr>
-                            <m:nor/>
-                          </m:rPr>
-                          <a:rPr lang="en-US" sz="2200" b="0" i="0" smtClean="0">
-                            <a:latin typeface="Cambria Math" panose="02040503050406030204" pitchFamily="18" charset="0"/>
-                            <a:ea typeface="Cambria Math" panose="02040503050406030204" pitchFamily="18" charset="0"/>
-                          </a:rPr>
-                          <m:t> </m:t>
-                        </m:r>
-                        <m:r>
-                          <m:rPr>
-                            <m:nor/>
-                          </m:rPr>
-                          <a:rPr lang="en-US" sz="2200" b="0" i="0" smtClean="0">
-                            <a:latin typeface="Cambria Math" panose="02040503050406030204" pitchFamily="18" charset="0"/>
-                            <a:ea typeface="Cambria Math" panose="02040503050406030204" pitchFamily="18" charset="0"/>
-                          </a:rPr>
-                          <m:t>S</m:t>
-                        </m:r>
-                      </m:den>
-                    </m:f>
-                    <m:r>
-                      <m:rPr>
-                        <m:nor/>
-                      </m:rPr>
-                      <a:rPr lang="en-US" sz="2200" b="0" i="0" smtClean="0">
-                        <a:latin typeface="Cambria Math" panose="02040503050406030204" pitchFamily="18" charset="0"/>
-                        <a:ea typeface="Cambria Math" panose="02040503050406030204" pitchFamily="18" charset="0"/>
-                      </a:rPr>
-                      <m:t>×</m:t>
-                    </m:r>
-                    <m:f>
-                      <m:fPr>
-                        <m:ctrlPr>
-                          <a:rPr lang="en-US" sz="2200" b="0" i="1" smtClean="0">
-                            <a:latin typeface="Cambria Math" panose="02040503050406030204" pitchFamily="18" charset="0"/>
-                            <a:ea typeface="Cambria Math" panose="02040503050406030204" pitchFamily="18" charset="0"/>
-                          </a:rPr>
-                        </m:ctrlPr>
-                      </m:fPr>
-                      <m:num>
-                        <m:r>
-                          <m:rPr>
-                            <m:nor/>
-                          </m:rPr>
-                          <a:rPr lang="en-US" sz="2200" b="0" i="0" smtClean="0">
-                            <a:latin typeface="Cambria Math" panose="02040503050406030204" pitchFamily="18" charset="0"/>
-                            <a:ea typeface="Cambria Math" panose="02040503050406030204" pitchFamily="18" charset="0"/>
-                          </a:rPr>
-                          <m:t>63.546 </m:t>
-                        </m:r>
-                        <m:r>
-                          <m:rPr>
-                            <m:nor/>
-                          </m:rPr>
-                          <a:rPr lang="en-US" sz="2200" b="0" i="0" smtClean="0">
-                            <a:latin typeface="Cambria Math" panose="02040503050406030204" pitchFamily="18" charset="0"/>
-                            <a:ea typeface="Cambria Math" panose="02040503050406030204" pitchFamily="18" charset="0"/>
-                          </a:rPr>
-                          <m:t>g</m:t>
-                        </m:r>
-                        <m:r>
-                          <m:rPr>
-                            <m:nor/>
-                          </m:rPr>
-                          <a:rPr lang="en-US" sz="2200" b="0" i="0" smtClean="0">
-                            <a:latin typeface="Cambria Math" panose="02040503050406030204" pitchFamily="18" charset="0"/>
-                            <a:ea typeface="Cambria Math" panose="02040503050406030204" pitchFamily="18" charset="0"/>
-                          </a:rPr>
-                          <m:t> </m:t>
-                        </m:r>
-                        <m:r>
-                          <m:rPr>
-                            <m:nor/>
-                          </m:rPr>
-                          <a:rPr lang="en-US" sz="2200" b="0" i="0" smtClean="0">
-                            <a:latin typeface="Cambria Math" panose="02040503050406030204" pitchFamily="18" charset="0"/>
-                            <a:ea typeface="Cambria Math" panose="02040503050406030204" pitchFamily="18" charset="0"/>
-                          </a:rPr>
-                          <m:t>Cu</m:t>
-                        </m:r>
-                      </m:num>
-                      <m:den>
-                        <m:r>
-                          <m:rPr>
-                            <m:nor/>
-                          </m:rPr>
-                          <a:rPr lang="en-US" sz="2200" b="0" i="0" smtClean="0">
-                            <a:latin typeface="Cambria Math" panose="02040503050406030204" pitchFamily="18" charset="0"/>
-                            <a:ea typeface="Cambria Math" panose="02040503050406030204" pitchFamily="18" charset="0"/>
-                          </a:rPr>
-                          <m:t>1 </m:t>
-                        </m:r>
-                        <m:r>
-                          <m:rPr>
-                            <m:nor/>
-                          </m:rPr>
-                          <a:rPr lang="en-US" sz="2200" b="0" i="0" smtClean="0">
-                            <a:latin typeface="Cambria Math" panose="02040503050406030204" pitchFamily="18" charset="0"/>
-                            <a:ea typeface="Cambria Math" panose="02040503050406030204" pitchFamily="18" charset="0"/>
-                          </a:rPr>
-                          <m:t>mol</m:t>
-                        </m:r>
-                        <m:r>
-                          <m:rPr>
-                            <m:nor/>
-                          </m:rPr>
-                          <a:rPr lang="en-US" sz="2200" b="0" i="0" smtClean="0">
-                            <a:latin typeface="Cambria Math" panose="02040503050406030204" pitchFamily="18" charset="0"/>
-                            <a:ea typeface="Cambria Math" panose="02040503050406030204" pitchFamily="18" charset="0"/>
-                          </a:rPr>
-                          <m:t> </m:t>
-                        </m:r>
-                        <m:r>
-                          <m:rPr>
-                            <m:nor/>
-                          </m:rPr>
-                          <a:rPr lang="en-US" sz="2200" b="0" i="0" smtClean="0">
-                            <a:latin typeface="Cambria Math" panose="02040503050406030204" pitchFamily="18" charset="0"/>
-                            <a:ea typeface="Cambria Math" panose="02040503050406030204" pitchFamily="18" charset="0"/>
-                          </a:rPr>
-                          <m:t>Cu</m:t>
-                        </m:r>
-                      </m:den>
-                    </m:f>
-                    <m:r>
-                      <m:rPr>
-                        <m:nor/>
-                      </m:rPr>
-                      <a:rPr lang="en-US" sz="2200" b="0" i="0" smtClean="0">
-                        <a:latin typeface="Cambria Math" panose="02040503050406030204" pitchFamily="18" charset="0"/>
-                        <a:ea typeface="Cambria Math" panose="02040503050406030204" pitchFamily="18" charset="0"/>
-                      </a:rPr>
-                      <m:t>=</m:t>
-                    </m:r>
-                    <m:r>
-                      <m:rPr>
-                        <m:nor/>
-                      </m:rPr>
-                      <a:rPr lang="en-US" sz="2200" b="0" i="0" smtClean="0">
-                        <a:latin typeface="Cambria Math" panose="02040503050406030204" pitchFamily="18" charset="0"/>
-                      </a:rPr>
-                      <m:t> 7.93 </m:t>
-                    </m:r>
-                    <m:r>
-                      <m:rPr>
-                        <m:nor/>
-                      </m:rPr>
-                      <a:rPr lang="en-US" sz="2200" b="0" i="0" smtClean="0">
-                        <a:latin typeface="Cambria Math" panose="02040503050406030204" pitchFamily="18" charset="0"/>
-                      </a:rPr>
-                      <m:t>g</m:t>
-                    </m:r>
-                    <m:r>
-                      <m:rPr>
-                        <m:nor/>
-                      </m:rPr>
-                      <a:rPr lang="en-US" sz="2200" b="0" i="0" smtClean="0">
-                        <a:latin typeface="Cambria Math" panose="02040503050406030204" pitchFamily="18" charset="0"/>
-                      </a:rPr>
-                      <m:t> </m:t>
-                    </m:r>
-                    <m:r>
-                      <m:rPr>
-                        <m:nor/>
-                      </m:rPr>
-                      <a:rPr lang="en-US" sz="2200" b="0" i="0" smtClean="0">
-                        <a:latin typeface="Cambria Math" panose="02040503050406030204" pitchFamily="18" charset="0"/>
-                      </a:rPr>
-                      <m:t>Cu</m:t>
-                    </m:r>
-                  </m:oMath>
-                </a14:m>
-                <a:endParaRPr lang="en-US" sz="2200" dirty="0"/>
-              </a:p>
-              <a:p>
-                <a:r>
-                  <a:rPr lang="en-US" sz="2200" dirty="0"/>
-                  <a:t>If you consider you can weigh out up to 4.00 g S, then you could consume as much as ~16 g Cu</a:t>
-                </a:r>
-              </a:p>
-            </p:txBody>
-          </p:sp>
-        </mc:Choice>
-        <mc:Fallback xmlns="">
-          <p:sp>
-            <p:nvSpPr>
-              <p:cNvPr id="3" name="Content Placeholder 2">
-                <a:extLst>
-                  <a:ext uri="{FF2B5EF4-FFF2-40B4-BE49-F238E27FC236}">
-                    <a16:creationId xmlns:a16="http://schemas.microsoft.com/office/drawing/2014/main" id="{10F096D7-7F9F-3A76-824B-79A56486284F}"/>
-                  </a:ext>
-                </a:extLst>
-              </p:cNvPr>
-              <p:cNvSpPr>
-                <a:spLocks noGrp="1" noRot="1" noChangeAspect="1" noMove="1" noResize="1" noEditPoints="1" noAdjustHandles="1" noChangeArrowheads="1" noChangeShapeType="1" noTextEdit="1"/>
-              </p:cNvSpPr>
-              <p:nvPr>
-                <p:ph idx="1"/>
-              </p:nvPr>
-            </p:nvSpPr>
-            <p:spPr>
-              <a:blipFill>
-                <a:blip r:embed="rId2"/>
-                <a:stretch>
-                  <a:fillRect l="-1090" t="-936"/>
-                </a:stretch>
-              </a:blipFill>
-            </p:spPr>
-            <p:txBody>
-              <a:bodyPr/>
-              <a:lstStyle/>
-              <a:p>
-                <a:r>
-                  <a:rPr lang="en-US">
-                    <a:noFill/>
-                  </a:rPr>
-                  <a:t> </a:t>
-                </a:r>
-              </a:p>
-            </p:txBody>
-          </p:sp>
-        </mc:Fallback>
-      </mc:AlternateContent>
-    </p:spTree>
-    <p:extLst>
-      <p:ext uri="{BB962C8B-B14F-4D97-AF65-F5344CB8AC3E}">
-        <p14:creationId xmlns:p14="http://schemas.microsoft.com/office/powerpoint/2010/main" val="1120309110"/>
-      </p:ext>
-    </p:extLst>
-  </p:cSld>
-  <p:clrMapOvr>
-    <a:masterClrMapping/>
-  </p:clrMapOvr>
-</p:sld>
-</file>
-
-<file path=ppt/slides/slide7.xml><?xml version="1.0" encoding="utf-8"?>
 <p:sld xmlns:a="http://schemas.openxmlformats.org/drawingml/2006/main" xmlns:r="http://schemas.openxmlformats.org/officeDocument/2006/relationships" xmlns:p="http://schemas.openxmlformats.org/presentationml/2006/main">
   <p:cSld>
     <p:spTree>
@@ -13012,32 +12345,126 @@
       </p:sp>
       <p:pic>
         <p:nvPicPr>
-          <p:cNvPr id="28" name="Picture 27">
+          <p:cNvPr id="1026" name="Picture 2" descr="Molymod Organic Chemistry Student Edition Molecular Model Set, Set of 112">
             <a:extLst>
               <a:ext uri="{FF2B5EF4-FFF2-40B4-BE49-F238E27FC236}">
-                <a16:creationId xmlns:a16="http://schemas.microsoft.com/office/drawing/2014/main" id="{E3D37E1F-6623-386E-390F-27A95E1D5E63}"/>
+                <a16:creationId xmlns:a16="http://schemas.microsoft.com/office/drawing/2014/main" id="{56586DEB-E6C1-5910-F4CC-F9DE4D88D26A}"/>
               </a:ext>
             </a:extLst>
           </p:cNvPr>
           <p:cNvPicPr>
-            <a:picLocks noChangeAspect="1"/>
+            <a:picLocks noChangeAspect="1" noChangeArrowheads="1"/>
           </p:cNvPicPr>
           <p:nvPr/>
         </p:nvPicPr>
         <p:blipFill>
-          <a:blip r:embed="rId2"/>
+          <a:blip r:embed="rId2" cstate="print">
+            <a:extLst>
+              <a:ext uri="{28A0092B-C50C-407E-A947-70E740481C1C}">
+                <a14:useLocalDpi xmlns:a14="http://schemas.microsoft.com/office/drawing/2010/main" val="0"/>
+              </a:ext>
+            </a:extLst>
+          </a:blip>
+          <a:srcRect/>
           <a:stretch>
             <a:fillRect/>
           </a:stretch>
         </p:blipFill>
-        <p:spPr>
+        <p:spPr bwMode="auto">
           <a:xfrm>
-            <a:off x="163688" y="1073405"/>
-            <a:ext cx="8805334" cy="5661611"/>
+            <a:off x="4092327" y="2648396"/>
+            <a:ext cx="4602094" cy="2723704"/>
           </a:xfrm>
           <a:prstGeom prst="rect">
             <a:avLst/>
           </a:prstGeom>
+          <a:noFill/>
+          <a:extLst>
+            <a:ext uri="{909E8E84-426E-40DD-AFC4-6F175D3DCCD1}">
+              <a14:hiddenFill xmlns:a14="http://schemas.microsoft.com/office/drawing/2010/main">
+                <a:solidFill>
+                  <a:srgbClr val="FFFFFF"/>
+                </a:solidFill>
+              </a14:hiddenFill>
+            </a:ext>
+          </a:extLst>
+        </p:spPr>
+      </p:pic>
+      <p:sp>
+        <p:nvSpPr>
+          <p:cNvPr id="3" name="Slide Number Placeholder 2">
+            <a:extLst>
+              <a:ext uri="{FF2B5EF4-FFF2-40B4-BE49-F238E27FC236}">
+                <a16:creationId xmlns:a16="http://schemas.microsoft.com/office/drawing/2014/main" id="{36EAB865-43B2-3388-0728-B0AEE4F02233}"/>
+              </a:ext>
+            </a:extLst>
+          </p:cNvPr>
+          <p:cNvSpPr>
+            <a:spLocks noGrp="1"/>
+          </p:cNvSpPr>
+          <p:nvPr>
+            <p:ph type="sldNum" sz="quarter" idx="10"/>
+          </p:nvPr>
+        </p:nvSpPr>
+        <p:spPr/>
+        <p:txBody>
+          <a:bodyPr/>
+          <a:lstStyle/>
+          <a:p>
+            <a:fld id="{061D2053-A9F4-4414-A3FB-98959FE1F87A}" type="slidenum">
+              <a:rPr lang="en-US" smtClean="0"/>
+              <a:pPr/>
+              <a:t>5</a:t>
+            </a:fld>
+            <a:endParaRPr lang="en-US" dirty="0"/>
+          </a:p>
+        </p:txBody>
+      </p:sp>
+      <p:pic>
+        <p:nvPicPr>
+          <p:cNvPr id="1028" name="Picture 4" descr="Chemistry set pencils can turn life-saving tests into child's play">
+            <a:extLst>
+              <a:ext uri="{FF2B5EF4-FFF2-40B4-BE49-F238E27FC236}">
+                <a16:creationId xmlns:a16="http://schemas.microsoft.com/office/drawing/2014/main" id="{D01034F9-E0E0-5C08-D8AD-DB9472065223}"/>
+              </a:ext>
+            </a:extLst>
+          </p:cNvPr>
+          <p:cNvPicPr>
+            <a:picLocks noChangeAspect="1" noChangeArrowheads="1"/>
+          </p:cNvPicPr>
+          <p:nvPr/>
+        </p:nvPicPr>
+        <p:blipFill>
+          <a:blip r:embed="rId3" cstate="print">
+            <a:extLst>
+              <a:ext uri="{28A0092B-C50C-407E-A947-70E740481C1C}">
+                <a14:useLocalDpi xmlns:a14="http://schemas.microsoft.com/office/drawing/2010/main" val="0"/>
+              </a:ext>
+            </a:extLst>
+          </a:blip>
+          <a:srcRect/>
+          <a:stretch>
+            <a:fillRect/>
+          </a:stretch>
+        </p:blipFill>
+        <p:spPr bwMode="auto">
+          <a:xfrm>
+            <a:off x="449579" y="2859252"/>
+            <a:ext cx="3588329" cy="2390928"/>
+          </a:xfrm>
+          <a:prstGeom prst="rect">
+            <a:avLst/>
+          </a:prstGeom>
+          <a:noFill/>
+          <a:extLst>
+            <a:ext uri="{909E8E84-426E-40DD-AFC4-6F175D3DCCD1}">
+              <a14:hiddenFill xmlns:a14="http://schemas.microsoft.com/office/drawing/2010/main">
+                <a:solidFill>
+                  <a:srgbClr val="FFFFFF"/>
+                </a:solidFill>
+              </a14:hiddenFill>
+            </a:ext>
+          </a:extLst>
         </p:spPr>
       </p:pic>
     </p:spTree>
@@ -13053,7 +12480,7 @@
 </p:sld>
 </file>
 
-<file path=ppt/slides/slide8.xml><?xml version="1.0" encoding="utf-8"?>
+<file path=ppt/slides/slide6.xml><?xml version="1.0" encoding="utf-8"?>
 <p:sld xmlns:a="http://schemas.openxmlformats.org/drawingml/2006/main" xmlns:r="http://schemas.openxmlformats.org/officeDocument/2006/relationships" xmlns:p="http://schemas.openxmlformats.org/presentationml/2006/main">
   <p:cSld>
     <p:spTree>
@@ -13144,7 +12571,7 @@
                   <a:srgbClr val="00FF00"/>
                 </a:solidFill>
               </a:rPr>
-              <a:t>Cleaning the Crucible</a:t>
+              <a:t>Drawing Lewis Structures First</a:t>
             </a:r>
           </a:p>
           <a:p>
@@ -13153,8 +12580,8 @@
               <a:buAutoNum type="arabicPeriod"/>
             </a:pPr>
             <a:r>
-              <a:rPr lang="en-US" sz="2800" dirty="0"/>
-              <a:t>If crucible dirty, use small steel wool piece to scrape out solids. Wipe with dry paper towel</a:t>
+              <a:rPr lang="en-US" dirty="0"/>
+              <a:t>A table with 10 rows representing 10 different molecules will have the Lewis structure drawn first in the lab report</a:t>
             </a:r>
           </a:p>
           <a:p>
@@ -13163,8 +12590,8 @@
               <a:buAutoNum type="arabicPeriod"/>
             </a:pPr>
             <a:r>
-              <a:rPr lang="en-US" sz="2800" dirty="0"/>
-              <a:t>Put crucible on stand and heat with blue-coned flame until slightly red hot</a:t>
+              <a:rPr lang="en-US" dirty="0"/>
+              <a:t>Using the molecular model kit, use the correct colored ball and connectors to construct what Lewis structure shows</a:t>
             </a:r>
           </a:p>
           <a:p>
@@ -13173,30 +12600,49 @@
               <a:buAutoNum type="arabicPeriod"/>
             </a:pPr>
             <a:r>
-              <a:rPr lang="en-US" sz="2800" dirty="0"/>
-              <a:t>Use tongs to set crucible on wire mesh and let cool to room temperature (~5 minutes)</a:t>
-            </a:r>
-          </a:p>
-          <a:p>
-            <a:pPr marL="0" indent="0">
-              <a:buNone/>
+              <a:rPr lang="en-US" dirty="0"/>
+              <a:t>Use colored pencils to sketch the model and color it in in lab report</a:t>
+            </a:r>
+          </a:p>
+          <a:p>
+            <a:pPr marL="457200" indent="-457200">
+              <a:buFont typeface="+mj-lt"/>
+              <a:buAutoNum type="arabicPeriod"/>
             </a:pPr>
             <a:r>
-              <a:rPr lang="en-US" sz="2800" dirty="0"/>
-              <a:t>DO NOT SET ANY </a:t>
-            </a:r>
-            <a:r>
-              <a:rPr lang="en-US" sz="3200" b="1" dirty="0">
-                <a:solidFill>
-                  <a:srgbClr val="FF0066"/>
-                </a:solidFill>
-              </a:rPr>
-              <a:t>HOT</a:t>
-            </a:r>
-            <a:r>
-              <a:rPr lang="en-US" sz="2800" dirty="0"/>
-              <a:t> CRUCIBLE ON COUNTERTOP OR ON PAPER OR THEY CAN BURN!</a:t>
-            </a:r>
+              <a:rPr lang="en-US" dirty="0"/>
+              <a:t>Count electron groups and indicate the geometry of electron groups and molecule. Use appropriate terms to indicate geometry</a:t>
+            </a:r>
+          </a:p>
+        </p:txBody>
+      </p:sp>
+      <p:sp>
+        <p:nvSpPr>
+          <p:cNvPr id="3" name="Slide Number Placeholder 2">
+            <a:extLst>
+              <a:ext uri="{FF2B5EF4-FFF2-40B4-BE49-F238E27FC236}">
+                <a16:creationId xmlns:a16="http://schemas.microsoft.com/office/drawing/2014/main" id="{79515DB0-26F5-DB42-3093-C567F97A27E2}"/>
+              </a:ext>
+            </a:extLst>
+          </p:cNvPr>
+          <p:cNvSpPr>
+            <a:spLocks noGrp="1"/>
+          </p:cNvSpPr>
+          <p:nvPr>
+            <p:ph type="sldNum" sz="quarter" idx="10"/>
+          </p:nvPr>
+        </p:nvSpPr>
+        <p:spPr/>
+        <p:txBody>
+          <a:bodyPr/>
+          <a:lstStyle/>
+          <a:p>
+            <a:fld id="{061D2053-A9F4-4414-A3FB-98959FE1F87A}" type="slidenum">
+              <a:rPr lang="en-US" smtClean="0"/>
+              <a:pPr/>
+              <a:t>6</a:t>
+            </a:fld>
+            <a:endParaRPr lang="en-US" dirty="0"/>
           </a:p>
         </p:txBody>
       </p:sp>
@@ -13213,7 +12659,7 @@
 </p:sld>
 </file>
 
-<file path=ppt/slides/slide9.xml><?xml version="1.0" encoding="utf-8"?>
+<file path=ppt/slides/slide7.xml><?xml version="1.0" encoding="utf-8"?>
 <p:sld xmlns:a="http://schemas.openxmlformats.org/drawingml/2006/main" xmlns:r="http://schemas.openxmlformats.org/officeDocument/2006/relationships" xmlns:p="http://schemas.openxmlformats.org/presentationml/2006/main">
   <p:cSld>
     <p:spTree>
@@ -13221,7 +12667,7 @@
         <p:cNvPr id="1" name="">
           <a:extLst>
             <a:ext uri="{FF2B5EF4-FFF2-40B4-BE49-F238E27FC236}">
-              <a16:creationId xmlns:a16="http://schemas.microsoft.com/office/drawing/2014/main" id="{4EB46B47-6540-F52F-1F64-854396E70E55}"/>
+              <a16:creationId xmlns:a16="http://schemas.microsoft.com/office/drawing/2014/main" id="{CEF8CE41-318B-5787-CBEA-916EC1A8C3E3}"/>
             </a:ext>
           </a:extLst>
         </p:cNvPr>
@@ -13241,7 +12687,7 @@
           <p:cNvPr id="2" name="Title 1">
             <a:extLst>
               <a:ext uri="{FF2B5EF4-FFF2-40B4-BE49-F238E27FC236}">
-                <a16:creationId xmlns:a16="http://schemas.microsoft.com/office/drawing/2014/main" id="{F6F2263F-7C9A-1678-6FE0-453CEF2400AF}"/>
+                <a16:creationId xmlns:a16="http://schemas.microsoft.com/office/drawing/2014/main" id="{449C2ACA-6A5F-3356-7491-3DD5299D2609}"/>
               </a:ext>
             </a:extLst>
           </p:cNvPr>
@@ -13274,7 +12720,7 @@
           <p:cNvPr id="6" name="Content Placeholder 5">
             <a:extLst>
               <a:ext uri="{FF2B5EF4-FFF2-40B4-BE49-F238E27FC236}">
-                <a16:creationId xmlns:a16="http://schemas.microsoft.com/office/drawing/2014/main" id="{003BDB66-1E78-B72D-677D-D6B5050E2008}"/>
+                <a16:creationId xmlns:a16="http://schemas.microsoft.com/office/drawing/2014/main" id="{8ADF09CA-0628-EE93-CEB9-64B98944DD08}"/>
               </a:ext>
             </a:extLst>
           </p:cNvPr>
@@ -13304,7 +12750,7 @@
                   <a:srgbClr val="00FF00"/>
                 </a:solidFill>
               </a:rPr>
-              <a:t>Before Reaction</a:t>
+              <a:t>Constructing Molecular Models First</a:t>
             </a:r>
           </a:p>
           <a:p>
@@ -13314,22 +12760,7 @@
             </a:pPr>
             <a:r>
               <a:rPr lang="en-US" dirty="0"/>
-              <a:t>Determine mass of empty </a:t>
-            </a:r>
-            <a:r>
-              <a:rPr lang="en-US" dirty="0">
-                <a:solidFill>
-                  <a:schemeClr val="accent1">
-                    <a:lumMod val="60000"/>
-                    <a:lumOff val="40000"/>
-                  </a:schemeClr>
-                </a:solidFill>
-              </a:rPr>
-              <a:t>crucible</a:t>
-            </a:r>
-            <a:r>
-              <a:rPr lang="en-US" dirty="0"/>
-              <a:t> (A)</a:t>
+              <a:t>A table with 8 rows representing 8 different molecules requires the construction of molecules using modeling kit</a:t>
             </a:r>
           </a:p>
           <a:p>
@@ -13339,46 +12770,7 @@
             </a:pPr>
             <a:r>
               <a:rPr lang="en-US" dirty="0"/>
-              <a:t>Get </a:t>
-            </a:r>
-            <a:r>
-              <a:rPr lang="en-US" dirty="0">
-                <a:solidFill>
-                  <a:srgbClr val="FF9933"/>
-                </a:solidFill>
-              </a:rPr>
-              <a:t>copper wire</a:t>
-            </a:r>
-            <a:r>
-              <a:rPr lang="en-US" dirty="0"/>
-              <a:t>, </a:t>
-            </a:r>
-            <a:r>
-              <a:rPr lang="en-US" dirty="0">
-                <a:solidFill>
-                  <a:srgbClr val="FFFF00"/>
-                </a:solidFill>
-              </a:rPr>
-              <a:t>coil</a:t>
-            </a:r>
-            <a:r>
-              <a:rPr lang="en-US" dirty="0"/>
-              <a:t> it to fit in </a:t>
-            </a:r>
-            <a:r>
-              <a:rPr lang="en-US" dirty="0">
-                <a:solidFill>
-                  <a:schemeClr val="accent1">
-                    <a:lumMod val="60000"/>
-                    <a:lumOff val="40000"/>
-                  </a:schemeClr>
-                </a:solidFill>
-              </a:rPr>
-              <a:t>crucible</a:t>
-            </a:r>
-            <a:r>
-              <a:rPr lang="en-US" dirty="0"/>
-              <a:t>. Record the physical properties, and then the mass of the wire in crucible (B)</a:t>
+              <a:t>Complete the lab report with a sketch of molecule from kit components, indicate valence electrons, draw Lewis dot structure</a:t>
             </a:r>
           </a:p>
           <a:p>
@@ -13388,77 +12780,374 @@
             </a:pPr>
             <a:r>
               <a:rPr lang="en-US" dirty="0"/>
-              <a:t>On </a:t>
-            </a:r>
-            <a:r>
-              <a:rPr lang="en-US" dirty="0">
-                <a:solidFill>
-                  <a:schemeClr val="accent1">
-                    <a:lumMod val="60000"/>
-                    <a:lumOff val="40000"/>
-                  </a:schemeClr>
-                </a:solidFill>
-              </a:rPr>
-              <a:t>glassine paper</a:t>
-            </a:r>
-            <a:r>
-              <a:rPr lang="en-US" dirty="0"/>
-              <a:t>, use </a:t>
-            </a:r>
-            <a:r>
-              <a:rPr lang="en-US" dirty="0">
-                <a:solidFill>
-                  <a:schemeClr val="accent1">
-                    <a:lumMod val="60000"/>
-                    <a:lumOff val="40000"/>
-                  </a:schemeClr>
-                </a:solidFill>
-              </a:rPr>
-              <a:t>scoopula</a:t>
-            </a:r>
-            <a:r>
-              <a:rPr lang="en-US" dirty="0"/>
-              <a:t> to get 2-4 g </a:t>
-            </a:r>
-            <a:r>
-              <a:rPr lang="en-US" dirty="0">
-                <a:solidFill>
-                  <a:srgbClr val="FF9933"/>
-                </a:solidFill>
-              </a:rPr>
-              <a:t>sulfur</a:t>
-            </a:r>
-            <a:r>
-              <a:rPr lang="en-US" dirty="0"/>
-              <a:t>. Add to the crucible to cover the coiled wire. Record total mass in crucible (C)</a:t>
-            </a:r>
-          </a:p>
-          <a:p>
-            <a:pPr marL="0" indent="0">
-              <a:buNone/>
-            </a:pPr>
+              <a:t>Indicate number of electron groups, the geometry of electron groups, and geometry of molecule</a:t>
+            </a:r>
+          </a:p>
+        </p:txBody>
+      </p:sp>
+      <p:sp>
+        <p:nvSpPr>
+          <p:cNvPr id="3" name="Slide Number Placeholder 2">
+            <a:extLst>
+              <a:ext uri="{FF2B5EF4-FFF2-40B4-BE49-F238E27FC236}">
+                <a16:creationId xmlns:a16="http://schemas.microsoft.com/office/drawing/2014/main" id="{467B8F85-4768-0264-9585-C36B9A425F2E}"/>
+              </a:ext>
+            </a:extLst>
+          </p:cNvPr>
+          <p:cNvSpPr>
+            <a:spLocks noGrp="1"/>
+          </p:cNvSpPr>
+          <p:nvPr>
+            <p:ph type="sldNum" sz="quarter" idx="10"/>
+          </p:nvPr>
+        </p:nvSpPr>
+        <p:spPr/>
+        <p:txBody>
+          <a:bodyPr/>
+          <a:lstStyle/>
+          <a:p>
+            <a:fld id="{061D2053-A9F4-4414-A3FB-98959FE1F87A}" type="slidenum">
+              <a:rPr lang="en-US" smtClean="0"/>
+              <a:pPr/>
+              <a:t>7</a:t>
+            </a:fld>
             <a:endParaRPr lang="en-US" dirty="0"/>
-          </a:p>
-          <a:p>
-            <a:pPr marL="457200" indent="-457200">
-              <a:buFont typeface="+mj-lt"/>
-              <a:buAutoNum type="arabicPeriod"/>
-            </a:pPr>
-            <a:endParaRPr lang="en-US" dirty="0"/>
-          </a:p>
-          <a:p>
-            <a:pPr marL="457200" indent="-457200">
-              <a:buFont typeface="+mj-lt"/>
-              <a:buAutoNum type="arabicPeriod"/>
-            </a:pPr>
-            <a:endParaRPr lang="en-US" sz="2800" dirty="0"/>
           </a:p>
         </p:txBody>
       </p:sp>
     </p:spTree>
     <p:extLst>
       <p:ext uri="{BB962C8B-B14F-4D97-AF65-F5344CB8AC3E}">
-        <p14:creationId xmlns:p14="http://schemas.microsoft.com/office/powerpoint/2010/main" val="3789276793"/>
+        <p14:creationId xmlns:p14="http://schemas.microsoft.com/office/powerpoint/2010/main" val="3248587428"/>
+      </p:ext>
+    </p:extLst>
+  </p:cSld>
+  <p:clrMapOvr>
+    <a:masterClrMapping/>
+  </p:clrMapOvr>
+</p:sld>
+</file>
+
+<file path=ppt/slides/slide8.xml><?xml version="1.0" encoding="utf-8"?>
+<p:sld xmlns:a="http://schemas.openxmlformats.org/drawingml/2006/main" xmlns:r="http://schemas.openxmlformats.org/officeDocument/2006/relationships" xmlns:p="http://schemas.openxmlformats.org/presentationml/2006/main">
+  <p:cSld>
+    <p:spTree>
+      <p:nvGrpSpPr>
+        <p:cNvPr id="1" name="">
+          <a:extLst>
+            <a:ext uri="{FF2B5EF4-FFF2-40B4-BE49-F238E27FC236}">
+              <a16:creationId xmlns:a16="http://schemas.microsoft.com/office/drawing/2014/main" id="{8027E85B-DA5F-83B2-B9C0-435AFE9EB1DB}"/>
+            </a:ext>
+          </a:extLst>
+        </p:cNvPr>
+        <p:cNvGrpSpPr/>
+        <p:nvPr/>
+      </p:nvGrpSpPr>
+      <p:grpSpPr>
+        <a:xfrm>
+          <a:off x="0" y="0"/>
+          <a:ext cx="0" cy="0"/>
+          <a:chOff x="0" y="0"/>
+          <a:chExt cx="0" cy="0"/>
+        </a:xfrm>
+      </p:grpSpPr>
+      <p:sp>
+        <p:nvSpPr>
+          <p:cNvPr id="2" name="Title 1">
+            <a:extLst>
+              <a:ext uri="{FF2B5EF4-FFF2-40B4-BE49-F238E27FC236}">
+                <a16:creationId xmlns:a16="http://schemas.microsoft.com/office/drawing/2014/main" id="{6AE0ED9F-B6F5-8F29-4138-2CED9A461C7B}"/>
+              </a:ext>
+            </a:extLst>
+          </p:cNvPr>
+          <p:cNvSpPr>
+            <a:spLocks noGrp="1"/>
+          </p:cNvSpPr>
+          <p:nvPr>
+            <p:ph type="title"/>
+          </p:nvPr>
+        </p:nvSpPr>
+        <p:spPr>
+          <a:xfrm>
+            <a:off x="338666" y="183025"/>
+            <a:ext cx="8421512" cy="769441"/>
+          </a:xfrm>
+        </p:spPr>
+        <p:txBody>
+          <a:bodyPr/>
+          <a:lstStyle/>
+          <a:p>
+            <a:r>
+              <a:rPr lang="en-US" sz="4400" dirty="0"/>
+              <a:t>Procedure</a:t>
+            </a:r>
+          </a:p>
+        </p:txBody>
+      </p:sp>
+      <p:sp>
+        <p:nvSpPr>
+          <p:cNvPr id="6" name="Content Placeholder 5">
+            <a:extLst>
+              <a:ext uri="{FF2B5EF4-FFF2-40B4-BE49-F238E27FC236}">
+                <a16:creationId xmlns:a16="http://schemas.microsoft.com/office/drawing/2014/main" id="{989BDC5A-409C-D4AE-F7F7-4F8E8D062342}"/>
+              </a:ext>
+            </a:extLst>
+          </p:cNvPr>
+          <p:cNvSpPr>
+            <a:spLocks noGrp="1"/>
+          </p:cNvSpPr>
+          <p:nvPr>
+            <p:ph idx="1"/>
+          </p:nvPr>
+        </p:nvSpPr>
+        <p:spPr>
+          <a:xfrm>
+            <a:off x="372533" y="952466"/>
+            <a:ext cx="8387645" cy="5595089"/>
+          </a:xfrm>
+        </p:spPr>
+        <p:txBody>
+          <a:bodyPr/>
+          <a:lstStyle/>
+          <a:p>
+            <a:pPr marL="0" indent="0">
+              <a:buNone/>
+            </a:pPr>
+            <a:r>
+              <a:rPr lang="en-US" sz="2800" i="1" dirty="0">
+                <a:solidFill>
+                  <a:srgbClr val="00FF00"/>
+                </a:solidFill>
+              </a:rPr>
+              <a:t>Unknown Molecules </a:t>
+            </a:r>
+          </a:p>
+          <a:p>
+            <a:pPr marL="457200" indent="-457200">
+              <a:buFont typeface="+mj-lt"/>
+              <a:buAutoNum type="arabicPeriod"/>
+            </a:pPr>
+            <a:r>
+              <a:rPr lang="en-US" dirty="0"/>
+              <a:t>Models of five molecules will be presented</a:t>
+            </a:r>
+          </a:p>
+          <a:p>
+            <a:pPr marL="457200" indent="-457200">
+              <a:buFont typeface="+mj-lt"/>
+              <a:buAutoNum type="arabicPeriod"/>
+            </a:pPr>
+            <a:r>
+              <a:rPr lang="en-US" dirty="0"/>
+              <a:t>For each, there are entries to be made in the lab report as follows:</a:t>
+            </a:r>
+          </a:p>
+          <a:p>
+            <a:pPr marL="693738" lvl="1" indent="-457200">
+              <a:buFont typeface="+mj-lt"/>
+              <a:buAutoNum type="alphaLcPeriod"/>
+            </a:pPr>
+            <a:r>
+              <a:rPr lang="en-US" sz="2400" dirty="0"/>
+              <a:t>Sketch the model with colored pencils</a:t>
+            </a:r>
+          </a:p>
+          <a:p>
+            <a:pPr marL="693738" lvl="1" indent="-457200">
+              <a:buFont typeface="+mj-lt"/>
+              <a:buAutoNum type="alphaLcPeriod"/>
+            </a:pPr>
+            <a:r>
+              <a:rPr lang="en-US" sz="2400" dirty="0"/>
+              <a:t>Determine valence electrons</a:t>
+            </a:r>
+          </a:p>
+          <a:p>
+            <a:pPr marL="693738" lvl="1" indent="-457200">
+              <a:buFont typeface="+mj-lt"/>
+              <a:buAutoNum type="alphaLcPeriod"/>
+            </a:pPr>
+            <a:r>
+              <a:rPr lang="en-US" sz="2400" dirty="0"/>
+              <a:t>Draw the Lewis structure</a:t>
+            </a:r>
+          </a:p>
+          <a:p>
+            <a:pPr marL="693738" lvl="1" indent="-457200">
+              <a:buFont typeface="+mj-lt"/>
+              <a:buAutoNum type="alphaLcPeriod"/>
+            </a:pPr>
+            <a:r>
+              <a:rPr lang="en-US" sz="2400" dirty="0"/>
+              <a:t>Enter the chemical formula in the 1</a:t>
+            </a:r>
+            <a:r>
+              <a:rPr lang="en-US" sz="2400" baseline="30000" dirty="0"/>
+              <a:t>st</a:t>
+            </a:r>
+            <a:r>
+              <a:rPr lang="en-US" sz="2400" dirty="0"/>
+              <a:t> column</a:t>
+            </a:r>
+          </a:p>
+        </p:txBody>
+      </p:sp>
+      <p:sp>
+        <p:nvSpPr>
+          <p:cNvPr id="3" name="Slide Number Placeholder 2">
+            <a:extLst>
+              <a:ext uri="{FF2B5EF4-FFF2-40B4-BE49-F238E27FC236}">
+                <a16:creationId xmlns:a16="http://schemas.microsoft.com/office/drawing/2014/main" id="{4D56A869-3E30-8FA5-7A00-865E4C0D56AE}"/>
+              </a:ext>
+            </a:extLst>
+          </p:cNvPr>
+          <p:cNvSpPr>
+            <a:spLocks noGrp="1"/>
+          </p:cNvSpPr>
+          <p:nvPr>
+            <p:ph type="sldNum" sz="quarter" idx="10"/>
+          </p:nvPr>
+        </p:nvSpPr>
+        <p:spPr/>
+        <p:txBody>
+          <a:bodyPr/>
+          <a:lstStyle/>
+          <a:p>
+            <a:fld id="{061D2053-A9F4-4414-A3FB-98959FE1F87A}" type="slidenum">
+              <a:rPr lang="en-US" smtClean="0"/>
+              <a:pPr/>
+              <a:t>8</a:t>
+            </a:fld>
+            <a:endParaRPr lang="en-US" dirty="0"/>
+          </a:p>
+        </p:txBody>
+      </p:sp>
+    </p:spTree>
+    <p:extLst>
+      <p:ext uri="{BB962C8B-B14F-4D97-AF65-F5344CB8AC3E}">
+        <p14:creationId xmlns:p14="http://schemas.microsoft.com/office/powerpoint/2010/main" val="727962886"/>
+      </p:ext>
+    </p:extLst>
+  </p:cSld>
+  <p:clrMapOvr>
+    <a:masterClrMapping/>
+  </p:clrMapOvr>
+</p:sld>
+</file>
+
+<file path=ppt/slides/slide9.xml><?xml version="1.0" encoding="utf-8"?>
+<p:sld xmlns:a="http://schemas.openxmlformats.org/drawingml/2006/main" xmlns:r="http://schemas.openxmlformats.org/officeDocument/2006/relationships" xmlns:p="http://schemas.openxmlformats.org/presentationml/2006/main">
+  <p:cSld>
+    <p:spTree>
+      <p:nvGrpSpPr>
+        <p:cNvPr id="1" name=""/>
+        <p:cNvGrpSpPr/>
+        <p:nvPr/>
+      </p:nvGrpSpPr>
+      <p:grpSpPr>
+        <a:xfrm>
+          <a:off x="0" y="0"/>
+          <a:ext cx="0" cy="0"/>
+          <a:chOff x="0" y="0"/>
+          <a:chExt cx="0" cy="0"/>
+        </a:xfrm>
+      </p:grpSpPr>
+      <p:sp>
+        <p:nvSpPr>
+          <p:cNvPr id="2" name="Title 1">
+            <a:extLst>
+              <a:ext uri="{FF2B5EF4-FFF2-40B4-BE49-F238E27FC236}">
+                <a16:creationId xmlns:a16="http://schemas.microsoft.com/office/drawing/2014/main" id="{4E7C79B0-B384-1533-BACA-0EA95D4089F9}"/>
+              </a:ext>
+            </a:extLst>
+          </p:cNvPr>
+          <p:cNvSpPr>
+            <a:spLocks noGrp="1"/>
+          </p:cNvSpPr>
+          <p:nvPr>
+            <p:ph type="title"/>
+          </p:nvPr>
+        </p:nvSpPr>
+        <p:spPr/>
+        <p:txBody>
+          <a:bodyPr/>
+          <a:lstStyle/>
+          <a:p>
+            <a:r>
+              <a:rPr lang="en-US" dirty="0"/>
+              <a:t>Clean Up</a:t>
+            </a:r>
+          </a:p>
+        </p:txBody>
+      </p:sp>
+      <p:sp>
+        <p:nvSpPr>
+          <p:cNvPr id="3" name="Content Placeholder 2">
+            <a:extLst>
+              <a:ext uri="{FF2B5EF4-FFF2-40B4-BE49-F238E27FC236}">
+                <a16:creationId xmlns:a16="http://schemas.microsoft.com/office/drawing/2014/main" id="{F122473B-F6C9-7A59-3DAB-7CBF32F68EB5}"/>
+              </a:ext>
+            </a:extLst>
+          </p:cNvPr>
+          <p:cNvSpPr>
+            <a:spLocks noGrp="1"/>
+          </p:cNvSpPr>
+          <p:nvPr>
+            <p:ph idx="1"/>
+          </p:nvPr>
+        </p:nvSpPr>
+        <p:spPr/>
+        <p:txBody>
+          <a:bodyPr/>
+          <a:lstStyle/>
+          <a:p>
+            <a:r>
+              <a:rPr lang="en-US" dirty="0"/>
+              <a:t>Return parts to modeling kits</a:t>
+            </a:r>
+          </a:p>
+          <a:p>
+            <a:r>
+              <a:rPr lang="en-US" dirty="0"/>
+              <a:t>Organize colored pencils back in storage containers</a:t>
+            </a:r>
+          </a:p>
+        </p:txBody>
+      </p:sp>
+      <p:sp>
+        <p:nvSpPr>
+          <p:cNvPr id="4" name="Slide Number Placeholder 3">
+            <a:extLst>
+              <a:ext uri="{FF2B5EF4-FFF2-40B4-BE49-F238E27FC236}">
+                <a16:creationId xmlns:a16="http://schemas.microsoft.com/office/drawing/2014/main" id="{7A7B13AE-8953-3B88-D10E-95186ADD63F1}"/>
+              </a:ext>
+            </a:extLst>
+          </p:cNvPr>
+          <p:cNvSpPr>
+            <a:spLocks noGrp="1"/>
+          </p:cNvSpPr>
+          <p:nvPr>
+            <p:ph type="sldNum" sz="quarter" idx="10"/>
+          </p:nvPr>
+        </p:nvSpPr>
+        <p:spPr/>
+        <p:txBody>
+          <a:bodyPr/>
+          <a:lstStyle/>
+          <a:p>
+            <a:fld id="{061D2053-A9F4-4414-A3FB-98959FE1F87A}" type="slidenum">
+              <a:rPr lang="en-US" smtClean="0"/>
+              <a:pPr/>
+              <a:t>9</a:t>
+            </a:fld>
+            <a:endParaRPr lang="en-US" dirty="0"/>
+          </a:p>
+        </p:txBody>
+      </p:sp>
+    </p:spTree>
+    <p:extLst>
+      <p:ext uri="{BB962C8B-B14F-4D97-AF65-F5344CB8AC3E}">
+        <p14:creationId xmlns:p14="http://schemas.microsoft.com/office/powerpoint/2010/main" val="3469914632"/>
       </p:ext>
     </p:extLst>
   </p:cSld>

--- a/Teaching/Chemistry/Labs/FCC Chem 3A Expt 6a Molecular Modeling.pptx
+++ b/Teaching/Chemistry/Labs/FCC Chem 3A Expt 6a Molecular Modeling.pptx
@@ -5,7 +5,7 @@
     <p:sldMasterId id="2147483803" r:id="rId1"/>
   </p:sldMasterIdLst>
   <p:notesMasterIdLst>
-    <p:notesMasterId r:id="rId11"/>
+    <p:notesMasterId r:id="rId19"/>
   </p:notesMasterIdLst>
   <p:sldIdLst>
     <p:sldId id="608" r:id="rId2"/>
@@ -17,6 +17,14 @@
     <p:sldId id="882" r:id="rId8"/>
     <p:sldId id="883" r:id="rId9"/>
     <p:sldId id="612" r:id="rId10"/>
+    <p:sldId id="884" r:id="rId11"/>
+    <p:sldId id="885" r:id="rId12"/>
+    <p:sldId id="886" r:id="rId13"/>
+    <p:sldId id="891" r:id="rId14"/>
+    <p:sldId id="887" r:id="rId15"/>
+    <p:sldId id="888" r:id="rId16"/>
+    <p:sldId id="889" r:id="rId17"/>
+    <p:sldId id="890" r:id="rId18"/>
   </p:sldIdLst>
   <p:sldSz cx="9144000" cy="6858000" type="screen4x3"/>
   <p:notesSz cx="7315200" cy="9601200"/>
@@ -10553,6 +10561,814 @@
         </p:txBody>
       </p:sp>
     </p:spTree>
+  </p:cSld>
+  <p:clrMapOvr>
+    <a:masterClrMapping/>
+  </p:clrMapOvr>
+</p:sld>
+</file>
+
+<file path=ppt/slides/slide10.xml><?xml version="1.0" encoding="utf-8"?>
+<p:sld xmlns:a="http://schemas.openxmlformats.org/drawingml/2006/main" xmlns:r="http://schemas.openxmlformats.org/officeDocument/2006/relationships" xmlns:p="http://schemas.openxmlformats.org/presentationml/2006/main">
+  <p:cSld>
+    <p:spTree>
+      <p:nvGrpSpPr>
+        <p:cNvPr id="1" name="">
+          <a:extLst>
+            <a:ext uri="{FF2B5EF4-FFF2-40B4-BE49-F238E27FC236}">
+              <a16:creationId xmlns:a16="http://schemas.microsoft.com/office/drawing/2014/main" id="{2DAF82DB-0CB8-8B3F-17D8-79BDAD0BD799}"/>
+            </a:ext>
+          </a:extLst>
+        </p:cNvPr>
+        <p:cNvGrpSpPr/>
+        <p:nvPr/>
+      </p:nvGrpSpPr>
+      <p:grpSpPr>
+        <a:xfrm>
+          <a:off x="0" y="0"/>
+          <a:ext cx="0" cy="0"/>
+          <a:chOff x="0" y="0"/>
+          <a:chExt cx="0" cy="0"/>
+        </a:xfrm>
+      </p:grpSpPr>
+      <p:sp>
+        <p:nvSpPr>
+          <p:cNvPr id="4" name="Slide Number Placeholder 3">
+            <a:extLst>
+              <a:ext uri="{FF2B5EF4-FFF2-40B4-BE49-F238E27FC236}">
+                <a16:creationId xmlns:a16="http://schemas.microsoft.com/office/drawing/2014/main" id="{7FB5BC04-7981-FD75-DE7C-78BE86426C31}"/>
+              </a:ext>
+            </a:extLst>
+          </p:cNvPr>
+          <p:cNvSpPr>
+            <a:spLocks noGrp="1"/>
+          </p:cNvSpPr>
+          <p:nvPr>
+            <p:ph type="sldNum" sz="quarter" idx="4294967295"/>
+          </p:nvPr>
+        </p:nvSpPr>
+        <p:spPr>
+          <a:xfrm>
+            <a:off x="7086600" y="6364288"/>
+            <a:ext cx="2057400" cy="365125"/>
+          </a:xfrm>
+        </p:spPr>
+        <p:txBody>
+          <a:bodyPr/>
+          <a:lstStyle/>
+          <a:p>
+            <a:fld id="{061D2053-A9F4-4414-A3FB-98959FE1F87A}" type="slidenum">
+              <a:rPr lang="en-US" smtClean="0"/>
+              <a:pPr/>
+              <a:t>10</a:t>
+            </a:fld>
+            <a:endParaRPr lang="en-US" dirty="0"/>
+          </a:p>
+        </p:txBody>
+      </p:sp>
+      <p:pic>
+        <p:nvPicPr>
+          <p:cNvPr id="12" name="Picture 11">
+            <a:extLst>
+              <a:ext uri="{FF2B5EF4-FFF2-40B4-BE49-F238E27FC236}">
+                <a16:creationId xmlns:a16="http://schemas.microsoft.com/office/drawing/2014/main" id="{392D0970-FE0C-FEDB-C84C-A21184EE7AA5}"/>
+              </a:ext>
+            </a:extLst>
+          </p:cNvPr>
+          <p:cNvPicPr>
+            <a:picLocks noChangeAspect="1"/>
+          </p:cNvPicPr>
+          <p:nvPr/>
+        </p:nvPicPr>
+        <p:blipFill>
+          <a:blip r:embed="rId2"/>
+          <a:stretch>
+            <a:fillRect/>
+          </a:stretch>
+        </p:blipFill>
+        <p:spPr>
+          <a:xfrm>
+            <a:off x="1175853" y="0"/>
+            <a:ext cx="6792294" cy="6858000"/>
+          </a:xfrm>
+          <a:prstGeom prst="rect">
+            <a:avLst/>
+          </a:prstGeom>
+        </p:spPr>
+      </p:pic>
+    </p:spTree>
+    <p:extLst>
+      <p:ext uri="{BB962C8B-B14F-4D97-AF65-F5344CB8AC3E}">
+        <p14:creationId xmlns:p14="http://schemas.microsoft.com/office/powerpoint/2010/main" val="1247040041"/>
+      </p:ext>
+    </p:extLst>
+  </p:cSld>
+  <p:clrMapOvr>
+    <a:masterClrMapping/>
+  </p:clrMapOvr>
+</p:sld>
+</file>
+
+<file path=ppt/slides/slide11.xml><?xml version="1.0" encoding="utf-8"?>
+<p:sld xmlns:a="http://schemas.openxmlformats.org/drawingml/2006/main" xmlns:r="http://schemas.openxmlformats.org/officeDocument/2006/relationships" xmlns:p="http://schemas.openxmlformats.org/presentationml/2006/main">
+  <p:cSld>
+    <p:spTree>
+      <p:nvGrpSpPr>
+        <p:cNvPr id="1" name="">
+          <a:extLst>
+            <a:ext uri="{FF2B5EF4-FFF2-40B4-BE49-F238E27FC236}">
+              <a16:creationId xmlns:a16="http://schemas.microsoft.com/office/drawing/2014/main" id="{07F2B9DD-CCA3-A059-ACAF-C6DE3855049E}"/>
+            </a:ext>
+          </a:extLst>
+        </p:cNvPr>
+        <p:cNvGrpSpPr/>
+        <p:nvPr/>
+      </p:nvGrpSpPr>
+      <p:grpSpPr>
+        <a:xfrm>
+          <a:off x="0" y="0"/>
+          <a:ext cx="0" cy="0"/>
+          <a:chOff x="0" y="0"/>
+          <a:chExt cx="0" cy="0"/>
+        </a:xfrm>
+      </p:grpSpPr>
+      <p:sp>
+        <p:nvSpPr>
+          <p:cNvPr id="4" name="Slide Number Placeholder 3">
+            <a:extLst>
+              <a:ext uri="{FF2B5EF4-FFF2-40B4-BE49-F238E27FC236}">
+                <a16:creationId xmlns:a16="http://schemas.microsoft.com/office/drawing/2014/main" id="{DD0C0275-78FB-8843-43A0-827E8CFD927B}"/>
+              </a:ext>
+            </a:extLst>
+          </p:cNvPr>
+          <p:cNvSpPr>
+            <a:spLocks noGrp="1"/>
+          </p:cNvSpPr>
+          <p:nvPr>
+            <p:ph type="sldNum" sz="quarter" idx="4294967295"/>
+          </p:nvPr>
+        </p:nvSpPr>
+        <p:spPr>
+          <a:xfrm>
+            <a:off x="7086600" y="6364288"/>
+            <a:ext cx="2057400" cy="365125"/>
+          </a:xfrm>
+        </p:spPr>
+        <p:txBody>
+          <a:bodyPr/>
+          <a:lstStyle/>
+          <a:p>
+            <a:fld id="{061D2053-A9F4-4414-A3FB-98959FE1F87A}" type="slidenum">
+              <a:rPr lang="en-US" smtClean="0"/>
+              <a:pPr/>
+              <a:t>11</a:t>
+            </a:fld>
+            <a:endParaRPr lang="en-US" dirty="0"/>
+          </a:p>
+        </p:txBody>
+      </p:sp>
+      <p:pic>
+        <p:nvPicPr>
+          <p:cNvPr id="3" name="Picture 2">
+            <a:extLst>
+              <a:ext uri="{FF2B5EF4-FFF2-40B4-BE49-F238E27FC236}">
+                <a16:creationId xmlns:a16="http://schemas.microsoft.com/office/drawing/2014/main" id="{EC5ED4D9-E560-ED90-C619-088AB04AC99A}"/>
+              </a:ext>
+            </a:extLst>
+          </p:cNvPr>
+          <p:cNvPicPr>
+            <a:picLocks noChangeAspect="1"/>
+          </p:cNvPicPr>
+          <p:nvPr/>
+        </p:nvPicPr>
+        <p:blipFill>
+          <a:blip r:embed="rId2"/>
+          <a:stretch>
+            <a:fillRect/>
+          </a:stretch>
+        </p:blipFill>
+        <p:spPr>
+          <a:xfrm>
+            <a:off x="1241252" y="0"/>
+            <a:ext cx="6661496" cy="6858000"/>
+          </a:xfrm>
+          <a:prstGeom prst="rect">
+            <a:avLst/>
+          </a:prstGeom>
+        </p:spPr>
+      </p:pic>
+    </p:spTree>
+    <p:extLst>
+      <p:ext uri="{BB962C8B-B14F-4D97-AF65-F5344CB8AC3E}">
+        <p14:creationId xmlns:p14="http://schemas.microsoft.com/office/powerpoint/2010/main" val="3007646019"/>
+      </p:ext>
+    </p:extLst>
+  </p:cSld>
+  <p:clrMapOvr>
+    <a:masterClrMapping/>
+  </p:clrMapOvr>
+</p:sld>
+</file>
+
+<file path=ppt/slides/slide12.xml><?xml version="1.0" encoding="utf-8"?>
+<p:sld xmlns:a="http://schemas.openxmlformats.org/drawingml/2006/main" xmlns:r="http://schemas.openxmlformats.org/officeDocument/2006/relationships" xmlns:p="http://schemas.openxmlformats.org/presentationml/2006/main">
+  <p:cSld>
+    <p:spTree>
+      <p:nvGrpSpPr>
+        <p:cNvPr id="1" name="">
+          <a:extLst>
+            <a:ext uri="{FF2B5EF4-FFF2-40B4-BE49-F238E27FC236}">
+              <a16:creationId xmlns:a16="http://schemas.microsoft.com/office/drawing/2014/main" id="{E93E4218-1ECC-6A6E-EA1B-8F1B5E445C79}"/>
+            </a:ext>
+          </a:extLst>
+        </p:cNvPr>
+        <p:cNvGrpSpPr/>
+        <p:nvPr/>
+      </p:nvGrpSpPr>
+      <p:grpSpPr>
+        <a:xfrm>
+          <a:off x="0" y="0"/>
+          <a:ext cx="0" cy="0"/>
+          <a:chOff x="0" y="0"/>
+          <a:chExt cx="0" cy="0"/>
+        </a:xfrm>
+      </p:grpSpPr>
+      <p:sp>
+        <p:nvSpPr>
+          <p:cNvPr id="4" name="Slide Number Placeholder 3">
+            <a:extLst>
+              <a:ext uri="{FF2B5EF4-FFF2-40B4-BE49-F238E27FC236}">
+                <a16:creationId xmlns:a16="http://schemas.microsoft.com/office/drawing/2014/main" id="{91C085D1-F915-BD53-15BE-636DEF9406A7}"/>
+              </a:ext>
+            </a:extLst>
+          </p:cNvPr>
+          <p:cNvSpPr>
+            <a:spLocks noGrp="1"/>
+          </p:cNvSpPr>
+          <p:nvPr>
+            <p:ph type="sldNum" sz="quarter" idx="4294967295"/>
+          </p:nvPr>
+        </p:nvSpPr>
+        <p:spPr>
+          <a:xfrm>
+            <a:off x="7086600" y="6364288"/>
+            <a:ext cx="2057400" cy="365125"/>
+          </a:xfrm>
+        </p:spPr>
+        <p:txBody>
+          <a:bodyPr/>
+          <a:lstStyle/>
+          <a:p>
+            <a:fld id="{061D2053-A9F4-4414-A3FB-98959FE1F87A}" type="slidenum">
+              <a:rPr lang="en-US" smtClean="0"/>
+              <a:pPr/>
+              <a:t>12</a:t>
+            </a:fld>
+            <a:endParaRPr lang="en-US" dirty="0"/>
+          </a:p>
+        </p:txBody>
+      </p:sp>
+      <p:pic>
+        <p:nvPicPr>
+          <p:cNvPr id="7" name="Picture 6">
+            <a:extLst>
+              <a:ext uri="{FF2B5EF4-FFF2-40B4-BE49-F238E27FC236}">
+                <a16:creationId xmlns:a16="http://schemas.microsoft.com/office/drawing/2014/main" id="{73B1EA3B-1CB9-F651-F9CA-C65BB0DB2AC8}"/>
+              </a:ext>
+            </a:extLst>
+          </p:cNvPr>
+          <p:cNvPicPr>
+            <a:picLocks noChangeAspect="1"/>
+          </p:cNvPicPr>
+          <p:nvPr/>
+        </p:nvPicPr>
+        <p:blipFill>
+          <a:blip r:embed="rId2"/>
+          <a:stretch>
+            <a:fillRect/>
+          </a:stretch>
+        </p:blipFill>
+        <p:spPr>
+          <a:xfrm>
+            <a:off x="1478643" y="0"/>
+            <a:ext cx="6186714" cy="6858000"/>
+          </a:xfrm>
+          <a:prstGeom prst="rect">
+            <a:avLst/>
+          </a:prstGeom>
+        </p:spPr>
+      </p:pic>
+    </p:spTree>
+    <p:extLst>
+      <p:ext uri="{BB962C8B-B14F-4D97-AF65-F5344CB8AC3E}">
+        <p14:creationId xmlns:p14="http://schemas.microsoft.com/office/powerpoint/2010/main" val="1439837138"/>
+      </p:ext>
+    </p:extLst>
+  </p:cSld>
+  <p:clrMapOvr>
+    <a:masterClrMapping/>
+  </p:clrMapOvr>
+</p:sld>
+</file>
+
+<file path=ppt/slides/slide13.xml><?xml version="1.0" encoding="utf-8"?>
+<p:sld xmlns:a="http://schemas.openxmlformats.org/drawingml/2006/main" xmlns:r="http://schemas.openxmlformats.org/officeDocument/2006/relationships" xmlns:p="http://schemas.openxmlformats.org/presentationml/2006/main">
+  <p:cSld>
+    <p:spTree>
+      <p:nvGrpSpPr>
+        <p:cNvPr id="1" name="">
+          <a:extLst>
+            <a:ext uri="{FF2B5EF4-FFF2-40B4-BE49-F238E27FC236}">
+              <a16:creationId xmlns:a16="http://schemas.microsoft.com/office/drawing/2014/main" id="{9D2A084C-4FFD-0423-98CD-B240751629DF}"/>
+            </a:ext>
+          </a:extLst>
+        </p:cNvPr>
+        <p:cNvGrpSpPr/>
+        <p:nvPr/>
+      </p:nvGrpSpPr>
+      <p:grpSpPr>
+        <a:xfrm>
+          <a:off x="0" y="0"/>
+          <a:ext cx="0" cy="0"/>
+          <a:chOff x="0" y="0"/>
+          <a:chExt cx="0" cy="0"/>
+        </a:xfrm>
+      </p:grpSpPr>
+      <p:sp>
+        <p:nvSpPr>
+          <p:cNvPr id="4" name="Slide Number Placeholder 3">
+            <a:extLst>
+              <a:ext uri="{FF2B5EF4-FFF2-40B4-BE49-F238E27FC236}">
+                <a16:creationId xmlns:a16="http://schemas.microsoft.com/office/drawing/2014/main" id="{49B2529F-6201-8FC7-D6FA-0CDF1E97EE80}"/>
+              </a:ext>
+            </a:extLst>
+          </p:cNvPr>
+          <p:cNvSpPr>
+            <a:spLocks noGrp="1"/>
+          </p:cNvSpPr>
+          <p:nvPr>
+            <p:ph type="sldNum" sz="quarter" idx="4294967295"/>
+          </p:nvPr>
+        </p:nvSpPr>
+        <p:spPr>
+          <a:xfrm>
+            <a:off x="7086600" y="6364288"/>
+            <a:ext cx="2057400" cy="365125"/>
+          </a:xfrm>
+        </p:spPr>
+        <p:txBody>
+          <a:bodyPr/>
+          <a:lstStyle/>
+          <a:p>
+            <a:fld id="{061D2053-A9F4-4414-A3FB-98959FE1F87A}" type="slidenum">
+              <a:rPr lang="en-US" smtClean="0"/>
+              <a:pPr/>
+              <a:t>13</a:t>
+            </a:fld>
+            <a:endParaRPr lang="en-US" dirty="0"/>
+          </a:p>
+        </p:txBody>
+      </p:sp>
+      <p:pic>
+        <p:nvPicPr>
+          <p:cNvPr id="3" name="Picture 2">
+            <a:extLst>
+              <a:ext uri="{FF2B5EF4-FFF2-40B4-BE49-F238E27FC236}">
+                <a16:creationId xmlns:a16="http://schemas.microsoft.com/office/drawing/2014/main" id="{A8484B51-79C1-E72E-02B8-A8D734DFCAFD}"/>
+              </a:ext>
+            </a:extLst>
+          </p:cNvPr>
+          <p:cNvPicPr>
+            <a:picLocks noChangeAspect="1"/>
+          </p:cNvPicPr>
+          <p:nvPr/>
+        </p:nvPicPr>
+        <p:blipFill>
+          <a:blip r:embed="rId2"/>
+          <a:stretch>
+            <a:fillRect/>
+          </a:stretch>
+        </p:blipFill>
+        <p:spPr>
+          <a:xfrm>
+            <a:off x="0" y="123223"/>
+            <a:ext cx="9144000" cy="6611554"/>
+          </a:xfrm>
+          <a:prstGeom prst="rect">
+            <a:avLst/>
+          </a:prstGeom>
+        </p:spPr>
+      </p:pic>
+    </p:spTree>
+    <p:extLst>
+      <p:ext uri="{BB962C8B-B14F-4D97-AF65-F5344CB8AC3E}">
+        <p14:creationId xmlns:p14="http://schemas.microsoft.com/office/powerpoint/2010/main" val="2546920224"/>
+      </p:ext>
+    </p:extLst>
+  </p:cSld>
+  <p:clrMapOvr>
+    <a:masterClrMapping/>
+  </p:clrMapOvr>
+</p:sld>
+</file>
+
+<file path=ppt/slides/slide14.xml><?xml version="1.0" encoding="utf-8"?>
+<p:sld xmlns:a="http://schemas.openxmlformats.org/drawingml/2006/main" xmlns:r="http://schemas.openxmlformats.org/officeDocument/2006/relationships" xmlns:p="http://schemas.openxmlformats.org/presentationml/2006/main">
+  <p:cSld>
+    <p:spTree>
+      <p:nvGrpSpPr>
+        <p:cNvPr id="1" name="">
+          <a:extLst>
+            <a:ext uri="{FF2B5EF4-FFF2-40B4-BE49-F238E27FC236}">
+              <a16:creationId xmlns:a16="http://schemas.microsoft.com/office/drawing/2014/main" id="{83DE2176-2689-774D-5201-7C1A9B40B2D2}"/>
+            </a:ext>
+          </a:extLst>
+        </p:cNvPr>
+        <p:cNvGrpSpPr/>
+        <p:nvPr/>
+      </p:nvGrpSpPr>
+      <p:grpSpPr>
+        <a:xfrm>
+          <a:off x="0" y="0"/>
+          <a:ext cx="0" cy="0"/>
+          <a:chOff x="0" y="0"/>
+          <a:chExt cx="0" cy="0"/>
+        </a:xfrm>
+      </p:grpSpPr>
+      <p:sp>
+        <p:nvSpPr>
+          <p:cNvPr id="4" name="Slide Number Placeholder 3">
+            <a:extLst>
+              <a:ext uri="{FF2B5EF4-FFF2-40B4-BE49-F238E27FC236}">
+                <a16:creationId xmlns:a16="http://schemas.microsoft.com/office/drawing/2014/main" id="{ADAF3295-789F-D71C-58C2-61AB7AD0DC29}"/>
+              </a:ext>
+            </a:extLst>
+          </p:cNvPr>
+          <p:cNvSpPr>
+            <a:spLocks noGrp="1"/>
+          </p:cNvSpPr>
+          <p:nvPr>
+            <p:ph type="sldNum" sz="quarter" idx="4294967295"/>
+          </p:nvPr>
+        </p:nvSpPr>
+        <p:spPr>
+          <a:xfrm>
+            <a:off x="7086600" y="6364288"/>
+            <a:ext cx="2057400" cy="365125"/>
+          </a:xfrm>
+        </p:spPr>
+        <p:txBody>
+          <a:bodyPr/>
+          <a:lstStyle/>
+          <a:p>
+            <a:fld id="{061D2053-A9F4-4414-A3FB-98959FE1F87A}" type="slidenum">
+              <a:rPr lang="en-US" smtClean="0"/>
+              <a:pPr/>
+              <a:t>14</a:t>
+            </a:fld>
+            <a:endParaRPr lang="en-US" dirty="0"/>
+          </a:p>
+        </p:txBody>
+      </p:sp>
+      <p:pic>
+        <p:nvPicPr>
+          <p:cNvPr id="6" name="Picture 5">
+            <a:extLst>
+              <a:ext uri="{FF2B5EF4-FFF2-40B4-BE49-F238E27FC236}">
+                <a16:creationId xmlns:a16="http://schemas.microsoft.com/office/drawing/2014/main" id="{ADC9E0FA-6EA8-A975-9039-F3CDADE0E2AD}"/>
+              </a:ext>
+            </a:extLst>
+          </p:cNvPr>
+          <p:cNvPicPr>
+            <a:picLocks noChangeAspect="1"/>
+          </p:cNvPicPr>
+          <p:nvPr/>
+        </p:nvPicPr>
+        <p:blipFill>
+          <a:blip r:embed="rId2"/>
+          <a:stretch>
+            <a:fillRect/>
+          </a:stretch>
+        </p:blipFill>
+        <p:spPr>
+          <a:xfrm>
+            <a:off x="1647825" y="0"/>
+            <a:ext cx="5848350" cy="6858000"/>
+          </a:xfrm>
+          <a:prstGeom prst="rect">
+            <a:avLst/>
+          </a:prstGeom>
+        </p:spPr>
+      </p:pic>
+    </p:spTree>
+    <p:extLst>
+      <p:ext uri="{BB962C8B-B14F-4D97-AF65-F5344CB8AC3E}">
+        <p14:creationId xmlns:p14="http://schemas.microsoft.com/office/powerpoint/2010/main" val="1081919599"/>
+      </p:ext>
+    </p:extLst>
+  </p:cSld>
+  <p:clrMapOvr>
+    <a:masterClrMapping/>
+  </p:clrMapOvr>
+</p:sld>
+</file>
+
+<file path=ppt/slides/slide15.xml><?xml version="1.0" encoding="utf-8"?>
+<p:sld xmlns:a="http://schemas.openxmlformats.org/drawingml/2006/main" xmlns:r="http://schemas.openxmlformats.org/officeDocument/2006/relationships" xmlns:p="http://schemas.openxmlformats.org/presentationml/2006/main">
+  <p:cSld>
+    <p:spTree>
+      <p:nvGrpSpPr>
+        <p:cNvPr id="1" name="">
+          <a:extLst>
+            <a:ext uri="{FF2B5EF4-FFF2-40B4-BE49-F238E27FC236}">
+              <a16:creationId xmlns:a16="http://schemas.microsoft.com/office/drawing/2014/main" id="{62005E68-416C-54E5-B8E2-0FD81DE22460}"/>
+            </a:ext>
+          </a:extLst>
+        </p:cNvPr>
+        <p:cNvGrpSpPr/>
+        <p:nvPr/>
+      </p:nvGrpSpPr>
+      <p:grpSpPr>
+        <a:xfrm>
+          <a:off x="0" y="0"/>
+          <a:ext cx="0" cy="0"/>
+          <a:chOff x="0" y="0"/>
+          <a:chExt cx="0" cy="0"/>
+        </a:xfrm>
+      </p:grpSpPr>
+      <p:sp>
+        <p:nvSpPr>
+          <p:cNvPr id="4" name="Slide Number Placeholder 3">
+            <a:extLst>
+              <a:ext uri="{FF2B5EF4-FFF2-40B4-BE49-F238E27FC236}">
+                <a16:creationId xmlns:a16="http://schemas.microsoft.com/office/drawing/2014/main" id="{516B3FF7-81B7-140B-8C5D-4DF579750D0D}"/>
+              </a:ext>
+            </a:extLst>
+          </p:cNvPr>
+          <p:cNvSpPr>
+            <a:spLocks noGrp="1"/>
+          </p:cNvSpPr>
+          <p:nvPr>
+            <p:ph type="sldNum" sz="quarter" idx="4294967295"/>
+          </p:nvPr>
+        </p:nvSpPr>
+        <p:spPr>
+          <a:xfrm>
+            <a:off x="7086600" y="6364288"/>
+            <a:ext cx="2057400" cy="365125"/>
+          </a:xfrm>
+        </p:spPr>
+        <p:txBody>
+          <a:bodyPr/>
+          <a:lstStyle/>
+          <a:p>
+            <a:fld id="{061D2053-A9F4-4414-A3FB-98959FE1F87A}" type="slidenum">
+              <a:rPr lang="en-US" smtClean="0"/>
+              <a:pPr/>
+              <a:t>15</a:t>
+            </a:fld>
+            <a:endParaRPr lang="en-US" dirty="0"/>
+          </a:p>
+        </p:txBody>
+      </p:sp>
+      <p:pic>
+        <p:nvPicPr>
+          <p:cNvPr id="9" name="Picture 8">
+            <a:extLst>
+              <a:ext uri="{FF2B5EF4-FFF2-40B4-BE49-F238E27FC236}">
+                <a16:creationId xmlns:a16="http://schemas.microsoft.com/office/drawing/2014/main" id="{3552B203-43A1-DCFC-6204-B7F73DFE6D9F}"/>
+              </a:ext>
+            </a:extLst>
+          </p:cNvPr>
+          <p:cNvPicPr>
+            <a:picLocks noChangeAspect="1"/>
+          </p:cNvPicPr>
+          <p:nvPr/>
+        </p:nvPicPr>
+        <p:blipFill>
+          <a:blip r:embed="rId2"/>
+          <a:stretch>
+            <a:fillRect/>
+          </a:stretch>
+        </p:blipFill>
+        <p:spPr>
+          <a:xfrm>
+            <a:off x="1777694" y="0"/>
+            <a:ext cx="5588611" cy="6858000"/>
+          </a:xfrm>
+          <a:prstGeom prst="rect">
+            <a:avLst/>
+          </a:prstGeom>
+        </p:spPr>
+      </p:pic>
+    </p:spTree>
+    <p:extLst>
+      <p:ext uri="{BB962C8B-B14F-4D97-AF65-F5344CB8AC3E}">
+        <p14:creationId xmlns:p14="http://schemas.microsoft.com/office/powerpoint/2010/main" val="231739612"/>
+      </p:ext>
+    </p:extLst>
+  </p:cSld>
+  <p:clrMapOvr>
+    <a:masterClrMapping/>
+  </p:clrMapOvr>
+</p:sld>
+</file>
+
+<file path=ppt/slides/slide16.xml><?xml version="1.0" encoding="utf-8"?>
+<p:sld xmlns:a="http://schemas.openxmlformats.org/drawingml/2006/main" xmlns:r="http://schemas.openxmlformats.org/officeDocument/2006/relationships" xmlns:p="http://schemas.openxmlformats.org/presentationml/2006/main">
+  <p:cSld>
+    <p:spTree>
+      <p:nvGrpSpPr>
+        <p:cNvPr id="1" name="">
+          <a:extLst>
+            <a:ext uri="{FF2B5EF4-FFF2-40B4-BE49-F238E27FC236}">
+              <a16:creationId xmlns:a16="http://schemas.microsoft.com/office/drawing/2014/main" id="{2DB856C9-58D9-40D4-D4A9-93FC85BC3952}"/>
+            </a:ext>
+          </a:extLst>
+        </p:cNvPr>
+        <p:cNvGrpSpPr/>
+        <p:nvPr/>
+      </p:nvGrpSpPr>
+      <p:grpSpPr>
+        <a:xfrm>
+          <a:off x="0" y="0"/>
+          <a:ext cx="0" cy="0"/>
+          <a:chOff x="0" y="0"/>
+          <a:chExt cx="0" cy="0"/>
+        </a:xfrm>
+      </p:grpSpPr>
+      <p:sp>
+        <p:nvSpPr>
+          <p:cNvPr id="4" name="Slide Number Placeholder 3">
+            <a:extLst>
+              <a:ext uri="{FF2B5EF4-FFF2-40B4-BE49-F238E27FC236}">
+                <a16:creationId xmlns:a16="http://schemas.microsoft.com/office/drawing/2014/main" id="{4A14E4C6-3D31-A920-43F1-2761B605A2B9}"/>
+              </a:ext>
+            </a:extLst>
+          </p:cNvPr>
+          <p:cNvSpPr>
+            <a:spLocks noGrp="1"/>
+          </p:cNvSpPr>
+          <p:nvPr>
+            <p:ph type="sldNum" sz="quarter" idx="4294967295"/>
+          </p:nvPr>
+        </p:nvSpPr>
+        <p:spPr>
+          <a:xfrm>
+            <a:off x="7086600" y="6364288"/>
+            <a:ext cx="2057400" cy="365125"/>
+          </a:xfrm>
+        </p:spPr>
+        <p:txBody>
+          <a:bodyPr/>
+          <a:lstStyle/>
+          <a:p>
+            <a:fld id="{061D2053-A9F4-4414-A3FB-98959FE1F87A}" type="slidenum">
+              <a:rPr lang="en-US" smtClean="0"/>
+              <a:pPr/>
+              <a:t>16</a:t>
+            </a:fld>
+            <a:endParaRPr lang="en-US" dirty="0"/>
+          </a:p>
+        </p:txBody>
+      </p:sp>
+      <p:pic>
+        <p:nvPicPr>
+          <p:cNvPr id="8" name="Picture 7">
+            <a:extLst>
+              <a:ext uri="{FF2B5EF4-FFF2-40B4-BE49-F238E27FC236}">
+                <a16:creationId xmlns:a16="http://schemas.microsoft.com/office/drawing/2014/main" id="{9609EBB4-4662-9623-BB2C-80A2849F0631}"/>
+              </a:ext>
+            </a:extLst>
+          </p:cNvPr>
+          <p:cNvPicPr>
+            <a:picLocks noChangeAspect="1"/>
+          </p:cNvPicPr>
+          <p:nvPr/>
+        </p:nvPicPr>
+        <p:blipFill>
+          <a:blip r:embed="rId2"/>
+          <a:stretch>
+            <a:fillRect/>
+          </a:stretch>
+        </p:blipFill>
+        <p:spPr>
+          <a:xfrm>
+            <a:off x="304341" y="0"/>
+            <a:ext cx="8535318" cy="6858000"/>
+          </a:xfrm>
+          <a:prstGeom prst="rect">
+            <a:avLst/>
+          </a:prstGeom>
+        </p:spPr>
+      </p:pic>
+    </p:spTree>
+    <p:extLst>
+      <p:ext uri="{BB962C8B-B14F-4D97-AF65-F5344CB8AC3E}">
+        <p14:creationId xmlns:p14="http://schemas.microsoft.com/office/powerpoint/2010/main" val="3076108425"/>
+      </p:ext>
+    </p:extLst>
+  </p:cSld>
+  <p:clrMapOvr>
+    <a:masterClrMapping/>
+  </p:clrMapOvr>
+</p:sld>
+</file>
+
+<file path=ppt/slides/slide17.xml><?xml version="1.0" encoding="utf-8"?>
+<p:sld xmlns:a="http://schemas.openxmlformats.org/drawingml/2006/main" xmlns:r="http://schemas.openxmlformats.org/officeDocument/2006/relationships" xmlns:p="http://schemas.openxmlformats.org/presentationml/2006/main">
+  <p:cSld>
+    <p:spTree>
+      <p:nvGrpSpPr>
+        <p:cNvPr id="1" name="">
+          <a:extLst>
+            <a:ext uri="{FF2B5EF4-FFF2-40B4-BE49-F238E27FC236}">
+              <a16:creationId xmlns:a16="http://schemas.microsoft.com/office/drawing/2014/main" id="{D008CC41-8D55-A842-F423-756E85BC3D6C}"/>
+            </a:ext>
+          </a:extLst>
+        </p:cNvPr>
+        <p:cNvGrpSpPr/>
+        <p:nvPr/>
+      </p:nvGrpSpPr>
+      <p:grpSpPr>
+        <a:xfrm>
+          <a:off x="0" y="0"/>
+          <a:ext cx="0" cy="0"/>
+          <a:chOff x="0" y="0"/>
+          <a:chExt cx="0" cy="0"/>
+        </a:xfrm>
+      </p:grpSpPr>
+      <p:sp>
+        <p:nvSpPr>
+          <p:cNvPr id="4" name="Slide Number Placeholder 3">
+            <a:extLst>
+              <a:ext uri="{FF2B5EF4-FFF2-40B4-BE49-F238E27FC236}">
+                <a16:creationId xmlns:a16="http://schemas.microsoft.com/office/drawing/2014/main" id="{88E78B3B-FD69-0DB9-837C-DE449D949124}"/>
+              </a:ext>
+            </a:extLst>
+          </p:cNvPr>
+          <p:cNvSpPr>
+            <a:spLocks noGrp="1"/>
+          </p:cNvSpPr>
+          <p:nvPr>
+            <p:ph type="sldNum" sz="quarter" idx="4294967295"/>
+          </p:nvPr>
+        </p:nvSpPr>
+        <p:spPr>
+          <a:xfrm>
+            <a:off x="7086600" y="6364288"/>
+            <a:ext cx="2057400" cy="365125"/>
+          </a:xfrm>
+        </p:spPr>
+        <p:txBody>
+          <a:bodyPr/>
+          <a:lstStyle/>
+          <a:p>
+            <a:fld id="{061D2053-A9F4-4414-A3FB-98959FE1F87A}" type="slidenum">
+              <a:rPr lang="en-US" smtClean="0"/>
+              <a:pPr/>
+              <a:t>17</a:t>
+            </a:fld>
+            <a:endParaRPr lang="en-US" dirty="0"/>
+          </a:p>
+        </p:txBody>
+      </p:sp>
+      <p:pic>
+        <p:nvPicPr>
+          <p:cNvPr id="3" name="Picture 2">
+            <a:extLst>
+              <a:ext uri="{FF2B5EF4-FFF2-40B4-BE49-F238E27FC236}">
+                <a16:creationId xmlns:a16="http://schemas.microsoft.com/office/drawing/2014/main" id="{0F300819-D892-9348-13D7-53B1EF237F19}"/>
+              </a:ext>
+            </a:extLst>
+          </p:cNvPr>
+          <p:cNvPicPr>
+            <a:picLocks noChangeAspect="1"/>
+          </p:cNvPicPr>
+          <p:nvPr/>
+        </p:nvPicPr>
+        <p:blipFill>
+          <a:blip r:embed="rId2"/>
+          <a:stretch>
+            <a:fillRect/>
+          </a:stretch>
+        </p:blipFill>
+        <p:spPr>
+          <a:xfrm>
+            <a:off x="1735595" y="0"/>
+            <a:ext cx="5672809" cy="6858000"/>
+          </a:xfrm>
+          <a:prstGeom prst="rect">
+            <a:avLst/>
+          </a:prstGeom>
+        </p:spPr>
+      </p:pic>
+    </p:spTree>
+    <p:extLst>
+      <p:ext uri="{BB962C8B-B14F-4D97-AF65-F5344CB8AC3E}">
+        <p14:creationId xmlns:p14="http://schemas.microsoft.com/office/powerpoint/2010/main" val="1621651027"/>
+      </p:ext>
+    </p:extLst>
   </p:cSld>
   <p:clrMapOvr>
     <a:masterClrMapping/>

--- a/Teaching/Chemistry/Labs/FCC Chem 3A Expt 6a Molecular Modeling.pptx
+++ b/Teaching/Chemistry/Labs/FCC Chem 3A Expt 6a Molecular Modeling.pptx
@@ -11234,10 +11234,10 @@
       </p:sp>
       <p:pic>
         <p:nvPicPr>
-          <p:cNvPr id="8" name="Picture 7">
+          <p:cNvPr id="3" name="Picture 2">
             <a:extLst>
               <a:ext uri="{FF2B5EF4-FFF2-40B4-BE49-F238E27FC236}">
-                <a16:creationId xmlns:a16="http://schemas.microsoft.com/office/drawing/2014/main" id="{9609EBB4-4662-9623-BB2C-80A2849F0631}"/>
+                <a16:creationId xmlns:a16="http://schemas.microsoft.com/office/drawing/2014/main" id="{C6CF1FE8-F5AB-9EBA-62AE-A135B99B2F5D}"/>
               </a:ext>
             </a:extLst>
           </p:cNvPr>
@@ -11254,8 +11254,8 @@
         </p:blipFill>
         <p:spPr>
           <a:xfrm>
-            <a:off x="304341" y="0"/>
-            <a:ext cx="8535318" cy="6858000"/>
+            <a:off x="304800" y="0"/>
+            <a:ext cx="8534400" cy="6858000"/>
           </a:xfrm>
           <a:prstGeom prst="rect">
             <a:avLst/>
